--- a/Progetto.pptx
+++ b/Progetto.pptx
@@ -7,16 +7,29 @@
   <p:sldIdLst>
     <p:sldId id="257" r:id="rId2"/>
     <p:sldId id="256" r:id="rId3"/>
-    <p:sldId id="258" r:id="rId4"/>
-    <p:sldId id="259" r:id="rId5"/>
-    <p:sldId id="260" r:id="rId6"/>
-    <p:sldId id="266" r:id="rId7"/>
-    <p:sldId id="267" r:id="rId8"/>
-    <p:sldId id="268" r:id="rId9"/>
-    <p:sldId id="269" r:id="rId10"/>
-    <p:sldId id="270" r:id="rId11"/>
-    <p:sldId id="271" r:id="rId12"/>
-    <p:sldId id="272" r:id="rId13"/>
+    <p:sldId id="273" r:id="rId4"/>
+    <p:sldId id="258" r:id="rId5"/>
+    <p:sldId id="259" r:id="rId6"/>
+    <p:sldId id="260" r:id="rId7"/>
+    <p:sldId id="266" r:id="rId8"/>
+    <p:sldId id="267" r:id="rId9"/>
+    <p:sldId id="268" r:id="rId10"/>
+    <p:sldId id="269" r:id="rId11"/>
+    <p:sldId id="270" r:id="rId12"/>
+    <p:sldId id="271" r:id="rId13"/>
+    <p:sldId id="272" r:id="rId14"/>
+    <p:sldId id="274" r:id="rId15"/>
+    <p:sldId id="286" r:id="rId16"/>
+    <p:sldId id="275" r:id="rId17"/>
+    <p:sldId id="279" r:id="rId18"/>
+    <p:sldId id="278" r:id="rId19"/>
+    <p:sldId id="277" r:id="rId20"/>
+    <p:sldId id="276" r:id="rId21"/>
+    <p:sldId id="281" r:id="rId22"/>
+    <p:sldId id="285" r:id="rId23"/>
+    <p:sldId id="284" r:id="rId24"/>
+    <p:sldId id="283" r:id="rId25"/>
+    <p:sldId id="282" r:id="rId26"/>
   </p:sldIdLst>
   <p:sldSz cx="12192000" cy="6858000"/>
   <p:notesSz cx="6858000" cy="9144000"/>
@@ -270,7 +283,7 @@
           <a:p>
             <a:fld id="{B80E6053-DDAD-4EF6-9C94-4FF76AA02504}" type="datetimeFigureOut">
               <a:rPr lang="it-IT" smtClean="0"/>
-              <a:t>21/10/2023</a:t>
+              <a:t>25/10/2023</a:t>
             </a:fld>
             <a:endParaRPr lang="it-IT"/>
           </a:p>
@@ -468,7 +481,7 @@
           <a:p>
             <a:fld id="{B80E6053-DDAD-4EF6-9C94-4FF76AA02504}" type="datetimeFigureOut">
               <a:rPr lang="it-IT" smtClean="0"/>
-              <a:t>21/10/2023</a:t>
+              <a:t>25/10/2023</a:t>
             </a:fld>
             <a:endParaRPr lang="it-IT"/>
           </a:p>
@@ -676,7 +689,7 @@
           <a:p>
             <a:fld id="{B80E6053-DDAD-4EF6-9C94-4FF76AA02504}" type="datetimeFigureOut">
               <a:rPr lang="it-IT" smtClean="0"/>
-              <a:t>21/10/2023</a:t>
+              <a:t>25/10/2023</a:t>
             </a:fld>
             <a:endParaRPr lang="it-IT"/>
           </a:p>
@@ -874,7 +887,7 @@
           <a:p>
             <a:fld id="{B80E6053-DDAD-4EF6-9C94-4FF76AA02504}" type="datetimeFigureOut">
               <a:rPr lang="it-IT" smtClean="0"/>
-              <a:t>21/10/2023</a:t>
+              <a:t>25/10/2023</a:t>
             </a:fld>
             <a:endParaRPr lang="it-IT"/>
           </a:p>
@@ -1149,7 +1162,7 @@
           <a:p>
             <a:fld id="{B80E6053-DDAD-4EF6-9C94-4FF76AA02504}" type="datetimeFigureOut">
               <a:rPr lang="it-IT" smtClean="0"/>
-              <a:t>21/10/2023</a:t>
+              <a:t>25/10/2023</a:t>
             </a:fld>
             <a:endParaRPr lang="it-IT"/>
           </a:p>
@@ -1414,7 +1427,7 @@
           <a:p>
             <a:fld id="{B80E6053-DDAD-4EF6-9C94-4FF76AA02504}" type="datetimeFigureOut">
               <a:rPr lang="it-IT" smtClean="0"/>
-              <a:t>21/10/2023</a:t>
+              <a:t>25/10/2023</a:t>
             </a:fld>
             <a:endParaRPr lang="it-IT"/>
           </a:p>
@@ -1826,7 +1839,7 @@
           <a:p>
             <a:fld id="{B80E6053-DDAD-4EF6-9C94-4FF76AA02504}" type="datetimeFigureOut">
               <a:rPr lang="it-IT" smtClean="0"/>
-              <a:t>21/10/2023</a:t>
+              <a:t>25/10/2023</a:t>
             </a:fld>
             <a:endParaRPr lang="it-IT"/>
           </a:p>
@@ -1967,7 +1980,7 @@
           <a:p>
             <a:fld id="{B80E6053-DDAD-4EF6-9C94-4FF76AA02504}" type="datetimeFigureOut">
               <a:rPr lang="it-IT" smtClean="0"/>
-              <a:t>21/10/2023</a:t>
+              <a:t>25/10/2023</a:t>
             </a:fld>
             <a:endParaRPr lang="it-IT"/>
           </a:p>
@@ -2080,7 +2093,7 @@
           <a:p>
             <a:fld id="{B80E6053-DDAD-4EF6-9C94-4FF76AA02504}" type="datetimeFigureOut">
               <a:rPr lang="it-IT" smtClean="0"/>
-              <a:t>21/10/2023</a:t>
+              <a:t>25/10/2023</a:t>
             </a:fld>
             <a:endParaRPr lang="it-IT"/>
           </a:p>
@@ -2391,7 +2404,7 @@
           <a:p>
             <a:fld id="{B80E6053-DDAD-4EF6-9C94-4FF76AA02504}" type="datetimeFigureOut">
               <a:rPr lang="it-IT" smtClean="0"/>
-              <a:t>21/10/2023</a:t>
+              <a:t>25/10/2023</a:t>
             </a:fld>
             <a:endParaRPr lang="it-IT"/>
           </a:p>
@@ -2679,7 +2692,7 @@
           <a:p>
             <a:fld id="{B80E6053-DDAD-4EF6-9C94-4FF76AA02504}" type="datetimeFigureOut">
               <a:rPr lang="it-IT" smtClean="0"/>
-              <a:t>21/10/2023</a:t>
+              <a:t>25/10/2023</a:t>
             </a:fld>
             <a:endParaRPr lang="it-IT"/>
           </a:p>
@@ -2920,7 +2933,7 @@
           <a:p>
             <a:fld id="{B80E6053-DDAD-4EF6-9C94-4FF76AA02504}" type="datetimeFigureOut">
               <a:rPr lang="it-IT" smtClean="0"/>
-              <a:t>21/10/2023</a:t>
+              <a:t>25/10/2023</a:t>
             </a:fld>
             <a:endParaRPr lang="it-IT"/>
           </a:p>
@@ -5908,6 +5921,91 @@
       </p:grpSpPr>
       <p:pic>
         <p:nvPicPr>
+          <p:cNvPr id="10242" name="Picture 2">
+            <a:extLst>
+              <a:ext uri="{FF2B5EF4-FFF2-40B4-BE49-F238E27FC236}">
+                <a16:creationId xmlns:a16="http://schemas.microsoft.com/office/drawing/2014/main" id="{1F27091A-4D6E-55B7-2F8D-8C49F4F3C462}"/>
+              </a:ext>
+            </a:extLst>
+          </p:cNvPr>
+          <p:cNvPicPr>
+            <a:picLocks noChangeAspect="1" noChangeArrowheads="1"/>
+          </p:cNvPicPr>
+          <p:nvPr/>
+        </p:nvPicPr>
+        <p:blipFill>
+          <a:blip r:embed="rId2">
+            <a:extLst>
+              <a:ext uri="{28A0092B-C50C-407E-A947-70E740481C1C}">
+                <a14:useLocalDpi xmlns:a14="http://schemas.microsoft.com/office/drawing/2010/main" val="0"/>
+              </a:ext>
+            </a:extLst>
+          </a:blip>
+          <a:srcRect/>
+          <a:stretch>
+            <a:fillRect/>
+          </a:stretch>
+        </p:blipFill>
+        <p:spPr bwMode="auto">
+          <a:xfrm>
+            <a:off x="1421850" y="124200"/>
+            <a:ext cx="9348300" cy="6609600"/>
+          </a:xfrm>
+          <a:prstGeom prst="rect">
+            <a:avLst/>
+          </a:prstGeom>
+          <a:noFill/>
+          <a:extLst>
+            <a:ext uri="{909E8E84-426E-40DD-AFC4-6F175D3DCCD1}">
+              <a14:hiddenFill xmlns:a14="http://schemas.microsoft.com/office/drawing/2010/main">
+                <a:solidFill>
+                  <a:srgbClr val="FFFFFF"/>
+                </a:solidFill>
+              </a14:hiddenFill>
+            </a:ext>
+          </a:extLst>
+        </p:spPr>
+      </p:pic>
+    </p:spTree>
+    <p:extLst>
+      <p:ext uri="{BB962C8B-B14F-4D97-AF65-F5344CB8AC3E}">
+        <p14:creationId xmlns:p14="http://schemas.microsoft.com/office/powerpoint/2010/main" val="228837853"/>
+      </p:ext>
+    </p:extLst>
+  </p:cSld>
+  <p:clrMapOvr>
+    <a:masterClrMapping/>
+  </p:clrMapOvr>
+</p:sld>
+</file>
+
+<file path=ppt/slides/slide11.xml><?xml version="1.0" encoding="utf-8"?>
+<p:sld xmlns:a="http://schemas.openxmlformats.org/drawingml/2006/main" xmlns:r="http://schemas.openxmlformats.org/officeDocument/2006/relationships" xmlns:p="http://schemas.openxmlformats.org/presentationml/2006/main">
+  <p:cSld>
+    <p:bg>
+      <p:bgPr>
+        <a:solidFill>
+          <a:srgbClr val="FFDFD4"/>
+        </a:solidFill>
+        <a:effectLst/>
+      </p:bgPr>
+    </p:bg>
+    <p:spTree>
+      <p:nvGrpSpPr>
+        <p:cNvPr id="1" name=""/>
+        <p:cNvGrpSpPr/>
+        <p:nvPr/>
+      </p:nvGrpSpPr>
+      <p:grpSpPr>
+        <a:xfrm>
+          <a:off x="0" y="0"/>
+          <a:ext cx="0" cy="0"/>
+          <a:chOff x="0" y="0"/>
+          <a:chExt cx="0" cy="0"/>
+        </a:xfrm>
+      </p:grpSpPr>
+      <p:pic>
+        <p:nvPicPr>
           <p:cNvPr id="11266" name="Picture 2">
             <a:extLst>
               <a:ext uri="{FF2B5EF4-FFF2-40B4-BE49-F238E27FC236}">
@@ -5966,7 +6064,7 @@
 </p:sld>
 </file>
 
-<file path=ppt/slides/slide11.xml><?xml version="1.0" encoding="utf-8"?>
+<file path=ppt/slides/slide12.xml><?xml version="1.0" encoding="utf-8"?>
 <p:sld xmlns:a="http://schemas.openxmlformats.org/drawingml/2006/main" xmlns:r="http://schemas.openxmlformats.org/officeDocument/2006/relationships" xmlns:p="http://schemas.openxmlformats.org/presentationml/2006/main">
   <p:cSld>
     <p:bg>
@@ -6051,7 +6149,7 @@
 </p:sld>
 </file>
 
-<file path=ppt/slides/slide12.xml><?xml version="1.0" encoding="utf-8"?>
+<file path=ppt/slides/slide13.xml><?xml version="1.0" encoding="utf-8"?>
 <p:sld xmlns:a="http://schemas.openxmlformats.org/drawingml/2006/main" xmlns:r="http://schemas.openxmlformats.org/officeDocument/2006/relationships" xmlns:p="http://schemas.openxmlformats.org/presentationml/2006/main">
   <p:cSld>
     <p:bg>
@@ -6133,6 +6231,2067 @@
   <p:clrMapOvr>
     <a:masterClrMapping/>
   </p:clrMapOvr>
+</p:sld>
+</file>
+
+<file path=ppt/slides/slide14.xml><?xml version="1.0" encoding="utf-8"?>
+<p:sld xmlns:a="http://schemas.openxmlformats.org/drawingml/2006/main" xmlns:r="http://schemas.openxmlformats.org/officeDocument/2006/relationships" xmlns:p="http://schemas.openxmlformats.org/presentationml/2006/main">
+  <p:cSld>
+    <p:bg>
+      <p:bgPr>
+        <a:solidFill>
+          <a:srgbClr val="FFDFD4"/>
+        </a:solidFill>
+        <a:effectLst/>
+      </p:bgPr>
+    </p:bg>
+    <p:spTree>
+      <p:nvGrpSpPr>
+        <p:cNvPr id="1" name=""/>
+        <p:cNvGrpSpPr/>
+        <p:nvPr/>
+      </p:nvGrpSpPr>
+      <p:grpSpPr>
+        <a:xfrm>
+          <a:off x="0" y="0"/>
+          <a:ext cx="0" cy="0"/>
+          <a:chOff x="0" y="0"/>
+          <a:chExt cx="0" cy="0"/>
+        </a:xfrm>
+      </p:grpSpPr>
+      <p:pic>
+        <p:nvPicPr>
+          <p:cNvPr id="4100" name="Picture 4">
+            <a:extLst>
+              <a:ext uri="{FF2B5EF4-FFF2-40B4-BE49-F238E27FC236}">
+                <a16:creationId xmlns:a16="http://schemas.microsoft.com/office/drawing/2014/main" id="{7301EBEE-29D9-49F0-6B83-643A5A85ABAF}"/>
+              </a:ext>
+            </a:extLst>
+          </p:cNvPr>
+          <p:cNvPicPr>
+            <a:picLocks noChangeAspect="1" noChangeArrowheads="1"/>
+          </p:cNvPicPr>
+          <p:nvPr/>
+        </p:nvPicPr>
+        <p:blipFill>
+          <a:blip r:embed="rId2">
+            <a:extLst>
+              <a:ext uri="{28A0092B-C50C-407E-A947-70E740481C1C}">
+                <a14:useLocalDpi xmlns:a14="http://schemas.microsoft.com/office/drawing/2010/main" val="0"/>
+              </a:ext>
+            </a:extLst>
+          </a:blip>
+          <a:srcRect/>
+          <a:stretch>
+            <a:fillRect/>
+          </a:stretch>
+        </p:blipFill>
+        <p:spPr bwMode="auto">
+          <a:xfrm>
+            <a:off x="1682806" y="829734"/>
+            <a:ext cx="8826383" cy="5839200"/>
+          </a:xfrm>
+          <a:prstGeom prst="rect">
+            <a:avLst/>
+          </a:prstGeom>
+          <a:noFill/>
+          <a:extLst>
+            <a:ext uri="{909E8E84-426E-40DD-AFC4-6F175D3DCCD1}">
+              <a14:hiddenFill xmlns:a14="http://schemas.microsoft.com/office/drawing/2010/main">
+                <a:solidFill>
+                  <a:srgbClr val="FFFFFF"/>
+                </a:solidFill>
+              </a14:hiddenFill>
+            </a:ext>
+          </a:extLst>
+        </p:spPr>
+      </p:pic>
+      <p:sp>
+        <p:nvSpPr>
+          <p:cNvPr id="3" name="CasellaDiTesto 2">
+            <a:extLst>
+              <a:ext uri="{FF2B5EF4-FFF2-40B4-BE49-F238E27FC236}">
+                <a16:creationId xmlns:a16="http://schemas.microsoft.com/office/drawing/2014/main" id="{25FEA4A6-C023-8627-010C-1E257CC8E471}"/>
+              </a:ext>
+            </a:extLst>
+          </p:cNvPr>
+          <p:cNvSpPr txBox="1"/>
+          <p:nvPr/>
+        </p:nvSpPr>
+        <p:spPr>
+          <a:xfrm>
+            <a:off x="2421465" y="87532"/>
+            <a:ext cx="7349067" cy="646331"/>
+          </a:xfrm>
+          <a:prstGeom prst="rect">
+            <a:avLst/>
+          </a:prstGeom>
+          <a:noFill/>
+        </p:spPr>
+        <p:txBody>
+          <a:bodyPr wrap="square" rtlCol="0">
+            <a:spAutoFit/>
+          </a:bodyPr>
+          <a:lstStyle/>
+          <a:p>
+            <a:pPr algn="ctr"/>
+            <a:r>
+              <a:rPr lang="it-IT" sz="3600" dirty="0">
+                <a:solidFill>
+                  <a:srgbClr val="7A1B0C"/>
+                </a:solidFill>
+                <a:latin typeface="Aharoni" panose="02010803020104030203" pitchFamily="2" charset="-79"/>
+                <a:cs typeface="Aharoni" panose="02010803020104030203" pitchFamily="2" charset="-79"/>
+              </a:rPr>
+              <a:t>DISTRIBUZIONE VITTORIE</a:t>
+            </a:r>
+          </a:p>
+        </p:txBody>
+      </p:sp>
+    </p:spTree>
+    <p:extLst>
+      <p:ext uri="{BB962C8B-B14F-4D97-AF65-F5344CB8AC3E}">
+        <p14:creationId xmlns:p14="http://schemas.microsoft.com/office/powerpoint/2010/main" val="3228644959"/>
+      </p:ext>
+    </p:extLst>
+  </p:cSld>
+  <p:clrMapOvr>
+    <a:masterClrMapping/>
+  </p:clrMapOvr>
+  <p:transition spd="slow">
+    <p:push dir="u"/>
+  </p:transition>
+</p:sld>
+</file>
+
+<file path=ppt/slides/slide15.xml><?xml version="1.0" encoding="utf-8"?>
+<p:sld xmlns:a="http://schemas.openxmlformats.org/drawingml/2006/main" xmlns:r="http://schemas.openxmlformats.org/officeDocument/2006/relationships" xmlns:p="http://schemas.openxmlformats.org/presentationml/2006/main">
+  <p:cSld>
+    <p:spTree>
+      <p:nvGrpSpPr>
+        <p:cNvPr id="1" name=""/>
+        <p:cNvGrpSpPr/>
+        <p:nvPr/>
+      </p:nvGrpSpPr>
+      <p:grpSpPr>
+        <a:xfrm>
+          <a:off x="0" y="0"/>
+          <a:ext cx="0" cy="0"/>
+          <a:chOff x="0" y="0"/>
+          <a:chExt cx="0" cy="0"/>
+        </a:xfrm>
+      </p:grpSpPr>
+    </p:spTree>
+    <p:extLst>
+      <p:ext uri="{BB962C8B-B14F-4D97-AF65-F5344CB8AC3E}">
+        <p14:creationId xmlns:p14="http://schemas.microsoft.com/office/powerpoint/2010/main" val="1925480905"/>
+      </p:ext>
+    </p:extLst>
+  </p:cSld>
+  <p:clrMapOvr>
+    <a:masterClrMapping/>
+  </p:clrMapOvr>
+</p:sld>
+</file>
+
+<file path=ppt/slides/slide16.xml><?xml version="1.0" encoding="utf-8"?>
+<p:sld xmlns:a="http://schemas.openxmlformats.org/drawingml/2006/main" xmlns:r="http://schemas.openxmlformats.org/officeDocument/2006/relationships" xmlns:p="http://schemas.openxmlformats.org/presentationml/2006/main">
+  <p:cSld>
+    <p:bg>
+      <p:bgPr>
+        <a:solidFill>
+          <a:srgbClr val="FFDFD4"/>
+        </a:solidFill>
+        <a:effectLst/>
+      </p:bgPr>
+    </p:bg>
+    <p:spTree>
+      <p:nvGrpSpPr>
+        <p:cNvPr id="1" name=""/>
+        <p:cNvGrpSpPr/>
+        <p:nvPr/>
+      </p:nvGrpSpPr>
+      <p:grpSpPr>
+        <a:xfrm>
+          <a:off x="0" y="0"/>
+          <a:ext cx="0" cy="0"/>
+          <a:chOff x="0" y="0"/>
+          <a:chExt cx="0" cy="0"/>
+        </a:xfrm>
+      </p:grpSpPr>
+      <p:sp>
+        <p:nvSpPr>
+          <p:cNvPr id="9" name="Rettangolo con angoli arrotondati 8">
+            <a:extLst>
+              <a:ext uri="{FF2B5EF4-FFF2-40B4-BE49-F238E27FC236}">
+                <a16:creationId xmlns:a16="http://schemas.microsoft.com/office/drawing/2014/main" id="{BDF80EDC-CA5D-AE2F-E9F2-6803F968A33F}"/>
+              </a:ext>
+            </a:extLst>
+          </p:cNvPr>
+          <p:cNvSpPr/>
+          <p:nvPr/>
+        </p:nvSpPr>
+        <p:spPr>
+          <a:xfrm>
+            <a:off x="262466" y="2493433"/>
+            <a:ext cx="2387597" cy="1871134"/>
+          </a:xfrm>
+          <a:prstGeom prst="roundRect">
+            <a:avLst/>
+          </a:prstGeom>
+          <a:solidFill>
+            <a:schemeClr val="accent4">
+              <a:lumMod val="20000"/>
+              <a:lumOff val="80000"/>
+            </a:schemeClr>
+          </a:solidFill>
+          <a:ln>
+            <a:solidFill>
+              <a:schemeClr val="accent4">
+                <a:lumMod val="75000"/>
+              </a:schemeClr>
+            </a:solidFill>
+          </a:ln>
+        </p:spPr>
+        <p:style>
+          <a:lnRef idx="2">
+            <a:schemeClr val="accent1">
+              <a:shade val="15000"/>
+            </a:schemeClr>
+          </a:lnRef>
+          <a:fillRef idx="1">
+            <a:schemeClr val="accent1"/>
+          </a:fillRef>
+          <a:effectRef idx="0">
+            <a:schemeClr val="accent1"/>
+          </a:effectRef>
+          <a:fontRef idx="minor">
+            <a:schemeClr val="lt1"/>
+          </a:fontRef>
+        </p:style>
+        <p:txBody>
+          <a:bodyPr rtlCol="0" anchor="ctr"/>
+          <a:lstStyle/>
+          <a:p>
+            <a:pPr algn="ctr"/>
+            <a:endParaRPr lang="it-IT"/>
+          </a:p>
+        </p:txBody>
+      </p:sp>
+      <p:sp>
+        <p:nvSpPr>
+          <p:cNvPr id="2" name="CasellaDiTesto 1">
+            <a:extLst>
+              <a:ext uri="{FF2B5EF4-FFF2-40B4-BE49-F238E27FC236}">
+                <a16:creationId xmlns:a16="http://schemas.microsoft.com/office/drawing/2014/main" id="{3BF58715-1CB0-CE0C-6922-22CF991F40B9}"/>
+              </a:ext>
+            </a:extLst>
+          </p:cNvPr>
+          <p:cNvSpPr txBox="1"/>
+          <p:nvPr/>
+        </p:nvSpPr>
+        <p:spPr>
+          <a:xfrm>
+            <a:off x="922866" y="300209"/>
+            <a:ext cx="10346267" cy="1200329"/>
+          </a:xfrm>
+          <a:prstGeom prst="rect">
+            <a:avLst/>
+          </a:prstGeom>
+          <a:noFill/>
+        </p:spPr>
+        <p:txBody>
+          <a:bodyPr wrap="square" rtlCol="0">
+            <a:spAutoFit/>
+          </a:bodyPr>
+          <a:lstStyle/>
+          <a:p>
+            <a:pPr algn="ctr"/>
+            <a:r>
+              <a:rPr lang="it-IT" sz="3600" dirty="0">
+                <a:solidFill>
+                  <a:srgbClr val="7A1B0C"/>
+                </a:solidFill>
+                <a:latin typeface="Aharoni" panose="02010803020104030203" pitchFamily="2" charset="-79"/>
+                <a:cs typeface="Aharoni" panose="02010803020104030203" pitchFamily="2" charset="-79"/>
+              </a:rPr>
+              <a:t>FORMAT CLASSICO VS FORMAT SPRINT</a:t>
+            </a:r>
+          </a:p>
+          <a:p>
+            <a:pPr algn="ctr"/>
+            <a:r>
+              <a:rPr lang="it-IT" sz="3600" dirty="0">
+                <a:solidFill>
+                  <a:srgbClr val="7A1B0C"/>
+                </a:solidFill>
+                <a:latin typeface="Aharoni" panose="02010803020104030203" pitchFamily="2" charset="-79"/>
+                <a:cs typeface="Aharoni" panose="02010803020104030203" pitchFamily="2" charset="-79"/>
+              </a:rPr>
+              <a:t>FORMAT CLASSICO</a:t>
+            </a:r>
+          </a:p>
+        </p:txBody>
+      </p:sp>
+      <p:sp>
+        <p:nvSpPr>
+          <p:cNvPr id="3" name="CasellaDiTesto 2">
+            <a:extLst>
+              <a:ext uri="{FF2B5EF4-FFF2-40B4-BE49-F238E27FC236}">
+                <a16:creationId xmlns:a16="http://schemas.microsoft.com/office/drawing/2014/main" id="{74FFDB63-C646-303B-AFFE-8AEFEC14B358}"/>
+              </a:ext>
+            </a:extLst>
+          </p:cNvPr>
+          <p:cNvSpPr txBox="1"/>
+          <p:nvPr/>
+        </p:nvSpPr>
+        <p:spPr>
+          <a:xfrm>
+            <a:off x="262468" y="2624663"/>
+            <a:ext cx="2463796" cy="1200329"/>
+          </a:xfrm>
+          <a:prstGeom prst="rect">
+            <a:avLst/>
+          </a:prstGeom>
+          <a:noFill/>
+        </p:spPr>
+        <p:txBody>
+          <a:bodyPr wrap="square" rtlCol="0">
+            <a:spAutoFit/>
+          </a:bodyPr>
+          <a:lstStyle/>
+          <a:p>
+            <a:r>
+              <a:rPr lang="it-IT" dirty="0">
+                <a:latin typeface="Aharoni" panose="02010803020104030203" pitchFamily="2" charset="-79"/>
+                <a:cs typeface="Aharoni" panose="02010803020104030203" pitchFamily="2" charset="-79"/>
+              </a:rPr>
+              <a:t>PROVA LIBERA 1</a:t>
+            </a:r>
+          </a:p>
+          <a:p>
+            <a:r>
+              <a:rPr lang="it-IT" dirty="0">
+                <a:latin typeface="Aharoni" panose="02010803020104030203" pitchFamily="2" charset="-79"/>
+                <a:cs typeface="Aharoni" panose="02010803020104030203" pitchFamily="2" charset="-79"/>
+              </a:rPr>
+              <a:t>Durata: 60 minuti</a:t>
+            </a:r>
+          </a:p>
+          <a:p>
+            <a:r>
+              <a:rPr lang="it-IT" dirty="0">
+                <a:latin typeface="Aharoni" panose="02010803020104030203" pitchFamily="2" charset="-79"/>
+                <a:cs typeface="Aharoni" panose="02010803020104030203" pitchFamily="2" charset="-79"/>
+              </a:rPr>
+              <a:t>Scopo: Preparazione assetti delle vetture</a:t>
+            </a:r>
+          </a:p>
+        </p:txBody>
+      </p:sp>
+      <p:sp>
+        <p:nvSpPr>
+          <p:cNvPr id="4" name="CasellaDiTesto 3">
+            <a:extLst>
+              <a:ext uri="{FF2B5EF4-FFF2-40B4-BE49-F238E27FC236}">
+                <a16:creationId xmlns:a16="http://schemas.microsoft.com/office/drawing/2014/main" id="{8EE18F61-3A08-AEDB-9506-1765D8D36133}"/>
+              </a:ext>
+            </a:extLst>
+          </p:cNvPr>
+          <p:cNvSpPr txBox="1"/>
+          <p:nvPr/>
+        </p:nvSpPr>
+        <p:spPr>
+          <a:xfrm>
+            <a:off x="2844803" y="2624663"/>
+            <a:ext cx="2387597" cy="1200329"/>
+          </a:xfrm>
+          <a:prstGeom prst="rect">
+            <a:avLst/>
+          </a:prstGeom>
+          <a:noFill/>
+        </p:spPr>
+        <p:txBody>
+          <a:bodyPr wrap="square" rtlCol="0">
+            <a:spAutoFit/>
+          </a:bodyPr>
+          <a:lstStyle/>
+          <a:p>
+            <a:r>
+              <a:rPr lang="it-IT" dirty="0">
+                <a:solidFill>
+                  <a:srgbClr val="FFDFD4"/>
+                </a:solidFill>
+                <a:latin typeface="Aharoni" panose="02010803020104030203" pitchFamily="2" charset="-79"/>
+                <a:cs typeface="Aharoni" panose="02010803020104030203" pitchFamily="2" charset="-79"/>
+              </a:rPr>
+              <a:t>PROVA LIBERA 2</a:t>
+            </a:r>
+          </a:p>
+          <a:p>
+            <a:r>
+              <a:rPr lang="it-IT" dirty="0">
+                <a:solidFill>
+                  <a:srgbClr val="FFDFD4"/>
+                </a:solidFill>
+                <a:latin typeface="Aharoni" panose="02010803020104030203" pitchFamily="2" charset="-79"/>
+                <a:cs typeface="Aharoni" panose="02010803020104030203" pitchFamily="2" charset="-79"/>
+              </a:rPr>
+              <a:t>Durata: 60 minuti</a:t>
+            </a:r>
+          </a:p>
+          <a:p>
+            <a:r>
+              <a:rPr lang="it-IT" dirty="0">
+                <a:solidFill>
+                  <a:srgbClr val="FFDFD4"/>
+                </a:solidFill>
+                <a:latin typeface="Aharoni" panose="02010803020104030203" pitchFamily="2" charset="-79"/>
+                <a:cs typeface="Aharoni" panose="02010803020104030203" pitchFamily="2" charset="-79"/>
+              </a:rPr>
+              <a:t>Scopo: Simulazione ritmi gara</a:t>
+            </a:r>
+          </a:p>
+        </p:txBody>
+      </p:sp>
+      <p:sp>
+        <p:nvSpPr>
+          <p:cNvPr id="5" name="CasellaDiTesto 4">
+            <a:extLst>
+              <a:ext uri="{FF2B5EF4-FFF2-40B4-BE49-F238E27FC236}">
+                <a16:creationId xmlns:a16="http://schemas.microsoft.com/office/drawing/2014/main" id="{329311F0-A470-ED61-423E-07E14A48B4E2}"/>
+              </a:ext>
+            </a:extLst>
+          </p:cNvPr>
+          <p:cNvSpPr txBox="1"/>
+          <p:nvPr/>
+        </p:nvSpPr>
+        <p:spPr>
+          <a:xfrm>
+            <a:off x="5384805" y="2624663"/>
+            <a:ext cx="2116666" cy="1200329"/>
+          </a:xfrm>
+          <a:prstGeom prst="rect">
+            <a:avLst/>
+          </a:prstGeom>
+          <a:noFill/>
+        </p:spPr>
+        <p:txBody>
+          <a:bodyPr wrap="square" rtlCol="0">
+            <a:spAutoFit/>
+          </a:bodyPr>
+          <a:lstStyle/>
+          <a:p>
+            <a:r>
+              <a:rPr lang="it-IT" dirty="0">
+                <a:solidFill>
+                  <a:srgbClr val="FFDFD4"/>
+                </a:solidFill>
+                <a:latin typeface="Aharoni" panose="02010803020104030203" pitchFamily="2" charset="-79"/>
+                <a:cs typeface="Aharoni" panose="02010803020104030203" pitchFamily="2" charset="-79"/>
+              </a:rPr>
+              <a:t>PROVA LIBERA 3</a:t>
+            </a:r>
+          </a:p>
+          <a:p>
+            <a:r>
+              <a:rPr lang="it-IT" dirty="0">
+                <a:solidFill>
+                  <a:srgbClr val="FFDFD4"/>
+                </a:solidFill>
+                <a:latin typeface="Aharoni" panose="02010803020104030203" pitchFamily="2" charset="-79"/>
+                <a:cs typeface="Aharoni" panose="02010803020104030203" pitchFamily="2" charset="-79"/>
+              </a:rPr>
+              <a:t>Durata: 60 minuti</a:t>
+            </a:r>
+          </a:p>
+          <a:p>
+            <a:r>
+              <a:rPr lang="it-IT" dirty="0">
+                <a:solidFill>
+                  <a:srgbClr val="FFDFD4"/>
+                </a:solidFill>
+                <a:latin typeface="Aharoni" panose="02010803020104030203" pitchFamily="2" charset="-79"/>
+                <a:cs typeface="Aharoni" panose="02010803020104030203" pitchFamily="2" charset="-79"/>
+              </a:rPr>
+              <a:t>Scopo: Testare giri qualifica</a:t>
+            </a:r>
+          </a:p>
+        </p:txBody>
+      </p:sp>
+      <p:sp>
+        <p:nvSpPr>
+          <p:cNvPr id="6" name="CasellaDiTesto 5">
+            <a:extLst>
+              <a:ext uri="{FF2B5EF4-FFF2-40B4-BE49-F238E27FC236}">
+                <a16:creationId xmlns:a16="http://schemas.microsoft.com/office/drawing/2014/main" id="{E1B3B853-1538-497D-A07B-84DAE8FBF89C}"/>
+              </a:ext>
+            </a:extLst>
+          </p:cNvPr>
+          <p:cNvSpPr txBox="1"/>
+          <p:nvPr/>
+        </p:nvSpPr>
+        <p:spPr>
+          <a:xfrm>
+            <a:off x="7653876" y="2624663"/>
+            <a:ext cx="2311400" cy="1754326"/>
+          </a:xfrm>
+          <a:prstGeom prst="rect">
+            <a:avLst/>
+          </a:prstGeom>
+          <a:noFill/>
+        </p:spPr>
+        <p:txBody>
+          <a:bodyPr wrap="square" rtlCol="0">
+            <a:spAutoFit/>
+          </a:bodyPr>
+          <a:lstStyle/>
+          <a:p>
+            <a:r>
+              <a:rPr lang="it-IT" dirty="0">
+                <a:solidFill>
+                  <a:srgbClr val="FFDFD4"/>
+                </a:solidFill>
+                <a:latin typeface="Aharoni" panose="02010803020104030203" pitchFamily="2" charset="-79"/>
+                <a:cs typeface="Aharoni" panose="02010803020104030203" pitchFamily="2" charset="-79"/>
+              </a:rPr>
+              <a:t>QUALIFICA</a:t>
+            </a:r>
+          </a:p>
+          <a:p>
+            <a:r>
+              <a:rPr lang="it-IT" dirty="0">
+                <a:solidFill>
+                  <a:srgbClr val="FFDFD4"/>
+                </a:solidFill>
+                <a:latin typeface="Aharoni" panose="02010803020104030203" pitchFamily="2" charset="-79"/>
+                <a:cs typeface="Aharoni" panose="02010803020104030203" pitchFamily="2" charset="-79"/>
+              </a:rPr>
+              <a:t>Durata: 3 sessioni, 18, 15 e 12 minuti</a:t>
+            </a:r>
+          </a:p>
+          <a:p>
+            <a:r>
+              <a:rPr lang="it-IT" dirty="0">
+                <a:solidFill>
+                  <a:srgbClr val="FFDFD4"/>
+                </a:solidFill>
+                <a:latin typeface="Aharoni" panose="02010803020104030203" pitchFamily="2" charset="-79"/>
+                <a:cs typeface="Aharoni" panose="02010803020104030203" pitchFamily="2" charset="-79"/>
+              </a:rPr>
+              <a:t>Scopo: Stabilire la griglia di partenza della gara</a:t>
+            </a:r>
+          </a:p>
+        </p:txBody>
+      </p:sp>
+      <p:sp>
+        <p:nvSpPr>
+          <p:cNvPr id="7" name="CasellaDiTesto 6">
+            <a:extLst>
+              <a:ext uri="{FF2B5EF4-FFF2-40B4-BE49-F238E27FC236}">
+                <a16:creationId xmlns:a16="http://schemas.microsoft.com/office/drawing/2014/main" id="{429EA10C-15C2-B8EC-C0A8-FA47A2239009}"/>
+              </a:ext>
+            </a:extLst>
+          </p:cNvPr>
+          <p:cNvSpPr txBox="1"/>
+          <p:nvPr/>
+        </p:nvSpPr>
+        <p:spPr>
+          <a:xfrm>
+            <a:off x="9965277" y="2624664"/>
+            <a:ext cx="2116666" cy="1200329"/>
+          </a:xfrm>
+          <a:prstGeom prst="rect">
+            <a:avLst/>
+          </a:prstGeom>
+          <a:noFill/>
+        </p:spPr>
+        <p:txBody>
+          <a:bodyPr wrap="square" rtlCol="0">
+            <a:spAutoFit/>
+          </a:bodyPr>
+          <a:lstStyle/>
+          <a:p>
+            <a:r>
+              <a:rPr lang="it-IT" dirty="0">
+                <a:solidFill>
+                  <a:srgbClr val="FFDFD4"/>
+                </a:solidFill>
+                <a:latin typeface="Aharoni" panose="02010803020104030203" pitchFamily="2" charset="-79"/>
+                <a:cs typeface="Aharoni" panose="02010803020104030203" pitchFamily="2" charset="-79"/>
+              </a:rPr>
+              <a:t>GARA</a:t>
+            </a:r>
+          </a:p>
+          <a:p>
+            <a:r>
+              <a:rPr lang="it-IT" dirty="0">
+                <a:solidFill>
+                  <a:srgbClr val="FFDFD4"/>
+                </a:solidFill>
+                <a:latin typeface="Aharoni" panose="02010803020104030203" pitchFamily="2" charset="-79"/>
+                <a:cs typeface="Aharoni" panose="02010803020104030203" pitchFamily="2" charset="-79"/>
+              </a:rPr>
+              <a:t>Durata: 305 km,</a:t>
+            </a:r>
+          </a:p>
+          <a:p>
+            <a:r>
+              <a:rPr lang="it-IT" dirty="0">
+                <a:solidFill>
+                  <a:srgbClr val="FFDFD4"/>
+                </a:solidFill>
+                <a:latin typeface="Aharoni" panose="02010803020104030203" pitchFamily="2" charset="-79"/>
+                <a:cs typeface="Aharoni" panose="02010803020104030203" pitchFamily="2" charset="-79"/>
+              </a:rPr>
+              <a:t>90 minuti circa</a:t>
+            </a:r>
+          </a:p>
+          <a:p>
+            <a:r>
+              <a:rPr lang="it-IT" dirty="0">
+                <a:solidFill>
+                  <a:srgbClr val="FFDFD4"/>
+                </a:solidFill>
+                <a:latin typeface="Aharoni" panose="02010803020104030203" pitchFamily="2" charset="-79"/>
+                <a:cs typeface="Aharoni" panose="02010803020104030203" pitchFamily="2" charset="-79"/>
+              </a:rPr>
+              <a:t>Scopo: Vincere</a:t>
+            </a:r>
+          </a:p>
+        </p:txBody>
+      </p:sp>
+    </p:spTree>
+    <p:extLst>
+      <p:ext uri="{BB962C8B-B14F-4D97-AF65-F5344CB8AC3E}">
+        <p14:creationId xmlns:p14="http://schemas.microsoft.com/office/powerpoint/2010/main" val="3779694034"/>
+      </p:ext>
+    </p:extLst>
+  </p:cSld>
+  <p:clrMapOvr>
+    <a:masterClrMapping/>
+  </p:clrMapOvr>
+  <mc:AlternateContent xmlns:mc="http://schemas.openxmlformats.org/markup-compatibility/2006" xmlns:p159="http://schemas.microsoft.com/office/powerpoint/2015/09/main">
+    <mc:Choice Requires="p159">
+      <p:transition xmlns:p14="http://schemas.microsoft.com/office/powerpoint/2010/main" spd="slow" p14:dur="2000">
+        <p159:morph option="byObject"/>
+      </p:transition>
+    </mc:Choice>
+    <mc:Fallback xmlns="">
+      <p:transition spd="slow">
+        <p:fade/>
+      </p:transition>
+    </mc:Fallback>
+  </mc:AlternateContent>
+</p:sld>
+</file>
+
+<file path=ppt/slides/slide17.xml><?xml version="1.0" encoding="utf-8"?>
+<p:sld xmlns:a="http://schemas.openxmlformats.org/drawingml/2006/main" xmlns:r="http://schemas.openxmlformats.org/officeDocument/2006/relationships" xmlns:p="http://schemas.openxmlformats.org/presentationml/2006/main">
+  <p:cSld>
+    <p:bg>
+      <p:bgPr>
+        <a:solidFill>
+          <a:srgbClr val="FFDFD4"/>
+        </a:solidFill>
+        <a:effectLst/>
+      </p:bgPr>
+    </p:bg>
+    <p:spTree>
+      <p:nvGrpSpPr>
+        <p:cNvPr id="1" name=""/>
+        <p:cNvGrpSpPr/>
+        <p:nvPr/>
+      </p:nvGrpSpPr>
+      <p:grpSpPr>
+        <a:xfrm>
+          <a:off x="0" y="0"/>
+          <a:ext cx="0" cy="0"/>
+          <a:chOff x="0" y="0"/>
+          <a:chExt cx="0" cy="0"/>
+        </a:xfrm>
+      </p:grpSpPr>
+      <p:sp>
+        <p:nvSpPr>
+          <p:cNvPr id="9" name="Rettangolo con angoli arrotondati 8">
+            <a:extLst>
+              <a:ext uri="{FF2B5EF4-FFF2-40B4-BE49-F238E27FC236}">
+                <a16:creationId xmlns:a16="http://schemas.microsoft.com/office/drawing/2014/main" id="{BDF80EDC-CA5D-AE2F-E9F2-6803F968A33F}"/>
+              </a:ext>
+            </a:extLst>
+          </p:cNvPr>
+          <p:cNvSpPr/>
+          <p:nvPr/>
+        </p:nvSpPr>
+        <p:spPr>
+          <a:xfrm>
+            <a:off x="2878669" y="2507855"/>
+            <a:ext cx="2192858" cy="1871134"/>
+          </a:xfrm>
+          <a:prstGeom prst="roundRect">
+            <a:avLst/>
+          </a:prstGeom>
+          <a:solidFill>
+            <a:srgbClr val="FFCC99"/>
+          </a:solidFill>
+          <a:ln>
+            <a:solidFill>
+              <a:schemeClr val="accent2">
+                <a:lumMod val="75000"/>
+              </a:schemeClr>
+            </a:solidFill>
+          </a:ln>
+        </p:spPr>
+        <p:style>
+          <a:lnRef idx="2">
+            <a:schemeClr val="accent1">
+              <a:shade val="15000"/>
+            </a:schemeClr>
+          </a:lnRef>
+          <a:fillRef idx="1">
+            <a:schemeClr val="accent1"/>
+          </a:fillRef>
+          <a:effectRef idx="0">
+            <a:schemeClr val="accent1"/>
+          </a:effectRef>
+          <a:fontRef idx="minor">
+            <a:schemeClr val="lt1"/>
+          </a:fontRef>
+        </p:style>
+        <p:txBody>
+          <a:bodyPr rtlCol="0" anchor="ctr"/>
+          <a:lstStyle/>
+          <a:p>
+            <a:pPr algn="ctr"/>
+            <a:endParaRPr lang="it-IT"/>
+          </a:p>
+        </p:txBody>
+      </p:sp>
+      <p:sp>
+        <p:nvSpPr>
+          <p:cNvPr id="2" name="CasellaDiTesto 1">
+            <a:extLst>
+              <a:ext uri="{FF2B5EF4-FFF2-40B4-BE49-F238E27FC236}">
+                <a16:creationId xmlns:a16="http://schemas.microsoft.com/office/drawing/2014/main" id="{3BF58715-1CB0-CE0C-6922-22CF991F40B9}"/>
+              </a:ext>
+            </a:extLst>
+          </p:cNvPr>
+          <p:cNvSpPr txBox="1"/>
+          <p:nvPr/>
+        </p:nvSpPr>
+        <p:spPr>
+          <a:xfrm>
+            <a:off x="922866" y="300209"/>
+            <a:ext cx="10346267" cy="1200329"/>
+          </a:xfrm>
+          <a:prstGeom prst="rect">
+            <a:avLst/>
+          </a:prstGeom>
+          <a:noFill/>
+        </p:spPr>
+        <p:txBody>
+          <a:bodyPr wrap="square" rtlCol="0">
+            <a:spAutoFit/>
+          </a:bodyPr>
+          <a:lstStyle/>
+          <a:p>
+            <a:pPr algn="ctr"/>
+            <a:r>
+              <a:rPr lang="it-IT" sz="3600" dirty="0">
+                <a:solidFill>
+                  <a:srgbClr val="7A1B0C"/>
+                </a:solidFill>
+                <a:latin typeface="Aharoni" panose="02010803020104030203" pitchFamily="2" charset="-79"/>
+                <a:cs typeface="Aharoni" panose="02010803020104030203" pitchFamily="2" charset="-79"/>
+              </a:rPr>
+              <a:t>FORMAT CLASSICO VS FORMAT SPRINT</a:t>
+            </a:r>
+          </a:p>
+          <a:p>
+            <a:pPr algn="ctr"/>
+            <a:r>
+              <a:rPr lang="it-IT" sz="3600" dirty="0">
+                <a:solidFill>
+                  <a:srgbClr val="7A1B0C"/>
+                </a:solidFill>
+                <a:latin typeface="Aharoni" panose="02010803020104030203" pitchFamily="2" charset="-79"/>
+                <a:cs typeface="Aharoni" panose="02010803020104030203" pitchFamily="2" charset="-79"/>
+              </a:rPr>
+              <a:t>FORMAT CLASSICO</a:t>
+            </a:r>
+          </a:p>
+        </p:txBody>
+      </p:sp>
+      <p:sp>
+        <p:nvSpPr>
+          <p:cNvPr id="3" name="CasellaDiTesto 2">
+            <a:extLst>
+              <a:ext uri="{FF2B5EF4-FFF2-40B4-BE49-F238E27FC236}">
+                <a16:creationId xmlns:a16="http://schemas.microsoft.com/office/drawing/2014/main" id="{74FFDB63-C646-303B-AFFE-8AEFEC14B358}"/>
+              </a:ext>
+            </a:extLst>
+          </p:cNvPr>
+          <p:cNvSpPr txBox="1"/>
+          <p:nvPr/>
+        </p:nvSpPr>
+        <p:spPr>
+          <a:xfrm>
+            <a:off x="262468" y="2624663"/>
+            <a:ext cx="2463796" cy="1200329"/>
+          </a:xfrm>
+          <a:prstGeom prst="rect">
+            <a:avLst/>
+          </a:prstGeom>
+          <a:noFill/>
+        </p:spPr>
+        <p:txBody>
+          <a:bodyPr wrap="square" rtlCol="0">
+            <a:spAutoFit/>
+          </a:bodyPr>
+          <a:lstStyle/>
+          <a:p>
+            <a:r>
+              <a:rPr lang="it-IT" dirty="0">
+                <a:latin typeface="Aharoni" panose="02010803020104030203" pitchFamily="2" charset="-79"/>
+                <a:cs typeface="Aharoni" panose="02010803020104030203" pitchFamily="2" charset="-79"/>
+              </a:rPr>
+              <a:t>PROVA LIBERA 1</a:t>
+            </a:r>
+          </a:p>
+          <a:p>
+            <a:r>
+              <a:rPr lang="it-IT" dirty="0">
+                <a:latin typeface="Aharoni" panose="02010803020104030203" pitchFamily="2" charset="-79"/>
+                <a:cs typeface="Aharoni" panose="02010803020104030203" pitchFamily="2" charset="-79"/>
+              </a:rPr>
+              <a:t>Durata: 60 minuti</a:t>
+            </a:r>
+          </a:p>
+          <a:p>
+            <a:r>
+              <a:rPr lang="it-IT" dirty="0">
+                <a:latin typeface="Aharoni" panose="02010803020104030203" pitchFamily="2" charset="-79"/>
+                <a:cs typeface="Aharoni" panose="02010803020104030203" pitchFamily="2" charset="-79"/>
+              </a:rPr>
+              <a:t>Scopo: Preparazione assetti delle vetture</a:t>
+            </a:r>
+          </a:p>
+        </p:txBody>
+      </p:sp>
+      <p:sp>
+        <p:nvSpPr>
+          <p:cNvPr id="4" name="CasellaDiTesto 3">
+            <a:extLst>
+              <a:ext uri="{FF2B5EF4-FFF2-40B4-BE49-F238E27FC236}">
+                <a16:creationId xmlns:a16="http://schemas.microsoft.com/office/drawing/2014/main" id="{8EE18F61-3A08-AEDB-9506-1765D8D36133}"/>
+              </a:ext>
+            </a:extLst>
+          </p:cNvPr>
+          <p:cNvSpPr txBox="1"/>
+          <p:nvPr/>
+        </p:nvSpPr>
+        <p:spPr>
+          <a:xfrm>
+            <a:off x="2844803" y="2624663"/>
+            <a:ext cx="2387597" cy="1200329"/>
+          </a:xfrm>
+          <a:prstGeom prst="rect">
+            <a:avLst/>
+          </a:prstGeom>
+          <a:noFill/>
+        </p:spPr>
+        <p:txBody>
+          <a:bodyPr wrap="square" rtlCol="0">
+            <a:spAutoFit/>
+          </a:bodyPr>
+          <a:lstStyle/>
+          <a:p>
+            <a:r>
+              <a:rPr lang="it-IT" dirty="0">
+                <a:latin typeface="Aharoni" panose="02010803020104030203" pitchFamily="2" charset="-79"/>
+                <a:cs typeface="Aharoni" panose="02010803020104030203" pitchFamily="2" charset="-79"/>
+              </a:rPr>
+              <a:t>PROVA LIBERA 2</a:t>
+            </a:r>
+          </a:p>
+          <a:p>
+            <a:r>
+              <a:rPr lang="it-IT" dirty="0">
+                <a:latin typeface="Aharoni" panose="02010803020104030203" pitchFamily="2" charset="-79"/>
+                <a:cs typeface="Aharoni" panose="02010803020104030203" pitchFamily="2" charset="-79"/>
+              </a:rPr>
+              <a:t>Durata: 60 minuti</a:t>
+            </a:r>
+          </a:p>
+          <a:p>
+            <a:r>
+              <a:rPr lang="it-IT" dirty="0">
+                <a:latin typeface="Aharoni" panose="02010803020104030203" pitchFamily="2" charset="-79"/>
+                <a:cs typeface="Aharoni" panose="02010803020104030203" pitchFamily="2" charset="-79"/>
+              </a:rPr>
+              <a:t>Scopo: Simulazione ritmi gara</a:t>
+            </a:r>
+          </a:p>
+        </p:txBody>
+      </p:sp>
+      <p:sp>
+        <p:nvSpPr>
+          <p:cNvPr id="5" name="CasellaDiTesto 4">
+            <a:extLst>
+              <a:ext uri="{FF2B5EF4-FFF2-40B4-BE49-F238E27FC236}">
+                <a16:creationId xmlns:a16="http://schemas.microsoft.com/office/drawing/2014/main" id="{329311F0-A470-ED61-423E-07E14A48B4E2}"/>
+              </a:ext>
+            </a:extLst>
+          </p:cNvPr>
+          <p:cNvSpPr txBox="1"/>
+          <p:nvPr/>
+        </p:nvSpPr>
+        <p:spPr>
+          <a:xfrm>
+            <a:off x="5384805" y="2624663"/>
+            <a:ext cx="2116666" cy="1200329"/>
+          </a:xfrm>
+          <a:prstGeom prst="rect">
+            <a:avLst/>
+          </a:prstGeom>
+          <a:noFill/>
+        </p:spPr>
+        <p:txBody>
+          <a:bodyPr wrap="square" rtlCol="0">
+            <a:spAutoFit/>
+          </a:bodyPr>
+          <a:lstStyle/>
+          <a:p>
+            <a:r>
+              <a:rPr lang="it-IT" dirty="0">
+                <a:solidFill>
+                  <a:srgbClr val="FFDFD4"/>
+                </a:solidFill>
+                <a:latin typeface="Aharoni" panose="02010803020104030203" pitchFamily="2" charset="-79"/>
+                <a:cs typeface="Aharoni" panose="02010803020104030203" pitchFamily="2" charset="-79"/>
+              </a:rPr>
+              <a:t>PROVA LIBERA 3</a:t>
+            </a:r>
+          </a:p>
+          <a:p>
+            <a:r>
+              <a:rPr lang="it-IT" dirty="0">
+                <a:solidFill>
+                  <a:srgbClr val="FFDFD4"/>
+                </a:solidFill>
+                <a:latin typeface="Aharoni" panose="02010803020104030203" pitchFamily="2" charset="-79"/>
+                <a:cs typeface="Aharoni" panose="02010803020104030203" pitchFamily="2" charset="-79"/>
+              </a:rPr>
+              <a:t>Durata: 60 minuti</a:t>
+            </a:r>
+          </a:p>
+          <a:p>
+            <a:r>
+              <a:rPr lang="it-IT" dirty="0">
+                <a:solidFill>
+                  <a:srgbClr val="FFDFD4"/>
+                </a:solidFill>
+                <a:latin typeface="Aharoni" panose="02010803020104030203" pitchFamily="2" charset="-79"/>
+                <a:cs typeface="Aharoni" panose="02010803020104030203" pitchFamily="2" charset="-79"/>
+              </a:rPr>
+              <a:t>Scopo: Testare giri qualifica</a:t>
+            </a:r>
+          </a:p>
+        </p:txBody>
+      </p:sp>
+      <p:sp>
+        <p:nvSpPr>
+          <p:cNvPr id="6" name="CasellaDiTesto 5">
+            <a:extLst>
+              <a:ext uri="{FF2B5EF4-FFF2-40B4-BE49-F238E27FC236}">
+                <a16:creationId xmlns:a16="http://schemas.microsoft.com/office/drawing/2014/main" id="{E1B3B853-1538-497D-A07B-84DAE8FBF89C}"/>
+              </a:ext>
+            </a:extLst>
+          </p:cNvPr>
+          <p:cNvSpPr txBox="1"/>
+          <p:nvPr/>
+        </p:nvSpPr>
+        <p:spPr>
+          <a:xfrm>
+            <a:off x="7653876" y="2624663"/>
+            <a:ext cx="2311400" cy="1754326"/>
+          </a:xfrm>
+          <a:prstGeom prst="rect">
+            <a:avLst/>
+          </a:prstGeom>
+          <a:noFill/>
+        </p:spPr>
+        <p:txBody>
+          <a:bodyPr wrap="square" rtlCol="0">
+            <a:spAutoFit/>
+          </a:bodyPr>
+          <a:lstStyle/>
+          <a:p>
+            <a:r>
+              <a:rPr lang="it-IT" dirty="0">
+                <a:solidFill>
+                  <a:srgbClr val="FFDFD4"/>
+                </a:solidFill>
+                <a:latin typeface="Aharoni" panose="02010803020104030203" pitchFamily="2" charset="-79"/>
+                <a:cs typeface="Aharoni" panose="02010803020104030203" pitchFamily="2" charset="-79"/>
+              </a:rPr>
+              <a:t>QUALIFICA</a:t>
+            </a:r>
+          </a:p>
+          <a:p>
+            <a:r>
+              <a:rPr lang="it-IT" dirty="0">
+                <a:solidFill>
+                  <a:srgbClr val="FFDFD4"/>
+                </a:solidFill>
+                <a:latin typeface="Aharoni" panose="02010803020104030203" pitchFamily="2" charset="-79"/>
+                <a:cs typeface="Aharoni" panose="02010803020104030203" pitchFamily="2" charset="-79"/>
+              </a:rPr>
+              <a:t>Durata: 3 sessioni, 18, 15 e 12 minuti</a:t>
+            </a:r>
+          </a:p>
+          <a:p>
+            <a:r>
+              <a:rPr lang="it-IT" dirty="0">
+                <a:solidFill>
+                  <a:srgbClr val="FFDFD4"/>
+                </a:solidFill>
+                <a:latin typeface="Aharoni" panose="02010803020104030203" pitchFamily="2" charset="-79"/>
+                <a:cs typeface="Aharoni" panose="02010803020104030203" pitchFamily="2" charset="-79"/>
+              </a:rPr>
+              <a:t>Scopo: Stabilire la griglia di partenza della gara</a:t>
+            </a:r>
+          </a:p>
+        </p:txBody>
+      </p:sp>
+      <p:sp>
+        <p:nvSpPr>
+          <p:cNvPr id="7" name="CasellaDiTesto 6">
+            <a:extLst>
+              <a:ext uri="{FF2B5EF4-FFF2-40B4-BE49-F238E27FC236}">
+                <a16:creationId xmlns:a16="http://schemas.microsoft.com/office/drawing/2014/main" id="{429EA10C-15C2-B8EC-C0A8-FA47A2239009}"/>
+              </a:ext>
+            </a:extLst>
+          </p:cNvPr>
+          <p:cNvSpPr txBox="1"/>
+          <p:nvPr/>
+        </p:nvSpPr>
+        <p:spPr>
+          <a:xfrm>
+            <a:off x="9965277" y="2624664"/>
+            <a:ext cx="2116666" cy="1200329"/>
+          </a:xfrm>
+          <a:prstGeom prst="rect">
+            <a:avLst/>
+          </a:prstGeom>
+          <a:noFill/>
+        </p:spPr>
+        <p:txBody>
+          <a:bodyPr wrap="square" rtlCol="0">
+            <a:spAutoFit/>
+          </a:bodyPr>
+          <a:lstStyle/>
+          <a:p>
+            <a:r>
+              <a:rPr lang="it-IT" dirty="0">
+                <a:solidFill>
+                  <a:srgbClr val="FFDFD4"/>
+                </a:solidFill>
+                <a:latin typeface="Aharoni" panose="02010803020104030203" pitchFamily="2" charset="-79"/>
+                <a:cs typeface="Aharoni" panose="02010803020104030203" pitchFamily="2" charset="-79"/>
+              </a:rPr>
+              <a:t>GARA</a:t>
+            </a:r>
+          </a:p>
+          <a:p>
+            <a:r>
+              <a:rPr lang="it-IT" dirty="0">
+                <a:solidFill>
+                  <a:srgbClr val="FFDFD4"/>
+                </a:solidFill>
+                <a:latin typeface="Aharoni" panose="02010803020104030203" pitchFamily="2" charset="-79"/>
+                <a:cs typeface="Aharoni" panose="02010803020104030203" pitchFamily="2" charset="-79"/>
+              </a:rPr>
+              <a:t>Durata: 305 km,</a:t>
+            </a:r>
+          </a:p>
+          <a:p>
+            <a:r>
+              <a:rPr lang="it-IT" dirty="0">
+                <a:solidFill>
+                  <a:srgbClr val="FFDFD4"/>
+                </a:solidFill>
+                <a:latin typeface="Aharoni" panose="02010803020104030203" pitchFamily="2" charset="-79"/>
+                <a:cs typeface="Aharoni" panose="02010803020104030203" pitchFamily="2" charset="-79"/>
+              </a:rPr>
+              <a:t>90 minuti circa</a:t>
+            </a:r>
+          </a:p>
+          <a:p>
+            <a:r>
+              <a:rPr lang="it-IT" dirty="0">
+                <a:solidFill>
+                  <a:srgbClr val="FFDFD4"/>
+                </a:solidFill>
+                <a:latin typeface="Aharoni" panose="02010803020104030203" pitchFamily="2" charset="-79"/>
+                <a:cs typeface="Aharoni" panose="02010803020104030203" pitchFamily="2" charset="-79"/>
+              </a:rPr>
+              <a:t>Scopo: Vincere</a:t>
+            </a:r>
+          </a:p>
+        </p:txBody>
+      </p:sp>
+    </p:spTree>
+    <p:extLst>
+      <p:ext uri="{BB962C8B-B14F-4D97-AF65-F5344CB8AC3E}">
+        <p14:creationId xmlns:p14="http://schemas.microsoft.com/office/powerpoint/2010/main" val="3523742739"/>
+      </p:ext>
+    </p:extLst>
+  </p:cSld>
+  <p:clrMapOvr>
+    <a:masterClrMapping/>
+  </p:clrMapOvr>
+  <mc:AlternateContent xmlns:mc="http://schemas.openxmlformats.org/markup-compatibility/2006" xmlns:p159="http://schemas.microsoft.com/office/powerpoint/2015/09/main">
+    <mc:Choice Requires="p159">
+      <p:transition xmlns:p14="http://schemas.microsoft.com/office/powerpoint/2010/main" spd="slow" p14:dur="2000">
+        <p159:morph option="byObject"/>
+      </p:transition>
+    </mc:Choice>
+    <mc:Fallback xmlns="">
+      <p:transition spd="slow">
+        <p:fade/>
+      </p:transition>
+    </mc:Fallback>
+  </mc:AlternateContent>
+</p:sld>
+</file>
+
+<file path=ppt/slides/slide18.xml><?xml version="1.0" encoding="utf-8"?>
+<p:sld xmlns:a="http://schemas.openxmlformats.org/drawingml/2006/main" xmlns:r="http://schemas.openxmlformats.org/officeDocument/2006/relationships" xmlns:p="http://schemas.openxmlformats.org/presentationml/2006/main">
+  <p:cSld>
+    <p:bg>
+      <p:bgPr>
+        <a:solidFill>
+          <a:srgbClr val="FFDFD4"/>
+        </a:solidFill>
+        <a:effectLst/>
+      </p:bgPr>
+    </p:bg>
+    <p:spTree>
+      <p:nvGrpSpPr>
+        <p:cNvPr id="1" name=""/>
+        <p:cNvGrpSpPr/>
+        <p:nvPr/>
+      </p:nvGrpSpPr>
+      <p:grpSpPr>
+        <a:xfrm>
+          <a:off x="0" y="0"/>
+          <a:ext cx="0" cy="0"/>
+          <a:chOff x="0" y="0"/>
+          <a:chExt cx="0" cy="0"/>
+        </a:xfrm>
+      </p:grpSpPr>
+      <p:sp>
+        <p:nvSpPr>
+          <p:cNvPr id="9" name="Rettangolo con angoli arrotondati 8">
+            <a:extLst>
+              <a:ext uri="{FF2B5EF4-FFF2-40B4-BE49-F238E27FC236}">
+                <a16:creationId xmlns:a16="http://schemas.microsoft.com/office/drawing/2014/main" id="{BDF80EDC-CA5D-AE2F-E9F2-6803F968A33F}"/>
+              </a:ext>
+            </a:extLst>
+          </p:cNvPr>
+          <p:cNvSpPr/>
+          <p:nvPr/>
+        </p:nvSpPr>
+        <p:spPr>
+          <a:xfrm>
+            <a:off x="5384816" y="2493433"/>
+            <a:ext cx="2192858" cy="1871134"/>
+          </a:xfrm>
+          <a:prstGeom prst="roundRect">
+            <a:avLst/>
+          </a:prstGeom>
+          <a:solidFill>
+            <a:srgbClr val="CCECFF"/>
+          </a:solidFill>
+          <a:ln>
+            <a:solidFill>
+              <a:srgbClr val="00B0F0"/>
+            </a:solidFill>
+          </a:ln>
+        </p:spPr>
+        <p:style>
+          <a:lnRef idx="2">
+            <a:schemeClr val="accent1">
+              <a:shade val="15000"/>
+            </a:schemeClr>
+          </a:lnRef>
+          <a:fillRef idx="1">
+            <a:schemeClr val="accent1"/>
+          </a:fillRef>
+          <a:effectRef idx="0">
+            <a:schemeClr val="accent1"/>
+          </a:effectRef>
+          <a:fontRef idx="minor">
+            <a:schemeClr val="lt1"/>
+          </a:fontRef>
+        </p:style>
+        <p:txBody>
+          <a:bodyPr rtlCol="0" anchor="ctr"/>
+          <a:lstStyle/>
+          <a:p>
+            <a:pPr algn="ctr"/>
+            <a:endParaRPr lang="it-IT"/>
+          </a:p>
+        </p:txBody>
+      </p:sp>
+      <p:sp>
+        <p:nvSpPr>
+          <p:cNvPr id="2" name="CasellaDiTesto 1">
+            <a:extLst>
+              <a:ext uri="{FF2B5EF4-FFF2-40B4-BE49-F238E27FC236}">
+                <a16:creationId xmlns:a16="http://schemas.microsoft.com/office/drawing/2014/main" id="{3BF58715-1CB0-CE0C-6922-22CF991F40B9}"/>
+              </a:ext>
+            </a:extLst>
+          </p:cNvPr>
+          <p:cNvSpPr txBox="1"/>
+          <p:nvPr/>
+        </p:nvSpPr>
+        <p:spPr>
+          <a:xfrm>
+            <a:off x="922866" y="300209"/>
+            <a:ext cx="10346267" cy="1200329"/>
+          </a:xfrm>
+          <a:prstGeom prst="rect">
+            <a:avLst/>
+          </a:prstGeom>
+          <a:noFill/>
+        </p:spPr>
+        <p:txBody>
+          <a:bodyPr wrap="square" rtlCol="0">
+            <a:spAutoFit/>
+          </a:bodyPr>
+          <a:lstStyle/>
+          <a:p>
+            <a:pPr algn="ctr"/>
+            <a:r>
+              <a:rPr lang="it-IT" sz="3600" dirty="0">
+                <a:solidFill>
+                  <a:srgbClr val="7A1B0C"/>
+                </a:solidFill>
+                <a:latin typeface="Aharoni" panose="02010803020104030203" pitchFamily="2" charset="-79"/>
+                <a:cs typeface="Aharoni" panose="02010803020104030203" pitchFamily="2" charset="-79"/>
+              </a:rPr>
+              <a:t>FORMAT CLASSICO VS FORMAT SPRINT</a:t>
+            </a:r>
+          </a:p>
+          <a:p>
+            <a:pPr algn="ctr"/>
+            <a:r>
+              <a:rPr lang="it-IT" sz="3600" dirty="0">
+                <a:solidFill>
+                  <a:srgbClr val="7A1B0C"/>
+                </a:solidFill>
+                <a:latin typeface="Aharoni" panose="02010803020104030203" pitchFamily="2" charset="-79"/>
+                <a:cs typeface="Aharoni" panose="02010803020104030203" pitchFamily="2" charset="-79"/>
+              </a:rPr>
+              <a:t>FORMAT CLASSICO</a:t>
+            </a:r>
+          </a:p>
+        </p:txBody>
+      </p:sp>
+      <p:sp>
+        <p:nvSpPr>
+          <p:cNvPr id="3" name="CasellaDiTesto 2">
+            <a:extLst>
+              <a:ext uri="{FF2B5EF4-FFF2-40B4-BE49-F238E27FC236}">
+                <a16:creationId xmlns:a16="http://schemas.microsoft.com/office/drawing/2014/main" id="{74FFDB63-C646-303B-AFFE-8AEFEC14B358}"/>
+              </a:ext>
+            </a:extLst>
+          </p:cNvPr>
+          <p:cNvSpPr txBox="1"/>
+          <p:nvPr/>
+        </p:nvSpPr>
+        <p:spPr>
+          <a:xfrm>
+            <a:off x="262468" y="2624663"/>
+            <a:ext cx="2463796" cy="1200329"/>
+          </a:xfrm>
+          <a:prstGeom prst="rect">
+            <a:avLst/>
+          </a:prstGeom>
+          <a:noFill/>
+        </p:spPr>
+        <p:txBody>
+          <a:bodyPr wrap="square" rtlCol="0">
+            <a:spAutoFit/>
+          </a:bodyPr>
+          <a:lstStyle/>
+          <a:p>
+            <a:r>
+              <a:rPr lang="it-IT" dirty="0">
+                <a:latin typeface="Aharoni" panose="02010803020104030203" pitchFamily="2" charset="-79"/>
+                <a:cs typeface="Aharoni" panose="02010803020104030203" pitchFamily="2" charset="-79"/>
+              </a:rPr>
+              <a:t>PROVA LIBERA 1</a:t>
+            </a:r>
+          </a:p>
+          <a:p>
+            <a:r>
+              <a:rPr lang="it-IT" dirty="0">
+                <a:latin typeface="Aharoni" panose="02010803020104030203" pitchFamily="2" charset="-79"/>
+                <a:cs typeface="Aharoni" panose="02010803020104030203" pitchFamily="2" charset="-79"/>
+              </a:rPr>
+              <a:t>Durata: 60 minuti</a:t>
+            </a:r>
+          </a:p>
+          <a:p>
+            <a:r>
+              <a:rPr lang="it-IT" dirty="0">
+                <a:latin typeface="Aharoni" panose="02010803020104030203" pitchFamily="2" charset="-79"/>
+                <a:cs typeface="Aharoni" panose="02010803020104030203" pitchFamily="2" charset="-79"/>
+              </a:rPr>
+              <a:t>Scopo: Preparazione assetti delle vetture</a:t>
+            </a:r>
+          </a:p>
+        </p:txBody>
+      </p:sp>
+      <p:sp>
+        <p:nvSpPr>
+          <p:cNvPr id="4" name="CasellaDiTesto 3">
+            <a:extLst>
+              <a:ext uri="{FF2B5EF4-FFF2-40B4-BE49-F238E27FC236}">
+                <a16:creationId xmlns:a16="http://schemas.microsoft.com/office/drawing/2014/main" id="{8EE18F61-3A08-AEDB-9506-1765D8D36133}"/>
+              </a:ext>
+            </a:extLst>
+          </p:cNvPr>
+          <p:cNvSpPr txBox="1"/>
+          <p:nvPr/>
+        </p:nvSpPr>
+        <p:spPr>
+          <a:xfrm>
+            <a:off x="2844803" y="2624663"/>
+            <a:ext cx="2387597" cy="1200329"/>
+          </a:xfrm>
+          <a:prstGeom prst="rect">
+            <a:avLst/>
+          </a:prstGeom>
+          <a:noFill/>
+        </p:spPr>
+        <p:txBody>
+          <a:bodyPr wrap="square" rtlCol="0">
+            <a:spAutoFit/>
+          </a:bodyPr>
+          <a:lstStyle/>
+          <a:p>
+            <a:r>
+              <a:rPr lang="it-IT" dirty="0">
+                <a:latin typeface="Aharoni" panose="02010803020104030203" pitchFamily="2" charset="-79"/>
+                <a:cs typeface="Aharoni" panose="02010803020104030203" pitchFamily="2" charset="-79"/>
+              </a:rPr>
+              <a:t>PROVA LIBERA 2</a:t>
+            </a:r>
+          </a:p>
+          <a:p>
+            <a:r>
+              <a:rPr lang="it-IT" dirty="0">
+                <a:latin typeface="Aharoni" panose="02010803020104030203" pitchFamily="2" charset="-79"/>
+                <a:cs typeface="Aharoni" panose="02010803020104030203" pitchFamily="2" charset="-79"/>
+              </a:rPr>
+              <a:t>Durata: 60 minuti</a:t>
+            </a:r>
+          </a:p>
+          <a:p>
+            <a:r>
+              <a:rPr lang="it-IT" dirty="0">
+                <a:latin typeface="Aharoni" panose="02010803020104030203" pitchFamily="2" charset="-79"/>
+                <a:cs typeface="Aharoni" panose="02010803020104030203" pitchFamily="2" charset="-79"/>
+              </a:rPr>
+              <a:t>Scopo: Simulazione ritmi gara</a:t>
+            </a:r>
+          </a:p>
+        </p:txBody>
+      </p:sp>
+      <p:sp>
+        <p:nvSpPr>
+          <p:cNvPr id="5" name="CasellaDiTesto 4">
+            <a:extLst>
+              <a:ext uri="{FF2B5EF4-FFF2-40B4-BE49-F238E27FC236}">
+                <a16:creationId xmlns:a16="http://schemas.microsoft.com/office/drawing/2014/main" id="{329311F0-A470-ED61-423E-07E14A48B4E2}"/>
+              </a:ext>
+            </a:extLst>
+          </p:cNvPr>
+          <p:cNvSpPr txBox="1"/>
+          <p:nvPr/>
+        </p:nvSpPr>
+        <p:spPr>
+          <a:xfrm>
+            <a:off x="5384805" y="2624663"/>
+            <a:ext cx="2116666" cy="1200329"/>
+          </a:xfrm>
+          <a:prstGeom prst="rect">
+            <a:avLst/>
+          </a:prstGeom>
+          <a:noFill/>
+        </p:spPr>
+        <p:txBody>
+          <a:bodyPr wrap="square" rtlCol="0">
+            <a:spAutoFit/>
+          </a:bodyPr>
+          <a:lstStyle/>
+          <a:p>
+            <a:r>
+              <a:rPr lang="it-IT" dirty="0">
+                <a:latin typeface="Aharoni" panose="02010803020104030203" pitchFamily="2" charset="-79"/>
+                <a:cs typeface="Aharoni" panose="02010803020104030203" pitchFamily="2" charset="-79"/>
+              </a:rPr>
+              <a:t>PROVA LIBERA 3</a:t>
+            </a:r>
+          </a:p>
+          <a:p>
+            <a:r>
+              <a:rPr lang="it-IT" dirty="0">
+                <a:latin typeface="Aharoni" panose="02010803020104030203" pitchFamily="2" charset="-79"/>
+                <a:cs typeface="Aharoni" panose="02010803020104030203" pitchFamily="2" charset="-79"/>
+              </a:rPr>
+              <a:t>Durata: 60 minuti</a:t>
+            </a:r>
+          </a:p>
+          <a:p>
+            <a:r>
+              <a:rPr lang="it-IT" dirty="0">
+                <a:latin typeface="Aharoni" panose="02010803020104030203" pitchFamily="2" charset="-79"/>
+                <a:cs typeface="Aharoni" panose="02010803020104030203" pitchFamily="2" charset="-79"/>
+              </a:rPr>
+              <a:t>Scopo: Testare giri qualifica</a:t>
+            </a:r>
+          </a:p>
+        </p:txBody>
+      </p:sp>
+      <p:sp>
+        <p:nvSpPr>
+          <p:cNvPr id="6" name="CasellaDiTesto 5">
+            <a:extLst>
+              <a:ext uri="{FF2B5EF4-FFF2-40B4-BE49-F238E27FC236}">
+                <a16:creationId xmlns:a16="http://schemas.microsoft.com/office/drawing/2014/main" id="{E1B3B853-1538-497D-A07B-84DAE8FBF89C}"/>
+              </a:ext>
+            </a:extLst>
+          </p:cNvPr>
+          <p:cNvSpPr txBox="1"/>
+          <p:nvPr/>
+        </p:nvSpPr>
+        <p:spPr>
+          <a:xfrm>
+            <a:off x="7653876" y="2624663"/>
+            <a:ext cx="2311400" cy="1754326"/>
+          </a:xfrm>
+          <a:prstGeom prst="rect">
+            <a:avLst/>
+          </a:prstGeom>
+          <a:noFill/>
+        </p:spPr>
+        <p:txBody>
+          <a:bodyPr wrap="square" rtlCol="0">
+            <a:spAutoFit/>
+          </a:bodyPr>
+          <a:lstStyle/>
+          <a:p>
+            <a:r>
+              <a:rPr lang="it-IT" dirty="0">
+                <a:solidFill>
+                  <a:srgbClr val="FFDFD4"/>
+                </a:solidFill>
+                <a:latin typeface="Aharoni" panose="02010803020104030203" pitchFamily="2" charset="-79"/>
+                <a:cs typeface="Aharoni" panose="02010803020104030203" pitchFamily="2" charset="-79"/>
+              </a:rPr>
+              <a:t>QUALIFICA</a:t>
+            </a:r>
+          </a:p>
+          <a:p>
+            <a:r>
+              <a:rPr lang="it-IT" dirty="0">
+                <a:solidFill>
+                  <a:srgbClr val="FFDFD4"/>
+                </a:solidFill>
+                <a:latin typeface="Aharoni" panose="02010803020104030203" pitchFamily="2" charset="-79"/>
+                <a:cs typeface="Aharoni" panose="02010803020104030203" pitchFamily="2" charset="-79"/>
+              </a:rPr>
+              <a:t>Durata: 3 sessioni, 18, 15 e 12 minuti</a:t>
+            </a:r>
+          </a:p>
+          <a:p>
+            <a:r>
+              <a:rPr lang="it-IT" dirty="0">
+                <a:solidFill>
+                  <a:srgbClr val="FFDFD4"/>
+                </a:solidFill>
+                <a:latin typeface="Aharoni" panose="02010803020104030203" pitchFamily="2" charset="-79"/>
+                <a:cs typeface="Aharoni" panose="02010803020104030203" pitchFamily="2" charset="-79"/>
+              </a:rPr>
+              <a:t>Scopo: Stabilire la griglia di partenza della gara</a:t>
+            </a:r>
+          </a:p>
+        </p:txBody>
+      </p:sp>
+      <p:sp>
+        <p:nvSpPr>
+          <p:cNvPr id="7" name="CasellaDiTesto 6">
+            <a:extLst>
+              <a:ext uri="{FF2B5EF4-FFF2-40B4-BE49-F238E27FC236}">
+                <a16:creationId xmlns:a16="http://schemas.microsoft.com/office/drawing/2014/main" id="{429EA10C-15C2-B8EC-C0A8-FA47A2239009}"/>
+              </a:ext>
+            </a:extLst>
+          </p:cNvPr>
+          <p:cNvSpPr txBox="1"/>
+          <p:nvPr/>
+        </p:nvSpPr>
+        <p:spPr>
+          <a:xfrm>
+            <a:off x="9965277" y="2624664"/>
+            <a:ext cx="2116666" cy="1200329"/>
+          </a:xfrm>
+          <a:prstGeom prst="rect">
+            <a:avLst/>
+          </a:prstGeom>
+          <a:noFill/>
+        </p:spPr>
+        <p:txBody>
+          <a:bodyPr wrap="square" rtlCol="0">
+            <a:spAutoFit/>
+          </a:bodyPr>
+          <a:lstStyle/>
+          <a:p>
+            <a:r>
+              <a:rPr lang="it-IT" dirty="0">
+                <a:solidFill>
+                  <a:srgbClr val="FFDFD4"/>
+                </a:solidFill>
+                <a:latin typeface="Aharoni" panose="02010803020104030203" pitchFamily="2" charset="-79"/>
+                <a:cs typeface="Aharoni" panose="02010803020104030203" pitchFamily="2" charset="-79"/>
+              </a:rPr>
+              <a:t>GARA</a:t>
+            </a:r>
+          </a:p>
+          <a:p>
+            <a:r>
+              <a:rPr lang="it-IT" dirty="0">
+                <a:solidFill>
+                  <a:srgbClr val="FFDFD4"/>
+                </a:solidFill>
+                <a:latin typeface="Aharoni" panose="02010803020104030203" pitchFamily="2" charset="-79"/>
+                <a:cs typeface="Aharoni" panose="02010803020104030203" pitchFamily="2" charset="-79"/>
+              </a:rPr>
+              <a:t>Durata: 305 km,</a:t>
+            </a:r>
+          </a:p>
+          <a:p>
+            <a:r>
+              <a:rPr lang="it-IT" dirty="0">
+                <a:solidFill>
+                  <a:srgbClr val="FFDFD4"/>
+                </a:solidFill>
+                <a:latin typeface="Aharoni" panose="02010803020104030203" pitchFamily="2" charset="-79"/>
+                <a:cs typeface="Aharoni" panose="02010803020104030203" pitchFamily="2" charset="-79"/>
+              </a:rPr>
+              <a:t>90 minuti circa</a:t>
+            </a:r>
+          </a:p>
+          <a:p>
+            <a:r>
+              <a:rPr lang="it-IT" dirty="0">
+                <a:solidFill>
+                  <a:srgbClr val="FFDFD4"/>
+                </a:solidFill>
+                <a:latin typeface="Aharoni" panose="02010803020104030203" pitchFamily="2" charset="-79"/>
+                <a:cs typeface="Aharoni" panose="02010803020104030203" pitchFamily="2" charset="-79"/>
+              </a:rPr>
+              <a:t>Scopo: Vincere</a:t>
+            </a:r>
+          </a:p>
+        </p:txBody>
+      </p:sp>
+    </p:spTree>
+    <p:extLst>
+      <p:ext uri="{BB962C8B-B14F-4D97-AF65-F5344CB8AC3E}">
+        <p14:creationId xmlns:p14="http://schemas.microsoft.com/office/powerpoint/2010/main" val="1293406716"/>
+      </p:ext>
+    </p:extLst>
+  </p:cSld>
+  <p:clrMapOvr>
+    <a:masterClrMapping/>
+  </p:clrMapOvr>
+  <mc:AlternateContent xmlns:mc="http://schemas.openxmlformats.org/markup-compatibility/2006" xmlns:p159="http://schemas.microsoft.com/office/powerpoint/2015/09/main">
+    <mc:Choice Requires="p159">
+      <p:transition xmlns:p14="http://schemas.microsoft.com/office/powerpoint/2010/main" spd="slow" p14:dur="2000">
+        <p159:morph option="byObject"/>
+      </p:transition>
+    </mc:Choice>
+    <mc:Fallback xmlns="">
+      <p:transition spd="slow">
+        <p:fade/>
+      </p:transition>
+    </mc:Fallback>
+  </mc:AlternateContent>
+</p:sld>
+</file>
+
+<file path=ppt/slides/slide19.xml><?xml version="1.0" encoding="utf-8"?>
+<p:sld xmlns:a="http://schemas.openxmlformats.org/drawingml/2006/main" xmlns:r="http://schemas.openxmlformats.org/officeDocument/2006/relationships" xmlns:p="http://schemas.openxmlformats.org/presentationml/2006/main">
+  <p:cSld>
+    <p:bg>
+      <p:bgPr>
+        <a:solidFill>
+          <a:srgbClr val="FFDFD4"/>
+        </a:solidFill>
+        <a:effectLst/>
+      </p:bgPr>
+    </p:bg>
+    <p:spTree>
+      <p:nvGrpSpPr>
+        <p:cNvPr id="1" name=""/>
+        <p:cNvGrpSpPr/>
+        <p:nvPr/>
+      </p:nvGrpSpPr>
+      <p:grpSpPr>
+        <a:xfrm>
+          <a:off x="0" y="0"/>
+          <a:ext cx="0" cy="0"/>
+          <a:chOff x="0" y="0"/>
+          <a:chExt cx="0" cy="0"/>
+        </a:xfrm>
+      </p:grpSpPr>
+      <p:sp>
+        <p:nvSpPr>
+          <p:cNvPr id="9" name="Rettangolo con angoli arrotondati 8">
+            <a:extLst>
+              <a:ext uri="{FF2B5EF4-FFF2-40B4-BE49-F238E27FC236}">
+                <a16:creationId xmlns:a16="http://schemas.microsoft.com/office/drawing/2014/main" id="{BDF80EDC-CA5D-AE2F-E9F2-6803F968A33F}"/>
+              </a:ext>
+            </a:extLst>
+          </p:cNvPr>
+          <p:cNvSpPr/>
+          <p:nvPr/>
+        </p:nvSpPr>
+        <p:spPr>
+          <a:xfrm>
+            <a:off x="7653875" y="2531533"/>
+            <a:ext cx="2192858" cy="1871134"/>
+          </a:xfrm>
+          <a:prstGeom prst="roundRect">
+            <a:avLst/>
+          </a:prstGeom>
+          <a:solidFill>
+            <a:srgbClr val="FFCCFF"/>
+          </a:solidFill>
+          <a:ln>
+            <a:solidFill>
+              <a:srgbClr val="CC66FF"/>
+            </a:solidFill>
+          </a:ln>
+        </p:spPr>
+        <p:style>
+          <a:lnRef idx="2">
+            <a:schemeClr val="accent1">
+              <a:shade val="15000"/>
+            </a:schemeClr>
+          </a:lnRef>
+          <a:fillRef idx="1">
+            <a:schemeClr val="accent1"/>
+          </a:fillRef>
+          <a:effectRef idx="0">
+            <a:schemeClr val="accent1"/>
+          </a:effectRef>
+          <a:fontRef idx="minor">
+            <a:schemeClr val="lt1"/>
+          </a:fontRef>
+        </p:style>
+        <p:txBody>
+          <a:bodyPr rtlCol="0" anchor="ctr"/>
+          <a:lstStyle/>
+          <a:p>
+            <a:pPr algn="ctr"/>
+            <a:endParaRPr lang="it-IT"/>
+          </a:p>
+        </p:txBody>
+      </p:sp>
+      <p:sp>
+        <p:nvSpPr>
+          <p:cNvPr id="2" name="CasellaDiTesto 1">
+            <a:extLst>
+              <a:ext uri="{FF2B5EF4-FFF2-40B4-BE49-F238E27FC236}">
+                <a16:creationId xmlns:a16="http://schemas.microsoft.com/office/drawing/2014/main" id="{3BF58715-1CB0-CE0C-6922-22CF991F40B9}"/>
+              </a:ext>
+            </a:extLst>
+          </p:cNvPr>
+          <p:cNvSpPr txBox="1"/>
+          <p:nvPr/>
+        </p:nvSpPr>
+        <p:spPr>
+          <a:xfrm>
+            <a:off x="922866" y="300209"/>
+            <a:ext cx="10346267" cy="1200329"/>
+          </a:xfrm>
+          <a:prstGeom prst="rect">
+            <a:avLst/>
+          </a:prstGeom>
+          <a:noFill/>
+        </p:spPr>
+        <p:txBody>
+          <a:bodyPr wrap="square" rtlCol="0">
+            <a:spAutoFit/>
+          </a:bodyPr>
+          <a:lstStyle/>
+          <a:p>
+            <a:pPr algn="ctr"/>
+            <a:r>
+              <a:rPr lang="it-IT" sz="3600" dirty="0">
+                <a:solidFill>
+                  <a:srgbClr val="7A1B0C"/>
+                </a:solidFill>
+                <a:latin typeface="Aharoni" panose="02010803020104030203" pitchFamily="2" charset="-79"/>
+                <a:cs typeface="Aharoni" panose="02010803020104030203" pitchFamily="2" charset="-79"/>
+              </a:rPr>
+              <a:t>FORMAT CLASSICO VS FORMAT SPRINT</a:t>
+            </a:r>
+          </a:p>
+          <a:p>
+            <a:pPr algn="ctr"/>
+            <a:r>
+              <a:rPr lang="it-IT" sz="3600" dirty="0">
+                <a:solidFill>
+                  <a:srgbClr val="7A1B0C"/>
+                </a:solidFill>
+                <a:latin typeface="Aharoni" panose="02010803020104030203" pitchFamily="2" charset="-79"/>
+                <a:cs typeface="Aharoni" panose="02010803020104030203" pitchFamily="2" charset="-79"/>
+              </a:rPr>
+              <a:t>FORMAT CLASSICO</a:t>
+            </a:r>
+          </a:p>
+        </p:txBody>
+      </p:sp>
+      <p:sp>
+        <p:nvSpPr>
+          <p:cNvPr id="3" name="CasellaDiTesto 2">
+            <a:extLst>
+              <a:ext uri="{FF2B5EF4-FFF2-40B4-BE49-F238E27FC236}">
+                <a16:creationId xmlns:a16="http://schemas.microsoft.com/office/drawing/2014/main" id="{74FFDB63-C646-303B-AFFE-8AEFEC14B358}"/>
+              </a:ext>
+            </a:extLst>
+          </p:cNvPr>
+          <p:cNvSpPr txBox="1"/>
+          <p:nvPr/>
+        </p:nvSpPr>
+        <p:spPr>
+          <a:xfrm>
+            <a:off x="262468" y="2624663"/>
+            <a:ext cx="2463796" cy="1200329"/>
+          </a:xfrm>
+          <a:prstGeom prst="rect">
+            <a:avLst/>
+          </a:prstGeom>
+          <a:noFill/>
+        </p:spPr>
+        <p:txBody>
+          <a:bodyPr wrap="square" rtlCol="0">
+            <a:spAutoFit/>
+          </a:bodyPr>
+          <a:lstStyle/>
+          <a:p>
+            <a:r>
+              <a:rPr lang="it-IT" dirty="0">
+                <a:latin typeface="Aharoni" panose="02010803020104030203" pitchFamily="2" charset="-79"/>
+                <a:cs typeface="Aharoni" panose="02010803020104030203" pitchFamily="2" charset="-79"/>
+              </a:rPr>
+              <a:t>PROVA LIBERA 1</a:t>
+            </a:r>
+          </a:p>
+          <a:p>
+            <a:r>
+              <a:rPr lang="it-IT" dirty="0">
+                <a:latin typeface="Aharoni" panose="02010803020104030203" pitchFamily="2" charset="-79"/>
+                <a:cs typeface="Aharoni" panose="02010803020104030203" pitchFamily="2" charset="-79"/>
+              </a:rPr>
+              <a:t>Durata: 60 minuti</a:t>
+            </a:r>
+          </a:p>
+          <a:p>
+            <a:r>
+              <a:rPr lang="it-IT" dirty="0">
+                <a:latin typeface="Aharoni" panose="02010803020104030203" pitchFamily="2" charset="-79"/>
+                <a:cs typeface="Aharoni" panose="02010803020104030203" pitchFamily="2" charset="-79"/>
+              </a:rPr>
+              <a:t>Scopo: Preparazione assetti delle vetture</a:t>
+            </a:r>
+          </a:p>
+        </p:txBody>
+      </p:sp>
+      <p:sp>
+        <p:nvSpPr>
+          <p:cNvPr id="4" name="CasellaDiTesto 3">
+            <a:extLst>
+              <a:ext uri="{FF2B5EF4-FFF2-40B4-BE49-F238E27FC236}">
+                <a16:creationId xmlns:a16="http://schemas.microsoft.com/office/drawing/2014/main" id="{8EE18F61-3A08-AEDB-9506-1765D8D36133}"/>
+              </a:ext>
+            </a:extLst>
+          </p:cNvPr>
+          <p:cNvSpPr txBox="1"/>
+          <p:nvPr/>
+        </p:nvSpPr>
+        <p:spPr>
+          <a:xfrm>
+            <a:off x="2844803" y="2624663"/>
+            <a:ext cx="2387597" cy="1200329"/>
+          </a:xfrm>
+          <a:prstGeom prst="rect">
+            <a:avLst/>
+          </a:prstGeom>
+          <a:noFill/>
+        </p:spPr>
+        <p:txBody>
+          <a:bodyPr wrap="square" rtlCol="0">
+            <a:spAutoFit/>
+          </a:bodyPr>
+          <a:lstStyle/>
+          <a:p>
+            <a:r>
+              <a:rPr lang="it-IT" dirty="0">
+                <a:latin typeface="Aharoni" panose="02010803020104030203" pitchFamily="2" charset="-79"/>
+                <a:cs typeface="Aharoni" panose="02010803020104030203" pitchFamily="2" charset="-79"/>
+              </a:rPr>
+              <a:t>PROVA LIBERA 2</a:t>
+            </a:r>
+          </a:p>
+          <a:p>
+            <a:r>
+              <a:rPr lang="it-IT" dirty="0">
+                <a:latin typeface="Aharoni" panose="02010803020104030203" pitchFamily="2" charset="-79"/>
+                <a:cs typeface="Aharoni" panose="02010803020104030203" pitchFamily="2" charset="-79"/>
+              </a:rPr>
+              <a:t>Durata: 60 minuti</a:t>
+            </a:r>
+          </a:p>
+          <a:p>
+            <a:r>
+              <a:rPr lang="it-IT" dirty="0">
+                <a:latin typeface="Aharoni" panose="02010803020104030203" pitchFamily="2" charset="-79"/>
+                <a:cs typeface="Aharoni" panose="02010803020104030203" pitchFamily="2" charset="-79"/>
+              </a:rPr>
+              <a:t>Scopo: Simulazione ritmi gara</a:t>
+            </a:r>
+          </a:p>
+        </p:txBody>
+      </p:sp>
+      <p:sp>
+        <p:nvSpPr>
+          <p:cNvPr id="5" name="CasellaDiTesto 4">
+            <a:extLst>
+              <a:ext uri="{FF2B5EF4-FFF2-40B4-BE49-F238E27FC236}">
+                <a16:creationId xmlns:a16="http://schemas.microsoft.com/office/drawing/2014/main" id="{329311F0-A470-ED61-423E-07E14A48B4E2}"/>
+              </a:ext>
+            </a:extLst>
+          </p:cNvPr>
+          <p:cNvSpPr txBox="1"/>
+          <p:nvPr/>
+        </p:nvSpPr>
+        <p:spPr>
+          <a:xfrm>
+            <a:off x="5384805" y="2624663"/>
+            <a:ext cx="2116666" cy="1200329"/>
+          </a:xfrm>
+          <a:prstGeom prst="rect">
+            <a:avLst/>
+          </a:prstGeom>
+          <a:noFill/>
+        </p:spPr>
+        <p:txBody>
+          <a:bodyPr wrap="square" rtlCol="0">
+            <a:spAutoFit/>
+          </a:bodyPr>
+          <a:lstStyle/>
+          <a:p>
+            <a:r>
+              <a:rPr lang="it-IT" dirty="0">
+                <a:latin typeface="Aharoni" panose="02010803020104030203" pitchFamily="2" charset="-79"/>
+                <a:cs typeface="Aharoni" panose="02010803020104030203" pitchFamily="2" charset="-79"/>
+              </a:rPr>
+              <a:t>PROVA LIBERA 3</a:t>
+            </a:r>
+          </a:p>
+          <a:p>
+            <a:r>
+              <a:rPr lang="it-IT" dirty="0">
+                <a:latin typeface="Aharoni" panose="02010803020104030203" pitchFamily="2" charset="-79"/>
+                <a:cs typeface="Aharoni" panose="02010803020104030203" pitchFamily="2" charset="-79"/>
+              </a:rPr>
+              <a:t>Durata: 60 minuti</a:t>
+            </a:r>
+          </a:p>
+          <a:p>
+            <a:r>
+              <a:rPr lang="it-IT" dirty="0">
+                <a:latin typeface="Aharoni" panose="02010803020104030203" pitchFamily="2" charset="-79"/>
+                <a:cs typeface="Aharoni" panose="02010803020104030203" pitchFamily="2" charset="-79"/>
+              </a:rPr>
+              <a:t>Scopo: Testare giri qualifica</a:t>
+            </a:r>
+          </a:p>
+        </p:txBody>
+      </p:sp>
+      <p:sp>
+        <p:nvSpPr>
+          <p:cNvPr id="6" name="CasellaDiTesto 5">
+            <a:extLst>
+              <a:ext uri="{FF2B5EF4-FFF2-40B4-BE49-F238E27FC236}">
+                <a16:creationId xmlns:a16="http://schemas.microsoft.com/office/drawing/2014/main" id="{E1B3B853-1538-497D-A07B-84DAE8FBF89C}"/>
+              </a:ext>
+            </a:extLst>
+          </p:cNvPr>
+          <p:cNvSpPr txBox="1"/>
+          <p:nvPr/>
+        </p:nvSpPr>
+        <p:spPr>
+          <a:xfrm>
+            <a:off x="7653876" y="2624663"/>
+            <a:ext cx="2311400" cy="1754326"/>
+          </a:xfrm>
+          <a:prstGeom prst="rect">
+            <a:avLst/>
+          </a:prstGeom>
+          <a:noFill/>
+        </p:spPr>
+        <p:txBody>
+          <a:bodyPr wrap="square" rtlCol="0">
+            <a:spAutoFit/>
+          </a:bodyPr>
+          <a:lstStyle/>
+          <a:p>
+            <a:r>
+              <a:rPr lang="it-IT" dirty="0">
+                <a:latin typeface="Aharoni" panose="02010803020104030203" pitchFamily="2" charset="-79"/>
+                <a:cs typeface="Aharoni" panose="02010803020104030203" pitchFamily="2" charset="-79"/>
+              </a:rPr>
+              <a:t>QUALIFICA</a:t>
+            </a:r>
+          </a:p>
+          <a:p>
+            <a:r>
+              <a:rPr lang="it-IT" dirty="0">
+                <a:latin typeface="Aharoni" panose="02010803020104030203" pitchFamily="2" charset="-79"/>
+                <a:cs typeface="Aharoni" panose="02010803020104030203" pitchFamily="2" charset="-79"/>
+              </a:rPr>
+              <a:t>Durata: 3 sessioni, 18, 15 e 12 minuti</a:t>
+            </a:r>
+          </a:p>
+          <a:p>
+            <a:r>
+              <a:rPr lang="it-IT" dirty="0">
+                <a:latin typeface="Aharoni" panose="02010803020104030203" pitchFamily="2" charset="-79"/>
+                <a:cs typeface="Aharoni" panose="02010803020104030203" pitchFamily="2" charset="-79"/>
+              </a:rPr>
+              <a:t>Scopo: Stabilire la griglia di partenza della gara</a:t>
+            </a:r>
+          </a:p>
+        </p:txBody>
+      </p:sp>
+      <p:sp>
+        <p:nvSpPr>
+          <p:cNvPr id="7" name="CasellaDiTesto 6">
+            <a:extLst>
+              <a:ext uri="{FF2B5EF4-FFF2-40B4-BE49-F238E27FC236}">
+                <a16:creationId xmlns:a16="http://schemas.microsoft.com/office/drawing/2014/main" id="{429EA10C-15C2-B8EC-C0A8-FA47A2239009}"/>
+              </a:ext>
+            </a:extLst>
+          </p:cNvPr>
+          <p:cNvSpPr txBox="1"/>
+          <p:nvPr/>
+        </p:nvSpPr>
+        <p:spPr>
+          <a:xfrm>
+            <a:off x="9965277" y="2624664"/>
+            <a:ext cx="2116666" cy="1200329"/>
+          </a:xfrm>
+          <a:prstGeom prst="rect">
+            <a:avLst/>
+          </a:prstGeom>
+          <a:noFill/>
+        </p:spPr>
+        <p:txBody>
+          <a:bodyPr wrap="square" rtlCol="0">
+            <a:spAutoFit/>
+          </a:bodyPr>
+          <a:lstStyle/>
+          <a:p>
+            <a:r>
+              <a:rPr lang="it-IT" dirty="0">
+                <a:solidFill>
+                  <a:srgbClr val="FFDFD4"/>
+                </a:solidFill>
+                <a:latin typeface="Aharoni" panose="02010803020104030203" pitchFamily="2" charset="-79"/>
+                <a:cs typeface="Aharoni" panose="02010803020104030203" pitchFamily="2" charset="-79"/>
+              </a:rPr>
+              <a:t>GARA</a:t>
+            </a:r>
+          </a:p>
+          <a:p>
+            <a:r>
+              <a:rPr lang="it-IT" dirty="0">
+                <a:solidFill>
+                  <a:srgbClr val="FFDFD4"/>
+                </a:solidFill>
+                <a:latin typeface="Aharoni" panose="02010803020104030203" pitchFamily="2" charset="-79"/>
+                <a:cs typeface="Aharoni" panose="02010803020104030203" pitchFamily="2" charset="-79"/>
+              </a:rPr>
+              <a:t>Durata: 305 km,</a:t>
+            </a:r>
+          </a:p>
+          <a:p>
+            <a:r>
+              <a:rPr lang="it-IT" dirty="0">
+                <a:solidFill>
+                  <a:srgbClr val="FFDFD4"/>
+                </a:solidFill>
+                <a:latin typeface="Aharoni" panose="02010803020104030203" pitchFamily="2" charset="-79"/>
+                <a:cs typeface="Aharoni" panose="02010803020104030203" pitchFamily="2" charset="-79"/>
+              </a:rPr>
+              <a:t>90 minuti circa</a:t>
+            </a:r>
+          </a:p>
+          <a:p>
+            <a:r>
+              <a:rPr lang="it-IT" dirty="0">
+                <a:solidFill>
+                  <a:srgbClr val="FFDFD4"/>
+                </a:solidFill>
+                <a:latin typeface="Aharoni" panose="02010803020104030203" pitchFamily="2" charset="-79"/>
+                <a:cs typeface="Aharoni" panose="02010803020104030203" pitchFamily="2" charset="-79"/>
+              </a:rPr>
+              <a:t>Scopo: Vincere</a:t>
+            </a:r>
+          </a:p>
+        </p:txBody>
+      </p:sp>
+    </p:spTree>
+    <p:extLst>
+      <p:ext uri="{BB962C8B-B14F-4D97-AF65-F5344CB8AC3E}">
+        <p14:creationId xmlns:p14="http://schemas.microsoft.com/office/powerpoint/2010/main" val="2584879016"/>
+      </p:ext>
+    </p:extLst>
+  </p:cSld>
+  <p:clrMapOvr>
+    <a:masterClrMapping/>
+  </p:clrMapOvr>
+  <mc:AlternateContent xmlns:mc="http://schemas.openxmlformats.org/markup-compatibility/2006" xmlns:p159="http://schemas.microsoft.com/office/powerpoint/2015/09/main">
+    <mc:Choice Requires="p159">
+      <p:transition xmlns:p14="http://schemas.microsoft.com/office/powerpoint/2010/main" spd="slow" p14:dur="2000">
+        <p159:morph option="byObject"/>
+      </p:transition>
+    </mc:Choice>
+    <mc:Fallback xmlns="">
+      <p:transition spd="slow">
+        <p:fade/>
+      </p:transition>
+    </mc:Fallback>
+  </mc:AlternateContent>
 </p:sld>
 </file>
 
@@ -8715,6 +10874,2818 @@
 </p:sld>
 </file>
 
+<file path=ppt/slides/slide20.xml><?xml version="1.0" encoding="utf-8"?>
+<p:sld xmlns:a="http://schemas.openxmlformats.org/drawingml/2006/main" xmlns:r="http://schemas.openxmlformats.org/officeDocument/2006/relationships" xmlns:p="http://schemas.openxmlformats.org/presentationml/2006/main">
+  <p:cSld>
+    <p:bg>
+      <p:bgPr>
+        <a:solidFill>
+          <a:srgbClr val="FFDFD4"/>
+        </a:solidFill>
+        <a:effectLst/>
+      </p:bgPr>
+    </p:bg>
+    <p:spTree>
+      <p:nvGrpSpPr>
+        <p:cNvPr id="1" name=""/>
+        <p:cNvGrpSpPr/>
+        <p:nvPr/>
+      </p:nvGrpSpPr>
+      <p:grpSpPr>
+        <a:xfrm>
+          <a:off x="0" y="0"/>
+          <a:ext cx="0" cy="0"/>
+          <a:chOff x="0" y="0"/>
+          <a:chExt cx="0" cy="0"/>
+        </a:xfrm>
+      </p:grpSpPr>
+      <p:sp>
+        <p:nvSpPr>
+          <p:cNvPr id="9" name="Rettangolo con angoli arrotondati 8">
+            <a:extLst>
+              <a:ext uri="{FF2B5EF4-FFF2-40B4-BE49-F238E27FC236}">
+                <a16:creationId xmlns:a16="http://schemas.microsoft.com/office/drawing/2014/main" id="{BDF80EDC-CA5D-AE2F-E9F2-6803F968A33F}"/>
+              </a:ext>
+            </a:extLst>
+          </p:cNvPr>
+          <p:cNvSpPr/>
+          <p:nvPr/>
+        </p:nvSpPr>
+        <p:spPr>
+          <a:xfrm>
+            <a:off x="9965276" y="2531533"/>
+            <a:ext cx="1964256" cy="1847456"/>
+          </a:xfrm>
+          <a:prstGeom prst="roundRect">
+            <a:avLst/>
+          </a:prstGeom>
+          <a:solidFill>
+            <a:srgbClr val="CC99FF"/>
+          </a:solidFill>
+          <a:ln>
+            <a:solidFill>
+              <a:srgbClr val="7030A0"/>
+            </a:solidFill>
+          </a:ln>
+        </p:spPr>
+        <p:style>
+          <a:lnRef idx="2">
+            <a:schemeClr val="accent1">
+              <a:shade val="15000"/>
+            </a:schemeClr>
+          </a:lnRef>
+          <a:fillRef idx="1">
+            <a:schemeClr val="accent1"/>
+          </a:fillRef>
+          <a:effectRef idx="0">
+            <a:schemeClr val="accent1"/>
+          </a:effectRef>
+          <a:fontRef idx="minor">
+            <a:schemeClr val="lt1"/>
+          </a:fontRef>
+        </p:style>
+        <p:txBody>
+          <a:bodyPr rtlCol="0" anchor="ctr"/>
+          <a:lstStyle/>
+          <a:p>
+            <a:pPr algn="ctr"/>
+            <a:endParaRPr lang="it-IT"/>
+          </a:p>
+        </p:txBody>
+      </p:sp>
+      <p:sp>
+        <p:nvSpPr>
+          <p:cNvPr id="2" name="CasellaDiTesto 1">
+            <a:extLst>
+              <a:ext uri="{FF2B5EF4-FFF2-40B4-BE49-F238E27FC236}">
+                <a16:creationId xmlns:a16="http://schemas.microsoft.com/office/drawing/2014/main" id="{3BF58715-1CB0-CE0C-6922-22CF991F40B9}"/>
+              </a:ext>
+            </a:extLst>
+          </p:cNvPr>
+          <p:cNvSpPr txBox="1"/>
+          <p:nvPr/>
+        </p:nvSpPr>
+        <p:spPr>
+          <a:xfrm>
+            <a:off x="922866" y="300209"/>
+            <a:ext cx="10346267" cy="1200329"/>
+          </a:xfrm>
+          <a:prstGeom prst="rect">
+            <a:avLst/>
+          </a:prstGeom>
+          <a:noFill/>
+        </p:spPr>
+        <p:txBody>
+          <a:bodyPr wrap="square" rtlCol="0">
+            <a:spAutoFit/>
+          </a:bodyPr>
+          <a:lstStyle/>
+          <a:p>
+            <a:pPr algn="ctr"/>
+            <a:r>
+              <a:rPr lang="it-IT" sz="3600" dirty="0">
+                <a:solidFill>
+                  <a:srgbClr val="7A1B0C"/>
+                </a:solidFill>
+                <a:latin typeface="Aharoni" panose="02010803020104030203" pitchFamily="2" charset="-79"/>
+                <a:cs typeface="Aharoni" panose="02010803020104030203" pitchFamily="2" charset="-79"/>
+              </a:rPr>
+              <a:t>FORMAT CLASSICO VS FORMAT SPRINT</a:t>
+            </a:r>
+          </a:p>
+          <a:p>
+            <a:pPr algn="ctr"/>
+            <a:r>
+              <a:rPr lang="it-IT" sz="3600" dirty="0">
+                <a:solidFill>
+                  <a:srgbClr val="7A1B0C"/>
+                </a:solidFill>
+                <a:latin typeface="Aharoni" panose="02010803020104030203" pitchFamily="2" charset="-79"/>
+                <a:cs typeface="Aharoni" panose="02010803020104030203" pitchFamily="2" charset="-79"/>
+              </a:rPr>
+              <a:t>FORMAT CLASSICO</a:t>
+            </a:r>
+          </a:p>
+        </p:txBody>
+      </p:sp>
+      <p:sp>
+        <p:nvSpPr>
+          <p:cNvPr id="3" name="CasellaDiTesto 2">
+            <a:extLst>
+              <a:ext uri="{FF2B5EF4-FFF2-40B4-BE49-F238E27FC236}">
+                <a16:creationId xmlns:a16="http://schemas.microsoft.com/office/drawing/2014/main" id="{74FFDB63-C646-303B-AFFE-8AEFEC14B358}"/>
+              </a:ext>
+            </a:extLst>
+          </p:cNvPr>
+          <p:cNvSpPr txBox="1"/>
+          <p:nvPr/>
+        </p:nvSpPr>
+        <p:spPr>
+          <a:xfrm>
+            <a:off x="262468" y="2624663"/>
+            <a:ext cx="2463796" cy="1200329"/>
+          </a:xfrm>
+          <a:prstGeom prst="rect">
+            <a:avLst/>
+          </a:prstGeom>
+          <a:noFill/>
+        </p:spPr>
+        <p:txBody>
+          <a:bodyPr wrap="square" rtlCol="0">
+            <a:spAutoFit/>
+          </a:bodyPr>
+          <a:lstStyle/>
+          <a:p>
+            <a:r>
+              <a:rPr lang="it-IT" dirty="0">
+                <a:latin typeface="Aharoni" panose="02010803020104030203" pitchFamily="2" charset="-79"/>
+                <a:cs typeface="Aharoni" panose="02010803020104030203" pitchFamily="2" charset="-79"/>
+              </a:rPr>
+              <a:t>PROVA LIBERA 1</a:t>
+            </a:r>
+          </a:p>
+          <a:p>
+            <a:r>
+              <a:rPr lang="it-IT" dirty="0">
+                <a:latin typeface="Aharoni" panose="02010803020104030203" pitchFamily="2" charset="-79"/>
+                <a:cs typeface="Aharoni" panose="02010803020104030203" pitchFamily="2" charset="-79"/>
+              </a:rPr>
+              <a:t>Durata: 60 minuti</a:t>
+            </a:r>
+          </a:p>
+          <a:p>
+            <a:r>
+              <a:rPr lang="it-IT" dirty="0">
+                <a:latin typeface="Aharoni" panose="02010803020104030203" pitchFamily="2" charset="-79"/>
+                <a:cs typeface="Aharoni" panose="02010803020104030203" pitchFamily="2" charset="-79"/>
+              </a:rPr>
+              <a:t>Scopo: Preparazione assetti delle vetture</a:t>
+            </a:r>
+          </a:p>
+        </p:txBody>
+      </p:sp>
+      <p:sp>
+        <p:nvSpPr>
+          <p:cNvPr id="4" name="CasellaDiTesto 3">
+            <a:extLst>
+              <a:ext uri="{FF2B5EF4-FFF2-40B4-BE49-F238E27FC236}">
+                <a16:creationId xmlns:a16="http://schemas.microsoft.com/office/drawing/2014/main" id="{8EE18F61-3A08-AEDB-9506-1765D8D36133}"/>
+              </a:ext>
+            </a:extLst>
+          </p:cNvPr>
+          <p:cNvSpPr txBox="1"/>
+          <p:nvPr/>
+        </p:nvSpPr>
+        <p:spPr>
+          <a:xfrm>
+            <a:off x="2844803" y="2624663"/>
+            <a:ext cx="2387597" cy="1200329"/>
+          </a:xfrm>
+          <a:prstGeom prst="rect">
+            <a:avLst/>
+          </a:prstGeom>
+          <a:noFill/>
+        </p:spPr>
+        <p:txBody>
+          <a:bodyPr wrap="square" rtlCol="0">
+            <a:spAutoFit/>
+          </a:bodyPr>
+          <a:lstStyle/>
+          <a:p>
+            <a:r>
+              <a:rPr lang="it-IT" dirty="0">
+                <a:latin typeface="Aharoni" panose="02010803020104030203" pitchFamily="2" charset="-79"/>
+                <a:cs typeface="Aharoni" panose="02010803020104030203" pitchFamily="2" charset="-79"/>
+              </a:rPr>
+              <a:t>PROVA LIBERA 2</a:t>
+            </a:r>
+          </a:p>
+          <a:p>
+            <a:r>
+              <a:rPr lang="it-IT" dirty="0">
+                <a:latin typeface="Aharoni" panose="02010803020104030203" pitchFamily="2" charset="-79"/>
+                <a:cs typeface="Aharoni" panose="02010803020104030203" pitchFamily="2" charset="-79"/>
+              </a:rPr>
+              <a:t>Durata: 60 minuti</a:t>
+            </a:r>
+          </a:p>
+          <a:p>
+            <a:r>
+              <a:rPr lang="it-IT" dirty="0">
+                <a:latin typeface="Aharoni" panose="02010803020104030203" pitchFamily="2" charset="-79"/>
+                <a:cs typeface="Aharoni" panose="02010803020104030203" pitchFamily="2" charset="-79"/>
+              </a:rPr>
+              <a:t>Scopo: Simulazione ritmi gara</a:t>
+            </a:r>
+          </a:p>
+        </p:txBody>
+      </p:sp>
+      <p:sp>
+        <p:nvSpPr>
+          <p:cNvPr id="5" name="CasellaDiTesto 4">
+            <a:extLst>
+              <a:ext uri="{FF2B5EF4-FFF2-40B4-BE49-F238E27FC236}">
+                <a16:creationId xmlns:a16="http://schemas.microsoft.com/office/drawing/2014/main" id="{329311F0-A470-ED61-423E-07E14A48B4E2}"/>
+              </a:ext>
+            </a:extLst>
+          </p:cNvPr>
+          <p:cNvSpPr txBox="1"/>
+          <p:nvPr/>
+        </p:nvSpPr>
+        <p:spPr>
+          <a:xfrm>
+            <a:off x="5384805" y="2624663"/>
+            <a:ext cx="2116666" cy="1200329"/>
+          </a:xfrm>
+          <a:prstGeom prst="rect">
+            <a:avLst/>
+          </a:prstGeom>
+          <a:noFill/>
+        </p:spPr>
+        <p:txBody>
+          <a:bodyPr wrap="square" rtlCol="0">
+            <a:spAutoFit/>
+          </a:bodyPr>
+          <a:lstStyle/>
+          <a:p>
+            <a:r>
+              <a:rPr lang="it-IT" dirty="0">
+                <a:latin typeface="Aharoni" panose="02010803020104030203" pitchFamily="2" charset="-79"/>
+                <a:cs typeface="Aharoni" panose="02010803020104030203" pitchFamily="2" charset="-79"/>
+              </a:rPr>
+              <a:t>PROVA LIBERA 3</a:t>
+            </a:r>
+          </a:p>
+          <a:p>
+            <a:r>
+              <a:rPr lang="it-IT" dirty="0">
+                <a:latin typeface="Aharoni" panose="02010803020104030203" pitchFamily="2" charset="-79"/>
+                <a:cs typeface="Aharoni" panose="02010803020104030203" pitchFamily="2" charset="-79"/>
+              </a:rPr>
+              <a:t>Durata: 60 minuti</a:t>
+            </a:r>
+          </a:p>
+          <a:p>
+            <a:r>
+              <a:rPr lang="it-IT" dirty="0">
+                <a:latin typeface="Aharoni" panose="02010803020104030203" pitchFamily="2" charset="-79"/>
+                <a:cs typeface="Aharoni" panose="02010803020104030203" pitchFamily="2" charset="-79"/>
+              </a:rPr>
+              <a:t>Scopo: Testare giri qualifica</a:t>
+            </a:r>
+          </a:p>
+        </p:txBody>
+      </p:sp>
+      <p:sp>
+        <p:nvSpPr>
+          <p:cNvPr id="6" name="CasellaDiTesto 5">
+            <a:extLst>
+              <a:ext uri="{FF2B5EF4-FFF2-40B4-BE49-F238E27FC236}">
+                <a16:creationId xmlns:a16="http://schemas.microsoft.com/office/drawing/2014/main" id="{E1B3B853-1538-497D-A07B-84DAE8FBF89C}"/>
+              </a:ext>
+            </a:extLst>
+          </p:cNvPr>
+          <p:cNvSpPr txBox="1"/>
+          <p:nvPr/>
+        </p:nvSpPr>
+        <p:spPr>
+          <a:xfrm>
+            <a:off x="7653876" y="2624663"/>
+            <a:ext cx="2311400" cy="1754326"/>
+          </a:xfrm>
+          <a:prstGeom prst="rect">
+            <a:avLst/>
+          </a:prstGeom>
+          <a:noFill/>
+        </p:spPr>
+        <p:txBody>
+          <a:bodyPr wrap="square" rtlCol="0">
+            <a:spAutoFit/>
+          </a:bodyPr>
+          <a:lstStyle/>
+          <a:p>
+            <a:r>
+              <a:rPr lang="it-IT" dirty="0">
+                <a:latin typeface="Aharoni" panose="02010803020104030203" pitchFamily="2" charset="-79"/>
+                <a:cs typeface="Aharoni" panose="02010803020104030203" pitchFamily="2" charset="-79"/>
+              </a:rPr>
+              <a:t>QUALIFICA</a:t>
+            </a:r>
+          </a:p>
+          <a:p>
+            <a:r>
+              <a:rPr lang="it-IT" dirty="0">
+                <a:latin typeface="Aharoni" panose="02010803020104030203" pitchFamily="2" charset="-79"/>
+                <a:cs typeface="Aharoni" panose="02010803020104030203" pitchFamily="2" charset="-79"/>
+              </a:rPr>
+              <a:t>Durata: 3 sessioni, 18, 15 e 12 minuti</a:t>
+            </a:r>
+          </a:p>
+          <a:p>
+            <a:r>
+              <a:rPr lang="it-IT" dirty="0">
+                <a:latin typeface="Aharoni" panose="02010803020104030203" pitchFamily="2" charset="-79"/>
+                <a:cs typeface="Aharoni" panose="02010803020104030203" pitchFamily="2" charset="-79"/>
+              </a:rPr>
+              <a:t>Scopo: Stabilire la griglia di partenza della gara</a:t>
+            </a:r>
+          </a:p>
+        </p:txBody>
+      </p:sp>
+      <p:sp>
+        <p:nvSpPr>
+          <p:cNvPr id="7" name="CasellaDiTesto 6">
+            <a:extLst>
+              <a:ext uri="{FF2B5EF4-FFF2-40B4-BE49-F238E27FC236}">
+                <a16:creationId xmlns:a16="http://schemas.microsoft.com/office/drawing/2014/main" id="{429EA10C-15C2-B8EC-C0A8-FA47A2239009}"/>
+              </a:ext>
+            </a:extLst>
+          </p:cNvPr>
+          <p:cNvSpPr txBox="1"/>
+          <p:nvPr/>
+        </p:nvSpPr>
+        <p:spPr>
+          <a:xfrm>
+            <a:off x="9965277" y="2624664"/>
+            <a:ext cx="2116666" cy="1200329"/>
+          </a:xfrm>
+          <a:prstGeom prst="rect">
+            <a:avLst/>
+          </a:prstGeom>
+          <a:noFill/>
+        </p:spPr>
+        <p:txBody>
+          <a:bodyPr wrap="square" rtlCol="0">
+            <a:spAutoFit/>
+          </a:bodyPr>
+          <a:lstStyle/>
+          <a:p>
+            <a:r>
+              <a:rPr lang="it-IT" dirty="0">
+                <a:latin typeface="Aharoni" panose="02010803020104030203" pitchFamily="2" charset="-79"/>
+                <a:cs typeface="Aharoni" panose="02010803020104030203" pitchFamily="2" charset="-79"/>
+              </a:rPr>
+              <a:t>GARA</a:t>
+            </a:r>
+          </a:p>
+          <a:p>
+            <a:r>
+              <a:rPr lang="it-IT" dirty="0">
+                <a:latin typeface="Aharoni" panose="02010803020104030203" pitchFamily="2" charset="-79"/>
+                <a:cs typeface="Aharoni" panose="02010803020104030203" pitchFamily="2" charset="-79"/>
+              </a:rPr>
+              <a:t>Durata: 305 km,</a:t>
+            </a:r>
+          </a:p>
+          <a:p>
+            <a:r>
+              <a:rPr lang="it-IT" dirty="0">
+                <a:latin typeface="Aharoni" panose="02010803020104030203" pitchFamily="2" charset="-79"/>
+                <a:cs typeface="Aharoni" panose="02010803020104030203" pitchFamily="2" charset="-79"/>
+              </a:rPr>
+              <a:t>90 minuti circa</a:t>
+            </a:r>
+          </a:p>
+          <a:p>
+            <a:r>
+              <a:rPr lang="it-IT" dirty="0">
+                <a:latin typeface="Aharoni" panose="02010803020104030203" pitchFamily="2" charset="-79"/>
+                <a:cs typeface="Aharoni" panose="02010803020104030203" pitchFamily="2" charset="-79"/>
+              </a:rPr>
+              <a:t>Scopo: Vincere</a:t>
+            </a:r>
+          </a:p>
+        </p:txBody>
+      </p:sp>
+    </p:spTree>
+    <p:extLst>
+      <p:ext uri="{BB962C8B-B14F-4D97-AF65-F5344CB8AC3E}">
+        <p14:creationId xmlns:p14="http://schemas.microsoft.com/office/powerpoint/2010/main" val="3058325219"/>
+      </p:ext>
+    </p:extLst>
+  </p:cSld>
+  <p:clrMapOvr>
+    <a:masterClrMapping/>
+  </p:clrMapOvr>
+  <mc:AlternateContent xmlns:mc="http://schemas.openxmlformats.org/markup-compatibility/2006" xmlns:p159="http://schemas.microsoft.com/office/powerpoint/2015/09/main">
+    <mc:Choice Requires="p159">
+      <p:transition xmlns:p14="http://schemas.microsoft.com/office/powerpoint/2010/main" spd="slow" p14:dur="2000">
+        <p159:morph option="byObject"/>
+      </p:transition>
+    </mc:Choice>
+    <mc:Fallback xmlns="">
+      <p:transition spd="slow">
+        <p:fade/>
+      </p:transition>
+    </mc:Fallback>
+  </mc:AlternateContent>
+</p:sld>
+</file>
+
+<file path=ppt/slides/slide21.xml><?xml version="1.0" encoding="utf-8"?>
+<p:sld xmlns:a="http://schemas.openxmlformats.org/drawingml/2006/main" xmlns:r="http://schemas.openxmlformats.org/officeDocument/2006/relationships" xmlns:p="http://schemas.openxmlformats.org/presentationml/2006/main">
+  <p:cSld>
+    <p:bg>
+      <p:bgPr>
+        <a:solidFill>
+          <a:srgbClr val="FFDFD4"/>
+        </a:solidFill>
+        <a:effectLst/>
+      </p:bgPr>
+    </p:bg>
+    <p:spTree>
+      <p:nvGrpSpPr>
+        <p:cNvPr id="1" name=""/>
+        <p:cNvGrpSpPr/>
+        <p:nvPr/>
+      </p:nvGrpSpPr>
+      <p:grpSpPr>
+        <a:xfrm>
+          <a:off x="0" y="0"/>
+          <a:ext cx="0" cy="0"/>
+          <a:chOff x="0" y="0"/>
+          <a:chExt cx="0" cy="0"/>
+        </a:xfrm>
+      </p:grpSpPr>
+      <p:sp>
+        <p:nvSpPr>
+          <p:cNvPr id="8" name="Rettangolo con angoli arrotondati 7">
+            <a:extLst>
+              <a:ext uri="{FF2B5EF4-FFF2-40B4-BE49-F238E27FC236}">
+                <a16:creationId xmlns:a16="http://schemas.microsoft.com/office/drawing/2014/main" id="{2551A8EC-BFA2-3407-25B3-D72CBB8C1731}"/>
+              </a:ext>
+            </a:extLst>
+          </p:cNvPr>
+          <p:cNvSpPr/>
+          <p:nvPr/>
+        </p:nvSpPr>
+        <p:spPr>
+          <a:xfrm>
+            <a:off x="262467" y="2564967"/>
+            <a:ext cx="2387597" cy="1873717"/>
+          </a:xfrm>
+          <a:prstGeom prst="roundRect">
+            <a:avLst/>
+          </a:prstGeom>
+          <a:solidFill>
+            <a:schemeClr val="accent4">
+              <a:lumMod val="20000"/>
+              <a:lumOff val="80000"/>
+            </a:schemeClr>
+          </a:solidFill>
+          <a:ln>
+            <a:solidFill>
+              <a:schemeClr val="accent4">
+                <a:lumMod val="75000"/>
+              </a:schemeClr>
+            </a:solidFill>
+          </a:ln>
+        </p:spPr>
+        <p:style>
+          <a:lnRef idx="2">
+            <a:schemeClr val="accent1">
+              <a:shade val="15000"/>
+            </a:schemeClr>
+          </a:lnRef>
+          <a:fillRef idx="1">
+            <a:schemeClr val="accent1"/>
+          </a:fillRef>
+          <a:effectRef idx="0">
+            <a:schemeClr val="accent1"/>
+          </a:effectRef>
+          <a:fontRef idx="minor">
+            <a:schemeClr val="lt1"/>
+          </a:fontRef>
+        </p:style>
+        <p:txBody>
+          <a:bodyPr rtlCol="0" anchor="ctr"/>
+          <a:lstStyle/>
+          <a:p>
+            <a:pPr algn="ctr"/>
+            <a:endParaRPr lang="it-IT"/>
+          </a:p>
+        </p:txBody>
+      </p:sp>
+      <p:sp>
+        <p:nvSpPr>
+          <p:cNvPr id="2" name="CasellaDiTesto 1">
+            <a:extLst>
+              <a:ext uri="{FF2B5EF4-FFF2-40B4-BE49-F238E27FC236}">
+                <a16:creationId xmlns:a16="http://schemas.microsoft.com/office/drawing/2014/main" id="{B28F1028-D4F2-1471-F83F-21E4D32F8AC5}"/>
+              </a:ext>
+            </a:extLst>
+          </p:cNvPr>
+          <p:cNvSpPr txBox="1"/>
+          <p:nvPr/>
+        </p:nvSpPr>
+        <p:spPr>
+          <a:xfrm>
+            <a:off x="1481666" y="279400"/>
+            <a:ext cx="9228667" cy="1477328"/>
+          </a:xfrm>
+          <a:prstGeom prst="rect">
+            <a:avLst/>
+          </a:prstGeom>
+          <a:noFill/>
+        </p:spPr>
+        <p:txBody>
+          <a:bodyPr wrap="square" rtlCol="0">
+            <a:spAutoFit/>
+          </a:bodyPr>
+          <a:lstStyle/>
+          <a:p>
+            <a:pPr algn="ctr"/>
+            <a:r>
+              <a:rPr lang="it-IT" sz="3600" dirty="0">
+                <a:solidFill>
+                  <a:srgbClr val="7A1B0C"/>
+                </a:solidFill>
+                <a:latin typeface="Aharoni" panose="02010803020104030203" pitchFamily="2" charset="-79"/>
+                <a:cs typeface="Aharoni" panose="02010803020104030203" pitchFamily="2" charset="-79"/>
+              </a:rPr>
+              <a:t>FORMAT CLASSICO VS FORMAT SPRINT</a:t>
+            </a:r>
+          </a:p>
+          <a:p>
+            <a:pPr algn="ctr"/>
+            <a:r>
+              <a:rPr lang="it-IT" sz="3600" dirty="0">
+                <a:solidFill>
+                  <a:srgbClr val="7A1B0C"/>
+                </a:solidFill>
+                <a:latin typeface="Aharoni" panose="02010803020104030203" pitchFamily="2" charset="-79"/>
+                <a:cs typeface="Aharoni" panose="02010803020104030203" pitchFamily="2" charset="-79"/>
+              </a:rPr>
+              <a:t>FORMAT SPRINT</a:t>
+            </a:r>
+          </a:p>
+          <a:p>
+            <a:endParaRPr lang="it-IT" dirty="0"/>
+          </a:p>
+        </p:txBody>
+      </p:sp>
+      <p:sp>
+        <p:nvSpPr>
+          <p:cNvPr id="3" name="CasellaDiTesto 2">
+            <a:extLst>
+              <a:ext uri="{FF2B5EF4-FFF2-40B4-BE49-F238E27FC236}">
+                <a16:creationId xmlns:a16="http://schemas.microsoft.com/office/drawing/2014/main" id="{EB4E50D2-8A68-D014-29AF-77BA59B2D264}"/>
+              </a:ext>
+            </a:extLst>
+          </p:cNvPr>
+          <p:cNvSpPr txBox="1"/>
+          <p:nvPr/>
+        </p:nvSpPr>
+        <p:spPr>
+          <a:xfrm>
+            <a:off x="262468" y="2624663"/>
+            <a:ext cx="2463796" cy="1477328"/>
+          </a:xfrm>
+          <a:prstGeom prst="rect">
+            <a:avLst/>
+          </a:prstGeom>
+          <a:noFill/>
+        </p:spPr>
+        <p:txBody>
+          <a:bodyPr wrap="square" rtlCol="0">
+            <a:spAutoFit/>
+          </a:bodyPr>
+          <a:lstStyle/>
+          <a:p>
+            <a:r>
+              <a:rPr lang="it-IT" dirty="0">
+                <a:latin typeface="Aharoni" panose="02010803020104030203" pitchFamily="2" charset="-79"/>
+                <a:cs typeface="Aharoni" panose="02010803020104030203" pitchFamily="2" charset="-79"/>
+              </a:rPr>
+              <a:t>PROVA LIBERA 1</a:t>
+            </a:r>
+          </a:p>
+          <a:p>
+            <a:r>
+              <a:rPr lang="it-IT" dirty="0">
+                <a:latin typeface="Aharoni" panose="02010803020104030203" pitchFamily="2" charset="-79"/>
+                <a:cs typeface="Aharoni" panose="02010803020104030203" pitchFamily="2" charset="-79"/>
+              </a:rPr>
+              <a:t>Durata: 60 minuti</a:t>
+            </a:r>
+          </a:p>
+          <a:p>
+            <a:r>
+              <a:rPr lang="it-IT" dirty="0">
+                <a:latin typeface="Aharoni" panose="02010803020104030203" pitchFamily="2" charset="-79"/>
+                <a:cs typeface="Aharoni" panose="02010803020104030203" pitchFamily="2" charset="-79"/>
+              </a:rPr>
+              <a:t>Scopo: Preparazione generale del weekend</a:t>
+            </a:r>
+          </a:p>
+        </p:txBody>
+      </p:sp>
+      <p:sp>
+        <p:nvSpPr>
+          <p:cNvPr id="4" name="CasellaDiTesto 3">
+            <a:extLst>
+              <a:ext uri="{FF2B5EF4-FFF2-40B4-BE49-F238E27FC236}">
+                <a16:creationId xmlns:a16="http://schemas.microsoft.com/office/drawing/2014/main" id="{46380F20-9A55-7F09-8ECF-B3DE81ECD890}"/>
+              </a:ext>
+            </a:extLst>
+          </p:cNvPr>
+          <p:cNvSpPr txBox="1"/>
+          <p:nvPr/>
+        </p:nvSpPr>
+        <p:spPr>
+          <a:xfrm>
+            <a:off x="2844803" y="2624663"/>
+            <a:ext cx="2387597" cy="1754326"/>
+          </a:xfrm>
+          <a:prstGeom prst="rect">
+            <a:avLst/>
+          </a:prstGeom>
+          <a:noFill/>
+        </p:spPr>
+        <p:txBody>
+          <a:bodyPr wrap="square" rtlCol="0">
+            <a:spAutoFit/>
+          </a:bodyPr>
+          <a:lstStyle/>
+          <a:p>
+            <a:r>
+              <a:rPr lang="it-IT" dirty="0">
+                <a:solidFill>
+                  <a:srgbClr val="FFDFD4"/>
+                </a:solidFill>
+                <a:latin typeface="Aharoni" panose="02010803020104030203" pitchFamily="2" charset="-79"/>
+                <a:cs typeface="Aharoni" panose="02010803020104030203" pitchFamily="2" charset="-79"/>
+              </a:rPr>
+              <a:t>QUALIFICA</a:t>
+            </a:r>
+          </a:p>
+          <a:p>
+            <a:r>
+              <a:rPr lang="it-IT" dirty="0">
+                <a:solidFill>
+                  <a:srgbClr val="FFDFD4"/>
+                </a:solidFill>
+                <a:latin typeface="Aharoni" panose="02010803020104030203" pitchFamily="2" charset="-79"/>
+                <a:cs typeface="Aharoni" panose="02010803020104030203" pitchFamily="2" charset="-79"/>
+              </a:rPr>
+              <a:t>Durata: 3 sessioni, 18, 15 e 12 minuti</a:t>
+            </a:r>
+          </a:p>
+          <a:p>
+            <a:r>
+              <a:rPr lang="it-IT" dirty="0">
+                <a:solidFill>
+                  <a:srgbClr val="FFDFD4"/>
+                </a:solidFill>
+                <a:latin typeface="Aharoni" panose="02010803020104030203" pitchFamily="2" charset="-79"/>
+                <a:cs typeface="Aharoni" panose="02010803020104030203" pitchFamily="2" charset="-79"/>
+              </a:rPr>
+              <a:t>Scopo: Stabilire la griglia di partenza della gara</a:t>
+            </a:r>
+          </a:p>
+        </p:txBody>
+      </p:sp>
+      <p:sp>
+        <p:nvSpPr>
+          <p:cNvPr id="5" name="CasellaDiTesto 4">
+            <a:extLst>
+              <a:ext uri="{FF2B5EF4-FFF2-40B4-BE49-F238E27FC236}">
+                <a16:creationId xmlns:a16="http://schemas.microsoft.com/office/drawing/2014/main" id="{4ED82E75-8DC1-5800-6534-617F96DE5984}"/>
+              </a:ext>
+            </a:extLst>
+          </p:cNvPr>
+          <p:cNvSpPr txBox="1"/>
+          <p:nvPr/>
+        </p:nvSpPr>
+        <p:spPr>
+          <a:xfrm>
+            <a:off x="5384805" y="2624663"/>
+            <a:ext cx="2269070" cy="1754326"/>
+          </a:xfrm>
+          <a:prstGeom prst="rect">
+            <a:avLst/>
+          </a:prstGeom>
+          <a:noFill/>
+        </p:spPr>
+        <p:txBody>
+          <a:bodyPr wrap="square" rtlCol="0">
+            <a:spAutoFit/>
+          </a:bodyPr>
+          <a:lstStyle/>
+          <a:p>
+            <a:r>
+              <a:rPr lang="it-IT" dirty="0">
+                <a:solidFill>
+                  <a:srgbClr val="FFDFD4"/>
+                </a:solidFill>
+                <a:latin typeface="Aharoni" panose="02010803020104030203" pitchFamily="2" charset="-79"/>
+                <a:cs typeface="Aharoni" panose="02010803020104030203" pitchFamily="2" charset="-79"/>
+              </a:rPr>
+              <a:t>SPRINT SHOOTOUT</a:t>
+            </a:r>
+          </a:p>
+          <a:p>
+            <a:r>
+              <a:rPr lang="it-IT" dirty="0">
+                <a:solidFill>
+                  <a:srgbClr val="FFDFD4"/>
+                </a:solidFill>
+                <a:latin typeface="Aharoni" panose="02010803020104030203" pitchFamily="2" charset="-79"/>
+                <a:cs typeface="Aharoni" panose="02010803020104030203" pitchFamily="2" charset="-79"/>
+              </a:rPr>
+              <a:t>Durata: 3 sessioni, 12, 10 e 8 minuti</a:t>
+            </a:r>
+          </a:p>
+          <a:p>
+            <a:r>
+              <a:rPr lang="it-IT" dirty="0">
+                <a:solidFill>
+                  <a:srgbClr val="FFDFD4"/>
+                </a:solidFill>
+                <a:latin typeface="Aharoni" panose="02010803020104030203" pitchFamily="2" charset="-79"/>
+                <a:cs typeface="Aharoni" panose="02010803020104030203" pitchFamily="2" charset="-79"/>
+              </a:rPr>
+              <a:t>Scopo: Stabilire la griglia di partenza della gara sprint</a:t>
+            </a:r>
+          </a:p>
+        </p:txBody>
+      </p:sp>
+      <p:sp>
+        <p:nvSpPr>
+          <p:cNvPr id="6" name="CasellaDiTesto 5">
+            <a:extLst>
+              <a:ext uri="{FF2B5EF4-FFF2-40B4-BE49-F238E27FC236}">
+                <a16:creationId xmlns:a16="http://schemas.microsoft.com/office/drawing/2014/main" id="{679E128E-8EAC-C840-216F-B28984085322}"/>
+              </a:ext>
+            </a:extLst>
+          </p:cNvPr>
+          <p:cNvSpPr txBox="1"/>
+          <p:nvPr/>
+        </p:nvSpPr>
+        <p:spPr>
+          <a:xfrm>
+            <a:off x="7653876" y="2624663"/>
+            <a:ext cx="2311400" cy="1200329"/>
+          </a:xfrm>
+          <a:prstGeom prst="rect">
+            <a:avLst/>
+          </a:prstGeom>
+          <a:noFill/>
+        </p:spPr>
+        <p:txBody>
+          <a:bodyPr wrap="square" rtlCol="0">
+            <a:spAutoFit/>
+          </a:bodyPr>
+          <a:lstStyle/>
+          <a:p>
+            <a:r>
+              <a:rPr lang="it-IT" dirty="0">
+                <a:solidFill>
+                  <a:srgbClr val="FFDFD4"/>
+                </a:solidFill>
+                <a:latin typeface="Aharoni" panose="02010803020104030203" pitchFamily="2" charset="-79"/>
+                <a:cs typeface="Aharoni" panose="02010803020104030203" pitchFamily="2" charset="-79"/>
+              </a:rPr>
+              <a:t>GARA SPRINT</a:t>
+            </a:r>
+          </a:p>
+          <a:p>
+            <a:r>
+              <a:rPr lang="it-IT" dirty="0">
+                <a:solidFill>
+                  <a:srgbClr val="FFDFD4"/>
+                </a:solidFill>
+                <a:latin typeface="Aharoni" panose="02010803020104030203" pitchFamily="2" charset="-79"/>
+                <a:cs typeface="Aharoni" panose="02010803020104030203" pitchFamily="2" charset="-79"/>
+              </a:rPr>
+              <a:t>Durata: 100 km, 30 minuti circa</a:t>
+            </a:r>
+          </a:p>
+          <a:p>
+            <a:r>
+              <a:rPr lang="it-IT" dirty="0">
+                <a:solidFill>
+                  <a:srgbClr val="FFDFD4"/>
+                </a:solidFill>
+                <a:latin typeface="Aharoni" panose="02010803020104030203" pitchFamily="2" charset="-79"/>
+                <a:cs typeface="Aharoni" panose="02010803020104030203" pitchFamily="2" charset="-79"/>
+              </a:rPr>
+              <a:t>Scopo: Vincere</a:t>
+            </a:r>
+          </a:p>
+        </p:txBody>
+      </p:sp>
+      <p:sp>
+        <p:nvSpPr>
+          <p:cNvPr id="7" name="CasellaDiTesto 6">
+            <a:extLst>
+              <a:ext uri="{FF2B5EF4-FFF2-40B4-BE49-F238E27FC236}">
+                <a16:creationId xmlns:a16="http://schemas.microsoft.com/office/drawing/2014/main" id="{7745000E-E71C-69D9-FEC9-AFF0EE517C5D}"/>
+              </a:ext>
+            </a:extLst>
+          </p:cNvPr>
+          <p:cNvSpPr txBox="1"/>
+          <p:nvPr/>
+        </p:nvSpPr>
+        <p:spPr>
+          <a:xfrm>
+            <a:off x="9965277" y="2624664"/>
+            <a:ext cx="2116666" cy="1200329"/>
+          </a:xfrm>
+          <a:prstGeom prst="rect">
+            <a:avLst/>
+          </a:prstGeom>
+          <a:noFill/>
+        </p:spPr>
+        <p:txBody>
+          <a:bodyPr wrap="square" rtlCol="0">
+            <a:spAutoFit/>
+          </a:bodyPr>
+          <a:lstStyle/>
+          <a:p>
+            <a:r>
+              <a:rPr lang="it-IT" dirty="0">
+                <a:solidFill>
+                  <a:srgbClr val="FFDFD4"/>
+                </a:solidFill>
+                <a:latin typeface="Aharoni" panose="02010803020104030203" pitchFamily="2" charset="-79"/>
+                <a:cs typeface="Aharoni" panose="02010803020104030203" pitchFamily="2" charset="-79"/>
+              </a:rPr>
+              <a:t>GARA</a:t>
+            </a:r>
+          </a:p>
+          <a:p>
+            <a:r>
+              <a:rPr lang="it-IT" dirty="0">
+                <a:solidFill>
+                  <a:srgbClr val="FFDFD4"/>
+                </a:solidFill>
+                <a:latin typeface="Aharoni" panose="02010803020104030203" pitchFamily="2" charset="-79"/>
+                <a:cs typeface="Aharoni" panose="02010803020104030203" pitchFamily="2" charset="-79"/>
+              </a:rPr>
+              <a:t>Durata: 305 km,</a:t>
+            </a:r>
+          </a:p>
+          <a:p>
+            <a:r>
+              <a:rPr lang="it-IT" dirty="0">
+                <a:solidFill>
+                  <a:srgbClr val="FFDFD4"/>
+                </a:solidFill>
+                <a:latin typeface="Aharoni" panose="02010803020104030203" pitchFamily="2" charset="-79"/>
+                <a:cs typeface="Aharoni" panose="02010803020104030203" pitchFamily="2" charset="-79"/>
+              </a:rPr>
+              <a:t>90 minuti circa</a:t>
+            </a:r>
+          </a:p>
+          <a:p>
+            <a:r>
+              <a:rPr lang="it-IT" dirty="0">
+                <a:solidFill>
+                  <a:srgbClr val="FFDFD4"/>
+                </a:solidFill>
+                <a:latin typeface="Aharoni" panose="02010803020104030203" pitchFamily="2" charset="-79"/>
+                <a:cs typeface="Aharoni" panose="02010803020104030203" pitchFamily="2" charset="-79"/>
+              </a:rPr>
+              <a:t>Scopo: Vincere</a:t>
+            </a:r>
+          </a:p>
+        </p:txBody>
+      </p:sp>
+    </p:spTree>
+    <p:extLst>
+      <p:ext uri="{BB962C8B-B14F-4D97-AF65-F5344CB8AC3E}">
+        <p14:creationId xmlns:p14="http://schemas.microsoft.com/office/powerpoint/2010/main" val="3412643442"/>
+      </p:ext>
+    </p:extLst>
+  </p:cSld>
+  <p:clrMapOvr>
+    <a:masterClrMapping/>
+  </p:clrMapOvr>
+  <mc:AlternateContent xmlns:mc="http://schemas.openxmlformats.org/markup-compatibility/2006" xmlns:p159="http://schemas.microsoft.com/office/powerpoint/2015/09/main">
+    <mc:Choice Requires="p159">
+      <p:transition xmlns:p14="http://schemas.microsoft.com/office/powerpoint/2010/main" spd="slow" p14:dur="2000">
+        <p159:morph option="byObject"/>
+      </p:transition>
+    </mc:Choice>
+    <mc:Fallback xmlns="">
+      <p:transition spd="slow">
+        <p:fade/>
+      </p:transition>
+    </mc:Fallback>
+  </mc:AlternateContent>
+</p:sld>
+</file>
+
+<file path=ppt/slides/slide22.xml><?xml version="1.0" encoding="utf-8"?>
+<p:sld xmlns:a="http://schemas.openxmlformats.org/drawingml/2006/main" xmlns:r="http://schemas.openxmlformats.org/officeDocument/2006/relationships" xmlns:p="http://schemas.openxmlformats.org/presentationml/2006/main">
+  <p:cSld>
+    <p:bg>
+      <p:bgPr>
+        <a:solidFill>
+          <a:srgbClr val="FFDFD4"/>
+        </a:solidFill>
+        <a:effectLst/>
+      </p:bgPr>
+    </p:bg>
+    <p:spTree>
+      <p:nvGrpSpPr>
+        <p:cNvPr id="1" name=""/>
+        <p:cNvGrpSpPr/>
+        <p:nvPr/>
+      </p:nvGrpSpPr>
+      <p:grpSpPr>
+        <a:xfrm>
+          <a:off x="0" y="0"/>
+          <a:ext cx="0" cy="0"/>
+          <a:chOff x="0" y="0"/>
+          <a:chExt cx="0" cy="0"/>
+        </a:xfrm>
+      </p:grpSpPr>
+      <p:sp>
+        <p:nvSpPr>
+          <p:cNvPr id="8" name="Rettangolo con angoli arrotondati 7">
+            <a:extLst>
+              <a:ext uri="{FF2B5EF4-FFF2-40B4-BE49-F238E27FC236}">
+                <a16:creationId xmlns:a16="http://schemas.microsoft.com/office/drawing/2014/main" id="{2551A8EC-BFA2-3407-25B3-D72CBB8C1731}"/>
+              </a:ext>
+            </a:extLst>
+          </p:cNvPr>
+          <p:cNvSpPr/>
+          <p:nvPr/>
+        </p:nvSpPr>
+        <p:spPr>
+          <a:xfrm>
+            <a:off x="2844802" y="2564967"/>
+            <a:ext cx="2269069" cy="1873717"/>
+          </a:xfrm>
+          <a:prstGeom prst="roundRect">
+            <a:avLst/>
+          </a:prstGeom>
+          <a:solidFill>
+            <a:srgbClr val="FFCC99"/>
+          </a:solidFill>
+          <a:ln>
+            <a:solidFill>
+              <a:schemeClr val="accent2">
+                <a:lumMod val="75000"/>
+              </a:schemeClr>
+            </a:solidFill>
+          </a:ln>
+        </p:spPr>
+        <p:style>
+          <a:lnRef idx="2">
+            <a:schemeClr val="accent1">
+              <a:shade val="15000"/>
+            </a:schemeClr>
+          </a:lnRef>
+          <a:fillRef idx="1">
+            <a:schemeClr val="accent1"/>
+          </a:fillRef>
+          <a:effectRef idx="0">
+            <a:schemeClr val="accent1"/>
+          </a:effectRef>
+          <a:fontRef idx="minor">
+            <a:schemeClr val="lt1"/>
+          </a:fontRef>
+        </p:style>
+        <p:txBody>
+          <a:bodyPr rtlCol="0" anchor="ctr"/>
+          <a:lstStyle/>
+          <a:p>
+            <a:pPr algn="ctr"/>
+            <a:endParaRPr lang="it-IT"/>
+          </a:p>
+        </p:txBody>
+      </p:sp>
+      <p:sp>
+        <p:nvSpPr>
+          <p:cNvPr id="2" name="CasellaDiTesto 1">
+            <a:extLst>
+              <a:ext uri="{FF2B5EF4-FFF2-40B4-BE49-F238E27FC236}">
+                <a16:creationId xmlns:a16="http://schemas.microsoft.com/office/drawing/2014/main" id="{B28F1028-D4F2-1471-F83F-21E4D32F8AC5}"/>
+              </a:ext>
+            </a:extLst>
+          </p:cNvPr>
+          <p:cNvSpPr txBox="1"/>
+          <p:nvPr/>
+        </p:nvSpPr>
+        <p:spPr>
+          <a:xfrm>
+            <a:off x="1481666" y="279400"/>
+            <a:ext cx="9228667" cy="1477328"/>
+          </a:xfrm>
+          <a:prstGeom prst="rect">
+            <a:avLst/>
+          </a:prstGeom>
+          <a:noFill/>
+        </p:spPr>
+        <p:txBody>
+          <a:bodyPr wrap="square" rtlCol="0">
+            <a:spAutoFit/>
+          </a:bodyPr>
+          <a:lstStyle/>
+          <a:p>
+            <a:pPr algn="ctr"/>
+            <a:r>
+              <a:rPr lang="it-IT" sz="3600" dirty="0">
+                <a:solidFill>
+                  <a:srgbClr val="7A1B0C"/>
+                </a:solidFill>
+                <a:latin typeface="Aharoni" panose="02010803020104030203" pitchFamily="2" charset="-79"/>
+                <a:cs typeface="Aharoni" panose="02010803020104030203" pitchFamily="2" charset="-79"/>
+              </a:rPr>
+              <a:t>FORMAT CLASSICO VS FORMAT SPRINT</a:t>
+            </a:r>
+          </a:p>
+          <a:p>
+            <a:pPr algn="ctr"/>
+            <a:r>
+              <a:rPr lang="it-IT" sz="3600" dirty="0">
+                <a:solidFill>
+                  <a:srgbClr val="7A1B0C"/>
+                </a:solidFill>
+                <a:latin typeface="Aharoni" panose="02010803020104030203" pitchFamily="2" charset="-79"/>
+                <a:cs typeface="Aharoni" panose="02010803020104030203" pitchFamily="2" charset="-79"/>
+              </a:rPr>
+              <a:t>FORMAT SPRINT</a:t>
+            </a:r>
+          </a:p>
+          <a:p>
+            <a:endParaRPr lang="it-IT" dirty="0"/>
+          </a:p>
+        </p:txBody>
+      </p:sp>
+      <p:sp>
+        <p:nvSpPr>
+          <p:cNvPr id="3" name="CasellaDiTesto 2">
+            <a:extLst>
+              <a:ext uri="{FF2B5EF4-FFF2-40B4-BE49-F238E27FC236}">
+                <a16:creationId xmlns:a16="http://schemas.microsoft.com/office/drawing/2014/main" id="{EB4E50D2-8A68-D014-29AF-77BA59B2D264}"/>
+              </a:ext>
+            </a:extLst>
+          </p:cNvPr>
+          <p:cNvSpPr txBox="1"/>
+          <p:nvPr/>
+        </p:nvSpPr>
+        <p:spPr>
+          <a:xfrm>
+            <a:off x="262468" y="2624663"/>
+            <a:ext cx="2463796" cy="1477328"/>
+          </a:xfrm>
+          <a:prstGeom prst="rect">
+            <a:avLst/>
+          </a:prstGeom>
+          <a:noFill/>
+        </p:spPr>
+        <p:txBody>
+          <a:bodyPr wrap="square" rtlCol="0">
+            <a:spAutoFit/>
+          </a:bodyPr>
+          <a:lstStyle/>
+          <a:p>
+            <a:r>
+              <a:rPr lang="it-IT" dirty="0">
+                <a:latin typeface="Aharoni" panose="02010803020104030203" pitchFamily="2" charset="-79"/>
+                <a:cs typeface="Aharoni" panose="02010803020104030203" pitchFamily="2" charset="-79"/>
+              </a:rPr>
+              <a:t>PROVA LIBERA 1</a:t>
+            </a:r>
+          </a:p>
+          <a:p>
+            <a:r>
+              <a:rPr lang="it-IT" dirty="0">
+                <a:latin typeface="Aharoni" panose="02010803020104030203" pitchFamily="2" charset="-79"/>
+                <a:cs typeface="Aharoni" panose="02010803020104030203" pitchFamily="2" charset="-79"/>
+              </a:rPr>
+              <a:t>Durata: 60 minuti</a:t>
+            </a:r>
+          </a:p>
+          <a:p>
+            <a:r>
+              <a:rPr lang="it-IT" dirty="0">
+                <a:latin typeface="Aharoni" panose="02010803020104030203" pitchFamily="2" charset="-79"/>
+                <a:cs typeface="Aharoni" panose="02010803020104030203" pitchFamily="2" charset="-79"/>
+              </a:rPr>
+              <a:t>Scopo: Preparazione generale del weekend</a:t>
+            </a:r>
+          </a:p>
+        </p:txBody>
+      </p:sp>
+      <p:sp>
+        <p:nvSpPr>
+          <p:cNvPr id="4" name="CasellaDiTesto 3">
+            <a:extLst>
+              <a:ext uri="{FF2B5EF4-FFF2-40B4-BE49-F238E27FC236}">
+                <a16:creationId xmlns:a16="http://schemas.microsoft.com/office/drawing/2014/main" id="{46380F20-9A55-7F09-8ECF-B3DE81ECD890}"/>
+              </a:ext>
+            </a:extLst>
+          </p:cNvPr>
+          <p:cNvSpPr txBox="1"/>
+          <p:nvPr/>
+        </p:nvSpPr>
+        <p:spPr>
+          <a:xfrm>
+            <a:off x="2844803" y="2624663"/>
+            <a:ext cx="2387597" cy="1754326"/>
+          </a:xfrm>
+          <a:prstGeom prst="rect">
+            <a:avLst/>
+          </a:prstGeom>
+          <a:noFill/>
+        </p:spPr>
+        <p:txBody>
+          <a:bodyPr wrap="square" rtlCol="0">
+            <a:spAutoFit/>
+          </a:bodyPr>
+          <a:lstStyle/>
+          <a:p>
+            <a:r>
+              <a:rPr lang="it-IT" dirty="0">
+                <a:latin typeface="Aharoni" panose="02010803020104030203" pitchFamily="2" charset="-79"/>
+                <a:cs typeface="Aharoni" panose="02010803020104030203" pitchFamily="2" charset="-79"/>
+              </a:rPr>
+              <a:t>QUALIFICA</a:t>
+            </a:r>
+          </a:p>
+          <a:p>
+            <a:r>
+              <a:rPr lang="it-IT" dirty="0">
+                <a:latin typeface="Aharoni" panose="02010803020104030203" pitchFamily="2" charset="-79"/>
+                <a:cs typeface="Aharoni" panose="02010803020104030203" pitchFamily="2" charset="-79"/>
+              </a:rPr>
+              <a:t>Durata: 3 sessioni, 18, 15 e 12 minuti</a:t>
+            </a:r>
+          </a:p>
+          <a:p>
+            <a:r>
+              <a:rPr lang="it-IT" dirty="0">
+                <a:latin typeface="Aharoni" panose="02010803020104030203" pitchFamily="2" charset="-79"/>
+                <a:cs typeface="Aharoni" panose="02010803020104030203" pitchFamily="2" charset="-79"/>
+              </a:rPr>
+              <a:t>Scopo: Stabilire la griglia di partenza della gara</a:t>
+            </a:r>
+          </a:p>
+        </p:txBody>
+      </p:sp>
+      <p:sp>
+        <p:nvSpPr>
+          <p:cNvPr id="5" name="CasellaDiTesto 4">
+            <a:extLst>
+              <a:ext uri="{FF2B5EF4-FFF2-40B4-BE49-F238E27FC236}">
+                <a16:creationId xmlns:a16="http://schemas.microsoft.com/office/drawing/2014/main" id="{4ED82E75-8DC1-5800-6534-617F96DE5984}"/>
+              </a:ext>
+            </a:extLst>
+          </p:cNvPr>
+          <p:cNvSpPr txBox="1"/>
+          <p:nvPr/>
+        </p:nvSpPr>
+        <p:spPr>
+          <a:xfrm>
+            <a:off x="5384805" y="2624663"/>
+            <a:ext cx="2269070" cy="1754326"/>
+          </a:xfrm>
+          <a:prstGeom prst="rect">
+            <a:avLst/>
+          </a:prstGeom>
+          <a:noFill/>
+        </p:spPr>
+        <p:txBody>
+          <a:bodyPr wrap="square" rtlCol="0">
+            <a:spAutoFit/>
+          </a:bodyPr>
+          <a:lstStyle/>
+          <a:p>
+            <a:r>
+              <a:rPr lang="it-IT" dirty="0">
+                <a:solidFill>
+                  <a:srgbClr val="FFDFD4"/>
+                </a:solidFill>
+                <a:latin typeface="Aharoni" panose="02010803020104030203" pitchFamily="2" charset="-79"/>
+                <a:cs typeface="Aharoni" panose="02010803020104030203" pitchFamily="2" charset="-79"/>
+              </a:rPr>
+              <a:t>SPRINT SHOOTOUT</a:t>
+            </a:r>
+          </a:p>
+          <a:p>
+            <a:r>
+              <a:rPr lang="it-IT" dirty="0">
+                <a:solidFill>
+                  <a:srgbClr val="FFDFD4"/>
+                </a:solidFill>
+                <a:latin typeface="Aharoni" panose="02010803020104030203" pitchFamily="2" charset="-79"/>
+                <a:cs typeface="Aharoni" panose="02010803020104030203" pitchFamily="2" charset="-79"/>
+              </a:rPr>
+              <a:t>Durata: 3 sessioni, 12, 10 e 8 minuti</a:t>
+            </a:r>
+          </a:p>
+          <a:p>
+            <a:r>
+              <a:rPr lang="it-IT" dirty="0">
+                <a:solidFill>
+                  <a:srgbClr val="FFDFD4"/>
+                </a:solidFill>
+                <a:latin typeface="Aharoni" panose="02010803020104030203" pitchFamily="2" charset="-79"/>
+                <a:cs typeface="Aharoni" panose="02010803020104030203" pitchFamily="2" charset="-79"/>
+              </a:rPr>
+              <a:t>Scopo: Stabilire la griglia di partenza della gara sprint</a:t>
+            </a:r>
+          </a:p>
+        </p:txBody>
+      </p:sp>
+      <p:sp>
+        <p:nvSpPr>
+          <p:cNvPr id="6" name="CasellaDiTesto 5">
+            <a:extLst>
+              <a:ext uri="{FF2B5EF4-FFF2-40B4-BE49-F238E27FC236}">
+                <a16:creationId xmlns:a16="http://schemas.microsoft.com/office/drawing/2014/main" id="{679E128E-8EAC-C840-216F-B28984085322}"/>
+              </a:ext>
+            </a:extLst>
+          </p:cNvPr>
+          <p:cNvSpPr txBox="1"/>
+          <p:nvPr/>
+        </p:nvSpPr>
+        <p:spPr>
+          <a:xfrm>
+            <a:off x="7653876" y="2624663"/>
+            <a:ext cx="2311400" cy="1200329"/>
+          </a:xfrm>
+          <a:prstGeom prst="rect">
+            <a:avLst/>
+          </a:prstGeom>
+          <a:noFill/>
+        </p:spPr>
+        <p:txBody>
+          <a:bodyPr wrap="square" rtlCol="0">
+            <a:spAutoFit/>
+          </a:bodyPr>
+          <a:lstStyle/>
+          <a:p>
+            <a:r>
+              <a:rPr lang="it-IT" dirty="0">
+                <a:solidFill>
+                  <a:srgbClr val="FFDFD4"/>
+                </a:solidFill>
+                <a:latin typeface="Aharoni" panose="02010803020104030203" pitchFamily="2" charset="-79"/>
+                <a:cs typeface="Aharoni" panose="02010803020104030203" pitchFamily="2" charset="-79"/>
+              </a:rPr>
+              <a:t>GARA SPRINT</a:t>
+            </a:r>
+          </a:p>
+          <a:p>
+            <a:r>
+              <a:rPr lang="it-IT" dirty="0">
+                <a:solidFill>
+                  <a:srgbClr val="FFDFD4"/>
+                </a:solidFill>
+                <a:latin typeface="Aharoni" panose="02010803020104030203" pitchFamily="2" charset="-79"/>
+                <a:cs typeface="Aharoni" panose="02010803020104030203" pitchFamily="2" charset="-79"/>
+              </a:rPr>
+              <a:t>Durata: 100 km, 30 minuti circa</a:t>
+            </a:r>
+          </a:p>
+          <a:p>
+            <a:r>
+              <a:rPr lang="it-IT" dirty="0">
+                <a:solidFill>
+                  <a:srgbClr val="FFDFD4"/>
+                </a:solidFill>
+                <a:latin typeface="Aharoni" panose="02010803020104030203" pitchFamily="2" charset="-79"/>
+                <a:cs typeface="Aharoni" panose="02010803020104030203" pitchFamily="2" charset="-79"/>
+              </a:rPr>
+              <a:t>Scopo: Vincere</a:t>
+            </a:r>
+          </a:p>
+        </p:txBody>
+      </p:sp>
+      <p:sp>
+        <p:nvSpPr>
+          <p:cNvPr id="7" name="CasellaDiTesto 6">
+            <a:extLst>
+              <a:ext uri="{FF2B5EF4-FFF2-40B4-BE49-F238E27FC236}">
+                <a16:creationId xmlns:a16="http://schemas.microsoft.com/office/drawing/2014/main" id="{7745000E-E71C-69D9-FEC9-AFF0EE517C5D}"/>
+              </a:ext>
+            </a:extLst>
+          </p:cNvPr>
+          <p:cNvSpPr txBox="1"/>
+          <p:nvPr/>
+        </p:nvSpPr>
+        <p:spPr>
+          <a:xfrm>
+            <a:off x="9965277" y="2624664"/>
+            <a:ext cx="2116666" cy="1200329"/>
+          </a:xfrm>
+          <a:prstGeom prst="rect">
+            <a:avLst/>
+          </a:prstGeom>
+          <a:noFill/>
+        </p:spPr>
+        <p:txBody>
+          <a:bodyPr wrap="square" rtlCol="0">
+            <a:spAutoFit/>
+          </a:bodyPr>
+          <a:lstStyle/>
+          <a:p>
+            <a:r>
+              <a:rPr lang="it-IT" dirty="0">
+                <a:solidFill>
+                  <a:srgbClr val="FFDFD4"/>
+                </a:solidFill>
+                <a:latin typeface="Aharoni" panose="02010803020104030203" pitchFamily="2" charset="-79"/>
+                <a:cs typeface="Aharoni" panose="02010803020104030203" pitchFamily="2" charset="-79"/>
+              </a:rPr>
+              <a:t>GARA</a:t>
+            </a:r>
+          </a:p>
+          <a:p>
+            <a:r>
+              <a:rPr lang="it-IT" dirty="0">
+                <a:solidFill>
+                  <a:srgbClr val="FFDFD4"/>
+                </a:solidFill>
+                <a:latin typeface="Aharoni" panose="02010803020104030203" pitchFamily="2" charset="-79"/>
+                <a:cs typeface="Aharoni" panose="02010803020104030203" pitchFamily="2" charset="-79"/>
+              </a:rPr>
+              <a:t>Durata: 305 km,</a:t>
+            </a:r>
+          </a:p>
+          <a:p>
+            <a:r>
+              <a:rPr lang="it-IT" dirty="0">
+                <a:solidFill>
+                  <a:srgbClr val="FFDFD4"/>
+                </a:solidFill>
+                <a:latin typeface="Aharoni" panose="02010803020104030203" pitchFamily="2" charset="-79"/>
+                <a:cs typeface="Aharoni" panose="02010803020104030203" pitchFamily="2" charset="-79"/>
+              </a:rPr>
+              <a:t>90 minuti circa</a:t>
+            </a:r>
+          </a:p>
+          <a:p>
+            <a:r>
+              <a:rPr lang="it-IT" dirty="0">
+                <a:solidFill>
+                  <a:srgbClr val="FFDFD4"/>
+                </a:solidFill>
+                <a:latin typeface="Aharoni" panose="02010803020104030203" pitchFamily="2" charset="-79"/>
+                <a:cs typeface="Aharoni" panose="02010803020104030203" pitchFamily="2" charset="-79"/>
+              </a:rPr>
+              <a:t>Scopo: Vincere</a:t>
+            </a:r>
+          </a:p>
+        </p:txBody>
+      </p:sp>
+    </p:spTree>
+    <p:extLst>
+      <p:ext uri="{BB962C8B-B14F-4D97-AF65-F5344CB8AC3E}">
+        <p14:creationId xmlns:p14="http://schemas.microsoft.com/office/powerpoint/2010/main" val="3416904999"/>
+      </p:ext>
+    </p:extLst>
+  </p:cSld>
+  <p:clrMapOvr>
+    <a:masterClrMapping/>
+  </p:clrMapOvr>
+  <mc:AlternateContent xmlns:mc="http://schemas.openxmlformats.org/markup-compatibility/2006">
+    <mc:Choice xmlns:p159="http://schemas.microsoft.com/office/powerpoint/2015/09/main" Requires="p159">
+      <p:transition xmlns:p14="http://schemas.microsoft.com/office/powerpoint/2010/main" spd="slow" p14:dur="2000">
+        <p159:morph option="byObject"/>
+      </p:transition>
+    </mc:Choice>
+    <mc:Fallback>
+      <p:transition spd="slow">
+        <p:fade/>
+      </p:transition>
+    </mc:Fallback>
+  </mc:AlternateContent>
+</p:sld>
+</file>
+
+<file path=ppt/slides/slide23.xml><?xml version="1.0" encoding="utf-8"?>
+<p:sld xmlns:a="http://schemas.openxmlformats.org/drawingml/2006/main" xmlns:r="http://schemas.openxmlformats.org/officeDocument/2006/relationships" xmlns:p="http://schemas.openxmlformats.org/presentationml/2006/main">
+  <p:cSld>
+    <p:bg>
+      <p:bgPr>
+        <a:solidFill>
+          <a:srgbClr val="FFDFD4"/>
+        </a:solidFill>
+        <a:effectLst/>
+      </p:bgPr>
+    </p:bg>
+    <p:spTree>
+      <p:nvGrpSpPr>
+        <p:cNvPr id="1" name=""/>
+        <p:cNvGrpSpPr/>
+        <p:nvPr/>
+      </p:nvGrpSpPr>
+      <p:grpSpPr>
+        <a:xfrm>
+          <a:off x="0" y="0"/>
+          <a:ext cx="0" cy="0"/>
+          <a:chOff x="0" y="0"/>
+          <a:chExt cx="0" cy="0"/>
+        </a:xfrm>
+      </p:grpSpPr>
+      <p:sp>
+        <p:nvSpPr>
+          <p:cNvPr id="8" name="Rettangolo con angoli arrotondati 7">
+            <a:extLst>
+              <a:ext uri="{FF2B5EF4-FFF2-40B4-BE49-F238E27FC236}">
+                <a16:creationId xmlns:a16="http://schemas.microsoft.com/office/drawing/2014/main" id="{2551A8EC-BFA2-3407-25B3-D72CBB8C1731}"/>
+              </a:ext>
+            </a:extLst>
+          </p:cNvPr>
+          <p:cNvSpPr/>
+          <p:nvPr/>
+        </p:nvSpPr>
+        <p:spPr>
+          <a:xfrm>
+            <a:off x="5350938" y="2505271"/>
+            <a:ext cx="2269069" cy="1873717"/>
+          </a:xfrm>
+          <a:prstGeom prst="roundRect">
+            <a:avLst/>
+          </a:prstGeom>
+          <a:solidFill>
+            <a:srgbClr val="CCECFF"/>
+          </a:solidFill>
+          <a:ln>
+            <a:solidFill>
+              <a:srgbClr val="00B0F0"/>
+            </a:solidFill>
+          </a:ln>
+        </p:spPr>
+        <p:style>
+          <a:lnRef idx="2">
+            <a:schemeClr val="accent1">
+              <a:shade val="15000"/>
+            </a:schemeClr>
+          </a:lnRef>
+          <a:fillRef idx="1">
+            <a:schemeClr val="accent1"/>
+          </a:fillRef>
+          <a:effectRef idx="0">
+            <a:schemeClr val="accent1"/>
+          </a:effectRef>
+          <a:fontRef idx="minor">
+            <a:schemeClr val="lt1"/>
+          </a:fontRef>
+        </p:style>
+        <p:txBody>
+          <a:bodyPr rtlCol="0" anchor="ctr"/>
+          <a:lstStyle/>
+          <a:p>
+            <a:pPr algn="ctr"/>
+            <a:endParaRPr lang="it-IT"/>
+          </a:p>
+        </p:txBody>
+      </p:sp>
+      <p:sp>
+        <p:nvSpPr>
+          <p:cNvPr id="2" name="CasellaDiTesto 1">
+            <a:extLst>
+              <a:ext uri="{FF2B5EF4-FFF2-40B4-BE49-F238E27FC236}">
+                <a16:creationId xmlns:a16="http://schemas.microsoft.com/office/drawing/2014/main" id="{B28F1028-D4F2-1471-F83F-21E4D32F8AC5}"/>
+              </a:ext>
+            </a:extLst>
+          </p:cNvPr>
+          <p:cNvSpPr txBox="1"/>
+          <p:nvPr/>
+        </p:nvSpPr>
+        <p:spPr>
+          <a:xfrm>
+            <a:off x="1481666" y="279400"/>
+            <a:ext cx="9228667" cy="1477328"/>
+          </a:xfrm>
+          <a:prstGeom prst="rect">
+            <a:avLst/>
+          </a:prstGeom>
+          <a:noFill/>
+        </p:spPr>
+        <p:txBody>
+          <a:bodyPr wrap="square" rtlCol="0">
+            <a:spAutoFit/>
+          </a:bodyPr>
+          <a:lstStyle/>
+          <a:p>
+            <a:pPr algn="ctr"/>
+            <a:r>
+              <a:rPr lang="it-IT" sz="3600" dirty="0">
+                <a:solidFill>
+                  <a:srgbClr val="7A1B0C"/>
+                </a:solidFill>
+                <a:latin typeface="Aharoni" panose="02010803020104030203" pitchFamily="2" charset="-79"/>
+                <a:cs typeface="Aharoni" panose="02010803020104030203" pitchFamily="2" charset="-79"/>
+              </a:rPr>
+              <a:t>FORMAT CLASSICO VS FORMAT SPRINT</a:t>
+            </a:r>
+          </a:p>
+          <a:p>
+            <a:pPr algn="ctr"/>
+            <a:r>
+              <a:rPr lang="it-IT" sz="3600" dirty="0">
+                <a:solidFill>
+                  <a:srgbClr val="7A1B0C"/>
+                </a:solidFill>
+                <a:latin typeface="Aharoni" panose="02010803020104030203" pitchFamily="2" charset="-79"/>
+                <a:cs typeface="Aharoni" panose="02010803020104030203" pitchFamily="2" charset="-79"/>
+              </a:rPr>
+              <a:t>FORMAT SPRINT</a:t>
+            </a:r>
+          </a:p>
+          <a:p>
+            <a:endParaRPr lang="it-IT" dirty="0"/>
+          </a:p>
+        </p:txBody>
+      </p:sp>
+      <p:sp>
+        <p:nvSpPr>
+          <p:cNvPr id="3" name="CasellaDiTesto 2">
+            <a:extLst>
+              <a:ext uri="{FF2B5EF4-FFF2-40B4-BE49-F238E27FC236}">
+                <a16:creationId xmlns:a16="http://schemas.microsoft.com/office/drawing/2014/main" id="{EB4E50D2-8A68-D014-29AF-77BA59B2D264}"/>
+              </a:ext>
+            </a:extLst>
+          </p:cNvPr>
+          <p:cNvSpPr txBox="1"/>
+          <p:nvPr/>
+        </p:nvSpPr>
+        <p:spPr>
+          <a:xfrm>
+            <a:off x="262468" y="2624663"/>
+            <a:ext cx="2463796" cy="1477328"/>
+          </a:xfrm>
+          <a:prstGeom prst="rect">
+            <a:avLst/>
+          </a:prstGeom>
+          <a:noFill/>
+        </p:spPr>
+        <p:txBody>
+          <a:bodyPr wrap="square" rtlCol="0">
+            <a:spAutoFit/>
+          </a:bodyPr>
+          <a:lstStyle/>
+          <a:p>
+            <a:r>
+              <a:rPr lang="it-IT" dirty="0">
+                <a:latin typeface="Aharoni" panose="02010803020104030203" pitchFamily="2" charset="-79"/>
+                <a:cs typeface="Aharoni" panose="02010803020104030203" pitchFamily="2" charset="-79"/>
+              </a:rPr>
+              <a:t>PROVA LIBERA 1</a:t>
+            </a:r>
+          </a:p>
+          <a:p>
+            <a:r>
+              <a:rPr lang="it-IT" dirty="0">
+                <a:latin typeface="Aharoni" panose="02010803020104030203" pitchFamily="2" charset="-79"/>
+                <a:cs typeface="Aharoni" panose="02010803020104030203" pitchFamily="2" charset="-79"/>
+              </a:rPr>
+              <a:t>Durata: 60 minuti</a:t>
+            </a:r>
+          </a:p>
+          <a:p>
+            <a:r>
+              <a:rPr lang="it-IT" dirty="0">
+                <a:latin typeface="Aharoni" panose="02010803020104030203" pitchFamily="2" charset="-79"/>
+                <a:cs typeface="Aharoni" panose="02010803020104030203" pitchFamily="2" charset="-79"/>
+              </a:rPr>
+              <a:t>Scopo: Preparazione generale del weekend</a:t>
+            </a:r>
+          </a:p>
+        </p:txBody>
+      </p:sp>
+      <p:sp>
+        <p:nvSpPr>
+          <p:cNvPr id="4" name="CasellaDiTesto 3">
+            <a:extLst>
+              <a:ext uri="{FF2B5EF4-FFF2-40B4-BE49-F238E27FC236}">
+                <a16:creationId xmlns:a16="http://schemas.microsoft.com/office/drawing/2014/main" id="{46380F20-9A55-7F09-8ECF-B3DE81ECD890}"/>
+              </a:ext>
+            </a:extLst>
+          </p:cNvPr>
+          <p:cNvSpPr txBox="1"/>
+          <p:nvPr/>
+        </p:nvSpPr>
+        <p:spPr>
+          <a:xfrm>
+            <a:off x="2844803" y="2624663"/>
+            <a:ext cx="2387597" cy="1754326"/>
+          </a:xfrm>
+          <a:prstGeom prst="rect">
+            <a:avLst/>
+          </a:prstGeom>
+          <a:noFill/>
+        </p:spPr>
+        <p:txBody>
+          <a:bodyPr wrap="square" rtlCol="0">
+            <a:spAutoFit/>
+          </a:bodyPr>
+          <a:lstStyle/>
+          <a:p>
+            <a:r>
+              <a:rPr lang="it-IT" dirty="0">
+                <a:latin typeface="Aharoni" panose="02010803020104030203" pitchFamily="2" charset="-79"/>
+                <a:cs typeface="Aharoni" panose="02010803020104030203" pitchFamily="2" charset="-79"/>
+              </a:rPr>
+              <a:t>QUALIFICA</a:t>
+            </a:r>
+          </a:p>
+          <a:p>
+            <a:r>
+              <a:rPr lang="it-IT" dirty="0">
+                <a:latin typeface="Aharoni" panose="02010803020104030203" pitchFamily="2" charset="-79"/>
+                <a:cs typeface="Aharoni" panose="02010803020104030203" pitchFamily="2" charset="-79"/>
+              </a:rPr>
+              <a:t>Durata: 3 sessioni, 18, 15 e 12 minuti</a:t>
+            </a:r>
+          </a:p>
+          <a:p>
+            <a:r>
+              <a:rPr lang="it-IT" dirty="0">
+                <a:latin typeface="Aharoni" panose="02010803020104030203" pitchFamily="2" charset="-79"/>
+                <a:cs typeface="Aharoni" panose="02010803020104030203" pitchFamily="2" charset="-79"/>
+              </a:rPr>
+              <a:t>Scopo: Stabilire la griglia di partenza della gara</a:t>
+            </a:r>
+          </a:p>
+        </p:txBody>
+      </p:sp>
+      <p:sp>
+        <p:nvSpPr>
+          <p:cNvPr id="5" name="CasellaDiTesto 4">
+            <a:extLst>
+              <a:ext uri="{FF2B5EF4-FFF2-40B4-BE49-F238E27FC236}">
+                <a16:creationId xmlns:a16="http://schemas.microsoft.com/office/drawing/2014/main" id="{4ED82E75-8DC1-5800-6534-617F96DE5984}"/>
+              </a:ext>
+            </a:extLst>
+          </p:cNvPr>
+          <p:cNvSpPr txBox="1"/>
+          <p:nvPr/>
+        </p:nvSpPr>
+        <p:spPr>
+          <a:xfrm>
+            <a:off x="5346706" y="2624663"/>
+            <a:ext cx="2269070" cy="1754326"/>
+          </a:xfrm>
+          <a:prstGeom prst="rect">
+            <a:avLst/>
+          </a:prstGeom>
+          <a:noFill/>
+        </p:spPr>
+        <p:txBody>
+          <a:bodyPr wrap="square" rtlCol="0">
+            <a:spAutoFit/>
+          </a:bodyPr>
+          <a:lstStyle/>
+          <a:p>
+            <a:r>
+              <a:rPr lang="it-IT" dirty="0">
+                <a:latin typeface="Aharoni" panose="02010803020104030203" pitchFamily="2" charset="-79"/>
+                <a:cs typeface="Aharoni" panose="02010803020104030203" pitchFamily="2" charset="-79"/>
+              </a:rPr>
+              <a:t>SPRINT SHOOTOUT</a:t>
+            </a:r>
+          </a:p>
+          <a:p>
+            <a:r>
+              <a:rPr lang="it-IT" dirty="0">
+                <a:latin typeface="Aharoni" panose="02010803020104030203" pitchFamily="2" charset="-79"/>
+                <a:cs typeface="Aharoni" panose="02010803020104030203" pitchFamily="2" charset="-79"/>
+              </a:rPr>
+              <a:t>Durata: 3 sessioni, 12, 10 e 8 minuti</a:t>
+            </a:r>
+          </a:p>
+          <a:p>
+            <a:r>
+              <a:rPr lang="it-IT" dirty="0">
+                <a:latin typeface="Aharoni" panose="02010803020104030203" pitchFamily="2" charset="-79"/>
+                <a:cs typeface="Aharoni" panose="02010803020104030203" pitchFamily="2" charset="-79"/>
+              </a:rPr>
+              <a:t>Scopo: Stabilire la griglia di partenza della gara sprint</a:t>
+            </a:r>
+          </a:p>
+        </p:txBody>
+      </p:sp>
+      <p:sp>
+        <p:nvSpPr>
+          <p:cNvPr id="6" name="CasellaDiTesto 5">
+            <a:extLst>
+              <a:ext uri="{FF2B5EF4-FFF2-40B4-BE49-F238E27FC236}">
+                <a16:creationId xmlns:a16="http://schemas.microsoft.com/office/drawing/2014/main" id="{679E128E-8EAC-C840-216F-B28984085322}"/>
+              </a:ext>
+            </a:extLst>
+          </p:cNvPr>
+          <p:cNvSpPr txBox="1"/>
+          <p:nvPr/>
+        </p:nvSpPr>
+        <p:spPr>
+          <a:xfrm>
+            <a:off x="7653876" y="2624663"/>
+            <a:ext cx="2311400" cy="1200329"/>
+          </a:xfrm>
+          <a:prstGeom prst="rect">
+            <a:avLst/>
+          </a:prstGeom>
+          <a:noFill/>
+        </p:spPr>
+        <p:txBody>
+          <a:bodyPr wrap="square" rtlCol="0">
+            <a:spAutoFit/>
+          </a:bodyPr>
+          <a:lstStyle/>
+          <a:p>
+            <a:r>
+              <a:rPr lang="it-IT" dirty="0">
+                <a:solidFill>
+                  <a:srgbClr val="FFDFD4"/>
+                </a:solidFill>
+                <a:latin typeface="Aharoni" panose="02010803020104030203" pitchFamily="2" charset="-79"/>
+                <a:cs typeface="Aharoni" panose="02010803020104030203" pitchFamily="2" charset="-79"/>
+              </a:rPr>
+              <a:t>GARA SPRINT</a:t>
+            </a:r>
+          </a:p>
+          <a:p>
+            <a:r>
+              <a:rPr lang="it-IT" dirty="0">
+                <a:solidFill>
+                  <a:srgbClr val="FFDFD4"/>
+                </a:solidFill>
+                <a:latin typeface="Aharoni" panose="02010803020104030203" pitchFamily="2" charset="-79"/>
+                <a:cs typeface="Aharoni" panose="02010803020104030203" pitchFamily="2" charset="-79"/>
+              </a:rPr>
+              <a:t>Durata: 100 km, 30 minuti circa</a:t>
+            </a:r>
+          </a:p>
+          <a:p>
+            <a:r>
+              <a:rPr lang="it-IT" dirty="0">
+                <a:solidFill>
+                  <a:srgbClr val="FFDFD4"/>
+                </a:solidFill>
+                <a:latin typeface="Aharoni" panose="02010803020104030203" pitchFamily="2" charset="-79"/>
+                <a:cs typeface="Aharoni" panose="02010803020104030203" pitchFamily="2" charset="-79"/>
+              </a:rPr>
+              <a:t>Scopo: Vincere</a:t>
+            </a:r>
+          </a:p>
+        </p:txBody>
+      </p:sp>
+      <p:sp>
+        <p:nvSpPr>
+          <p:cNvPr id="7" name="CasellaDiTesto 6">
+            <a:extLst>
+              <a:ext uri="{FF2B5EF4-FFF2-40B4-BE49-F238E27FC236}">
+                <a16:creationId xmlns:a16="http://schemas.microsoft.com/office/drawing/2014/main" id="{7745000E-E71C-69D9-FEC9-AFF0EE517C5D}"/>
+              </a:ext>
+            </a:extLst>
+          </p:cNvPr>
+          <p:cNvSpPr txBox="1"/>
+          <p:nvPr/>
+        </p:nvSpPr>
+        <p:spPr>
+          <a:xfrm>
+            <a:off x="9965277" y="2624664"/>
+            <a:ext cx="2116666" cy="1200329"/>
+          </a:xfrm>
+          <a:prstGeom prst="rect">
+            <a:avLst/>
+          </a:prstGeom>
+          <a:noFill/>
+        </p:spPr>
+        <p:txBody>
+          <a:bodyPr wrap="square" rtlCol="0">
+            <a:spAutoFit/>
+          </a:bodyPr>
+          <a:lstStyle/>
+          <a:p>
+            <a:r>
+              <a:rPr lang="it-IT" dirty="0">
+                <a:solidFill>
+                  <a:srgbClr val="FFDFD4"/>
+                </a:solidFill>
+                <a:latin typeface="Aharoni" panose="02010803020104030203" pitchFamily="2" charset="-79"/>
+                <a:cs typeface="Aharoni" panose="02010803020104030203" pitchFamily="2" charset="-79"/>
+              </a:rPr>
+              <a:t>GARA</a:t>
+            </a:r>
+          </a:p>
+          <a:p>
+            <a:r>
+              <a:rPr lang="it-IT" dirty="0">
+                <a:solidFill>
+                  <a:srgbClr val="FFDFD4"/>
+                </a:solidFill>
+                <a:latin typeface="Aharoni" panose="02010803020104030203" pitchFamily="2" charset="-79"/>
+                <a:cs typeface="Aharoni" panose="02010803020104030203" pitchFamily="2" charset="-79"/>
+              </a:rPr>
+              <a:t>Durata: 305 km,</a:t>
+            </a:r>
+          </a:p>
+          <a:p>
+            <a:r>
+              <a:rPr lang="it-IT" dirty="0">
+                <a:solidFill>
+                  <a:srgbClr val="FFDFD4"/>
+                </a:solidFill>
+                <a:latin typeface="Aharoni" panose="02010803020104030203" pitchFamily="2" charset="-79"/>
+                <a:cs typeface="Aharoni" panose="02010803020104030203" pitchFamily="2" charset="-79"/>
+              </a:rPr>
+              <a:t>90 minuti circa</a:t>
+            </a:r>
+          </a:p>
+          <a:p>
+            <a:r>
+              <a:rPr lang="it-IT" dirty="0">
+                <a:solidFill>
+                  <a:srgbClr val="FFDFD4"/>
+                </a:solidFill>
+                <a:latin typeface="Aharoni" panose="02010803020104030203" pitchFamily="2" charset="-79"/>
+                <a:cs typeface="Aharoni" panose="02010803020104030203" pitchFamily="2" charset="-79"/>
+              </a:rPr>
+              <a:t>Scopo: Vincere</a:t>
+            </a:r>
+          </a:p>
+        </p:txBody>
+      </p:sp>
+    </p:spTree>
+    <p:extLst>
+      <p:ext uri="{BB962C8B-B14F-4D97-AF65-F5344CB8AC3E}">
+        <p14:creationId xmlns:p14="http://schemas.microsoft.com/office/powerpoint/2010/main" val="1288680748"/>
+      </p:ext>
+    </p:extLst>
+  </p:cSld>
+  <p:clrMapOvr>
+    <a:masterClrMapping/>
+  </p:clrMapOvr>
+  <mc:AlternateContent xmlns:mc="http://schemas.openxmlformats.org/markup-compatibility/2006">
+    <mc:Choice xmlns:p159="http://schemas.microsoft.com/office/powerpoint/2015/09/main" Requires="p159">
+      <p:transition xmlns:p14="http://schemas.microsoft.com/office/powerpoint/2010/main" spd="slow" p14:dur="2000">
+        <p159:morph option="byObject"/>
+      </p:transition>
+    </mc:Choice>
+    <mc:Fallback>
+      <p:transition spd="slow">
+        <p:fade/>
+      </p:transition>
+    </mc:Fallback>
+  </mc:AlternateContent>
+</p:sld>
+</file>
+
+<file path=ppt/slides/slide24.xml><?xml version="1.0" encoding="utf-8"?>
+<p:sld xmlns:a="http://schemas.openxmlformats.org/drawingml/2006/main" xmlns:r="http://schemas.openxmlformats.org/officeDocument/2006/relationships" xmlns:p="http://schemas.openxmlformats.org/presentationml/2006/main">
+  <p:cSld>
+    <p:bg>
+      <p:bgPr>
+        <a:solidFill>
+          <a:srgbClr val="FFDFD4"/>
+        </a:solidFill>
+        <a:effectLst/>
+      </p:bgPr>
+    </p:bg>
+    <p:spTree>
+      <p:nvGrpSpPr>
+        <p:cNvPr id="1" name=""/>
+        <p:cNvGrpSpPr/>
+        <p:nvPr/>
+      </p:nvGrpSpPr>
+      <p:grpSpPr>
+        <a:xfrm>
+          <a:off x="0" y="0"/>
+          <a:ext cx="0" cy="0"/>
+          <a:chOff x="0" y="0"/>
+          <a:chExt cx="0" cy="0"/>
+        </a:xfrm>
+      </p:grpSpPr>
+      <p:sp>
+        <p:nvSpPr>
+          <p:cNvPr id="8" name="Rettangolo con angoli arrotondati 7">
+            <a:extLst>
+              <a:ext uri="{FF2B5EF4-FFF2-40B4-BE49-F238E27FC236}">
+                <a16:creationId xmlns:a16="http://schemas.microsoft.com/office/drawing/2014/main" id="{2551A8EC-BFA2-3407-25B3-D72CBB8C1731}"/>
+              </a:ext>
+            </a:extLst>
+          </p:cNvPr>
+          <p:cNvSpPr/>
+          <p:nvPr/>
+        </p:nvSpPr>
+        <p:spPr>
+          <a:xfrm>
+            <a:off x="7696206" y="2531533"/>
+            <a:ext cx="1964256" cy="1847456"/>
+          </a:xfrm>
+          <a:prstGeom prst="roundRect">
+            <a:avLst/>
+          </a:prstGeom>
+          <a:solidFill>
+            <a:srgbClr val="FFCCFF"/>
+          </a:solidFill>
+          <a:ln>
+            <a:solidFill>
+              <a:srgbClr val="CC66FF"/>
+            </a:solidFill>
+          </a:ln>
+        </p:spPr>
+        <p:style>
+          <a:lnRef idx="2">
+            <a:schemeClr val="accent1">
+              <a:shade val="15000"/>
+            </a:schemeClr>
+          </a:lnRef>
+          <a:fillRef idx="1">
+            <a:schemeClr val="accent1"/>
+          </a:fillRef>
+          <a:effectRef idx="0">
+            <a:schemeClr val="accent1"/>
+          </a:effectRef>
+          <a:fontRef idx="minor">
+            <a:schemeClr val="lt1"/>
+          </a:fontRef>
+        </p:style>
+        <p:txBody>
+          <a:bodyPr rtlCol="0" anchor="ctr"/>
+          <a:lstStyle/>
+          <a:p>
+            <a:pPr algn="ctr"/>
+            <a:endParaRPr lang="it-IT"/>
+          </a:p>
+        </p:txBody>
+      </p:sp>
+      <p:sp>
+        <p:nvSpPr>
+          <p:cNvPr id="2" name="CasellaDiTesto 1">
+            <a:extLst>
+              <a:ext uri="{FF2B5EF4-FFF2-40B4-BE49-F238E27FC236}">
+                <a16:creationId xmlns:a16="http://schemas.microsoft.com/office/drawing/2014/main" id="{B28F1028-D4F2-1471-F83F-21E4D32F8AC5}"/>
+              </a:ext>
+            </a:extLst>
+          </p:cNvPr>
+          <p:cNvSpPr txBox="1"/>
+          <p:nvPr/>
+        </p:nvSpPr>
+        <p:spPr>
+          <a:xfrm>
+            <a:off x="1481666" y="279400"/>
+            <a:ext cx="9228667" cy="1477328"/>
+          </a:xfrm>
+          <a:prstGeom prst="rect">
+            <a:avLst/>
+          </a:prstGeom>
+          <a:noFill/>
+        </p:spPr>
+        <p:txBody>
+          <a:bodyPr wrap="square" rtlCol="0">
+            <a:spAutoFit/>
+          </a:bodyPr>
+          <a:lstStyle/>
+          <a:p>
+            <a:pPr algn="ctr"/>
+            <a:r>
+              <a:rPr lang="it-IT" sz="3600" dirty="0">
+                <a:solidFill>
+                  <a:srgbClr val="7A1B0C"/>
+                </a:solidFill>
+                <a:latin typeface="Aharoni" panose="02010803020104030203" pitchFamily="2" charset="-79"/>
+                <a:cs typeface="Aharoni" panose="02010803020104030203" pitchFamily="2" charset="-79"/>
+              </a:rPr>
+              <a:t>FORMAT CLASSICO VS FORMAT SPRINT</a:t>
+            </a:r>
+          </a:p>
+          <a:p>
+            <a:pPr algn="ctr"/>
+            <a:r>
+              <a:rPr lang="it-IT" sz="3600" dirty="0">
+                <a:solidFill>
+                  <a:srgbClr val="7A1B0C"/>
+                </a:solidFill>
+                <a:latin typeface="Aharoni" panose="02010803020104030203" pitchFamily="2" charset="-79"/>
+                <a:cs typeface="Aharoni" panose="02010803020104030203" pitchFamily="2" charset="-79"/>
+              </a:rPr>
+              <a:t>FORMAT SPRINT</a:t>
+            </a:r>
+          </a:p>
+          <a:p>
+            <a:endParaRPr lang="it-IT" dirty="0"/>
+          </a:p>
+        </p:txBody>
+      </p:sp>
+      <p:sp>
+        <p:nvSpPr>
+          <p:cNvPr id="3" name="CasellaDiTesto 2">
+            <a:extLst>
+              <a:ext uri="{FF2B5EF4-FFF2-40B4-BE49-F238E27FC236}">
+                <a16:creationId xmlns:a16="http://schemas.microsoft.com/office/drawing/2014/main" id="{EB4E50D2-8A68-D014-29AF-77BA59B2D264}"/>
+              </a:ext>
+            </a:extLst>
+          </p:cNvPr>
+          <p:cNvSpPr txBox="1"/>
+          <p:nvPr/>
+        </p:nvSpPr>
+        <p:spPr>
+          <a:xfrm>
+            <a:off x="262468" y="2624663"/>
+            <a:ext cx="2463796" cy="1477328"/>
+          </a:xfrm>
+          <a:prstGeom prst="rect">
+            <a:avLst/>
+          </a:prstGeom>
+          <a:noFill/>
+        </p:spPr>
+        <p:txBody>
+          <a:bodyPr wrap="square" rtlCol="0">
+            <a:spAutoFit/>
+          </a:bodyPr>
+          <a:lstStyle/>
+          <a:p>
+            <a:r>
+              <a:rPr lang="it-IT" dirty="0">
+                <a:latin typeface="Aharoni" panose="02010803020104030203" pitchFamily="2" charset="-79"/>
+                <a:cs typeface="Aharoni" panose="02010803020104030203" pitchFamily="2" charset="-79"/>
+              </a:rPr>
+              <a:t>PROVA LIBERA 1</a:t>
+            </a:r>
+          </a:p>
+          <a:p>
+            <a:r>
+              <a:rPr lang="it-IT" dirty="0">
+                <a:latin typeface="Aharoni" panose="02010803020104030203" pitchFamily="2" charset="-79"/>
+                <a:cs typeface="Aharoni" panose="02010803020104030203" pitchFamily="2" charset="-79"/>
+              </a:rPr>
+              <a:t>Durata: 60 minuti</a:t>
+            </a:r>
+          </a:p>
+          <a:p>
+            <a:r>
+              <a:rPr lang="it-IT" dirty="0">
+                <a:latin typeface="Aharoni" panose="02010803020104030203" pitchFamily="2" charset="-79"/>
+                <a:cs typeface="Aharoni" panose="02010803020104030203" pitchFamily="2" charset="-79"/>
+              </a:rPr>
+              <a:t>Scopo: Preparazione generale del weekend</a:t>
+            </a:r>
+          </a:p>
+        </p:txBody>
+      </p:sp>
+      <p:sp>
+        <p:nvSpPr>
+          <p:cNvPr id="4" name="CasellaDiTesto 3">
+            <a:extLst>
+              <a:ext uri="{FF2B5EF4-FFF2-40B4-BE49-F238E27FC236}">
+                <a16:creationId xmlns:a16="http://schemas.microsoft.com/office/drawing/2014/main" id="{46380F20-9A55-7F09-8ECF-B3DE81ECD890}"/>
+              </a:ext>
+            </a:extLst>
+          </p:cNvPr>
+          <p:cNvSpPr txBox="1"/>
+          <p:nvPr/>
+        </p:nvSpPr>
+        <p:spPr>
+          <a:xfrm>
+            <a:off x="2844803" y="2624663"/>
+            <a:ext cx="2387597" cy="1754326"/>
+          </a:xfrm>
+          <a:prstGeom prst="rect">
+            <a:avLst/>
+          </a:prstGeom>
+          <a:noFill/>
+        </p:spPr>
+        <p:txBody>
+          <a:bodyPr wrap="square" rtlCol="0">
+            <a:spAutoFit/>
+          </a:bodyPr>
+          <a:lstStyle/>
+          <a:p>
+            <a:r>
+              <a:rPr lang="it-IT" dirty="0">
+                <a:latin typeface="Aharoni" panose="02010803020104030203" pitchFamily="2" charset="-79"/>
+                <a:cs typeface="Aharoni" panose="02010803020104030203" pitchFamily="2" charset="-79"/>
+              </a:rPr>
+              <a:t>QUALIFICA</a:t>
+            </a:r>
+          </a:p>
+          <a:p>
+            <a:r>
+              <a:rPr lang="it-IT" dirty="0">
+                <a:latin typeface="Aharoni" panose="02010803020104030203" pitchFamily="2" charset="-79"/>
+                <a:cs typeface="Aharoni" panose="02010803020104030203" pitchFamily="2" charset="-79"/>
+              </a:rPr>
+              <a:t>Durata: 3 sessioni, 18, 15 e 12 minuti</a:t>
+            </a:r>
+          </a:p>
+          <a:p>
+            <a:r>
+              <a:rPr lang="it-IT" dirty="0">
+                <a:latin typeface="Aharoni" panose="02010803020104030203" pitchFamily="2" charset="-79"/>
+                <a:cs typeface="Aharoni" panose="02010803020104030203" pitchFamily="2" charset="-79"/>
+              </a:rPr>
+              <a:t>Scopo: Stabilire la griglia di partenza della gara</a:t>
+            </a:r>
+          </a:p>
+        </p:txBody>
+      </p:sp>
+      <p:sp>
+        <p:nvSpPr>
+          <p:cNvPr id="5" name="CasellaDiTesto 4">
+            <a:extLst>
+              <a:ext uri="{FF2B5EF4-FFF2-40B4-BE49-F238E27FC236}">
+                <a16:creationId xmlns:a16="http://schemas.microsoft.com/office/drawing/2014/main" id="{4ED82E75-8DC1-5800-6534-617F96DE5984}"/>
+              </a:ext>
+            </a:extLst>
+          </p:cNvPr>
+          <p:cNvSpPr txBox="1"/>
+          <p:nvPr/>
+        </p:nvSpPr>
+        <p:spPr>
+          <a:xfrm>
+            <a:off x="5308603" y="2624663"/>
+            <a:ext cx="2269070" cy="1754326"/>
+          </a:xfrm>
+          <a:prstGeom prst="rect">
+            <a:avLst/>
+          </a:prstGeom>
+          <a:noFill/>
+        </p:spPr>
+        <p:txBody>
+          <a:bodyPr wrap="square" rtlCol="0">
+            <a:spAutoFit/>
+          </a:bodyPr>
+          <a:lstStyle/>
+          <a:p>
+            <a:r>
+              <a:rPr lang="it-IT" dirty="0">
+                <a:latin typeface="Aharoni" panose="02010803020104030203" pitchFamily="2" charset="-79"/>
+                <a:cs typeface="Aharoni" panose="02010803020104030203" pitchFamily="2" charset="-79"/>
+              </a:rPr>
+              <a:t>SPRINT SHOOTOUT</a:t>
+            </a:r>
+          </a:p>
+          <a:p>
+            <a:r>
+              <a:rPr lang="it-IT" dirty="0">
+                <a:latin typeface="Aharoni" panose="02010803020104030203" pitchFamily="2" charset="-79"/>
+                <a:cs typeface="Aharoni" panose="02010803020104030203" pitchFamily="2" charset="-79"/>
+              </a:rPr>
+              <a:t>Durata: 3 sessioni, 12, 10 e 8 minuti</a:t>
+            </a:r>
+          </a:p>
+          <a:p>
+            <a:r>
+              <a:rPr lang="it-IT" dirty="0">
+                <a:latin typeface="Aharoni" panose="02010803020104030203" pitchFamily="2" charset="-79"/>
+                <a:cs typeface="Aharoni" panose="02010803020104030203" pitchFamily="2" charset="-79"/>
+              </a:rPr>
+              <a:t>Scopo: Stabilire la griglia di partenza della gara sprint</a:t>
+            </a:r>
+          </a:p>
+        </p:txBody>
+      </p:sp>
+      <p:sp>
+        <p:nvSpPr>
+          <p:cNvPr id="6" name="CasellaDiTesto 5">
+            <a:extLst>
+              <a:ext uri="{FF2B5EF4-FFF2-40B4-BE49-F238E27FC236}">
+                <a16:creationId xmlns:a16="http://schemas.microsoft.com/office/drawing/2014/main" id="{679E128E-8EAC-C840-216F-B28984085322}"/>
+              </a:ext>
+            </a:extLst>
+          </p:cNvPr>
+          <p:cNvSpPr txBox="1"/>
+          <p:nvPr/>
+        </p:nvSpPr>
+        <p:spPr>
+          <a:xfrm>
+            <a:off x="7653876" y="2624663"/>
+            <a:ext cx="2311400" cy="1200329"/>
+          </a:xfrm>
+          <a:prstGeom prst="rect">
+            <a:avLst/>
+          </a:prstGeom>
+          <a:noFill/>
+        </p:spPr>
+        <p:txBody>
+          <a:bodyPr wrap="square" rtlCol="0">
+            <a:spAutoFit/>
+          </a:bodyPr>
+          <a:lstStyle/>
+          <a:p>
+            <a:r>
+              <a:rPr lang="it-IT" dirty="0">
+                <a:latin typeface="Aharoni" panose="02010803020104030203" pitchFamily="2" charset="-79"/>
+                <a:cs typeface="Aharoni" panose="02010803020104030203" pitchFamily="2" charset="-79"/>
+              </a:rPr>
+              <a:t>GARA SPRINT</a:t>
+            </a:r>
+          </a:p>
+          <a:p>
+            <a:r>
+              <a:rPr lang="it-IT" dirty="0">
+                <a:latin typeface="Aharoni" panose="02010803020104030203" pitchFamily="2" charset="-79"/>
+                <a:cs typeface="Aharoni" panose="02010803020104030203" pitchFamily="2" charset="-79"/>
+              </a:rPr>
+              <a:t>Durata: 100 km, 30 minuti circa</a:t>
+            </a:r>
+          </a:p>
+          <a:p>
+            <a:r>
+              <a:rPr lang="it-IT" dirty="0">
+                <a:latin typeface="Aharoni" panose="02010803020104030203" pitchFamily="2" charset="-79"/>
+                <a:cs typeface="Aharoni" panose="02010803020104030203" pitchFamily="2" charset="-79"/>
+              </a:rPr>
+              <a:t>Scopo: Vincere</a:t>
+            </a:r>
+          </a:p>
+        </p:txBody>
+      </p:sp>
+      <p:sp>
+        <p:nvSpPr>
+          <p:cNvPr id="7" name="CasellaDiTesto 6">
+            <a:extLst>
+              <a:ext uri="{FF2B5EF4-FFF2-40B4-BE49-F238E27FC236}">
+                <a16:creationId xmlns:a16="http://schemas.microsoft.com/office/drawing/2014/main" id="{7745000E-E71C-69D9-FEC9-AFF0EE517C5D}"/>
+              </a:ext>
+            </a:extLst>
+          </p:cNvPr>
+          <p:cNvSpPr txBox="1"/>
+          <p:nvPr/>
+        </p:nvSpPr>
+        <p:spPr>
+          <a:xfrm>
+            <a:off x="9965277" y="2624664"/>
+            <a:ext cx="2116666" cy="1200329"/>
+          </a:xfrm>
+          <a:prstGeom prst="rect">
+            <a:avLst/>
+          </a:prstGeom>
+          <a:noFill/>
+        </p:spPr>
+        <p:txBody>
+          <a:bodyPr wrap="square" rtlCol="0">
+            <a:spAutoFit/>
+          </a:bodyPr>
+          <a:lstStyle/>
+          <a:p>
+            <a:r>
+              <a:rPr lang="it-IT" dirty="0">
+                <a:solidFill>
+                  <a:srgbClr val="FFDFD4"/>
+                </a:solidFill>
+                <a:latin typeface="Aharoni" panose="02010803020104030203" pitchFamily="2" charset="-79"/>
+                <a:cs typeface="Aharoni" panose="02010803020104030203" pitchFamily="2" charset="-79"/>
+              </a:rPr>
+              <a:t>GARA</a:t>
+            </a:r>
+          </a:p>
+          <a:p>
+            <a:r>
+              <a:rPr lang="it-IT" dirty="0">
+                <a:solidFill>
+                  <a:srgbClr val="FFDFD4"/>
+                </a:solidFill>
+                <a:latin typeface="Aharoni" panose="02010803020104030203" pitchFamily="2" charset="-79"/>
+                <a:cs typeface="Aharoni" panose="02010803020104030203" pitchFamily="2" charset="-79"/>
+              </a:rPr>
+              <a:t>Durata: 305 km,</a:t>
+            </a:r>
+          </a:p>
+          <a:p>
+            <a:r>
+              <a:rPr lang="it-IT" dirty="0">
+                <a:solidFill>
+                  <a:srgbClr val="FFDFD4"/>
+                </a:solidFill>
+                <a:latin typeface="Aharoni" panose="02010803020104030203" pitchFamily="2" charset="-79"/>
+                <a:cs typeface="Aharoni" panose="02010803020104030203" pitchFamily="2" charset="-79"/>
+              </a:rPr>
+              <a:t>90 minuti circa</a:t>
+            </a:r>
+          </a:p>
+          <a:p>
+            <a:r>
+              <a:rPr lang="it-IT" dirty="0">
+                <a:solidFill>
+                  <a:srgbClr val="FFDFD4"/>
+                </a:solidFill>
+                <a:latin typeface="Aharoni" panose="02010803020104030203" pitchFamily="2" charset="-79"/>
+                <a:cs typeface="Aharoni" panose="02010803020104030203" pitchFamily="2" charset="-79"/>
+              </a:rPr>
+              <a:t>Scopo: Vincere</a:t>
+            </a:r>
+          </a:p>
+        </p:txBody>
+      </p:sp>
+    </p:spTree>
+    <p:extLst>
+      <p:ext uri="{BB962C8B-B14F-4D97-AF65-F5344CB8AC3E}">
+        <p14:creationId xmlns:p14="http://schemas.microsoft.com/office/powerpoint/2010/main" val="1012791215"/>
+      </p:ext>
+    </p:extLst>
+  </p:cSld>
+  <p:clrMapOvr>
+    <a:masterClrMapping/>
+  </p:clrMapOvr>
+  <mc:AlternateContent xmlns:mc="http://schemas.openxmlformats.org/markup-compatibility/2006">
+    <mc:Choice xmlns:p159="http://schemas.microsoft.com/office/powerpoint/2015/09/main" Requires="p159">
+      <p:transition xmlns:p14="http://schemas.microsoft.com/office/powerpoint/2010/main" spd="slow" p14:dur="2000">
+        <p159:morph option="byObject"/>
+      </p:transition>
+    </mc:Choice>
+    <mc:Fallback>
+      <p:transition spd="slow">
+        <p:fade/>
+      </p:transition>
+    </mc:Fallback>
+  </mc:AlternateContent>
+</p:sld>
+</file>
+
+<file path=ppt/slides/slide25.xml><?xml version="1.0" encoding="utf-8"?>
+<p:sld xmlns:a="http://schemas.openxmlformats.org/drawingml/2006/main" xmlns:r="http://schemas.openxmlformats.org/officeDocument/2006/relationships" xmlns:p="http://schemas.openxmlformats.org/presentationml/2006/main">
+  <p:cSld>
+    <p:bg>
+      <p:bgPr>
+        <a:solidFill>
+          <a:srgbClr val="FFDFD4"/>
+        </a:solidFill>
+        <a:effectLst/>
+      </p:bgPr>
+    </p:bg>
+    <p:spTree>
+      <p:nvGrpSpPr>
+        <p:cNvPr id="1" name=""/>
+        <p:cNvGrpSpPr/>
+        <p:nvPr/>
+      </p:nvGrpSpPr>
+      <p:grpSpPr>
+        <a:xfrm>
+          <a:off x="0" y="0"/>
+          <a:ext cx="0" cy="0"/>
+          <a:chOff x="0" y="0"/>
+          <a:chExt cx="0" cy="0"/>
+        </a:xfrm>
+      </p:grpSpPr>
+      <p:sp>
+        <p:nvSpPr>
+          <p:cNvPr id="8" name="Rettangolo con angoli arrotondati 7">
+            <a:extLst>
+              <a:ext uri="{FF2B5EF4-FFF2-40B4-BE49-F238E27FC236}">
+                <a16:creationId xmlns:a16="http://schemas.microsoft.com/office/drawing/2014/main" id="{2551A8EC-BFA2-3407-25B3-D72CBB8C1731}"/>
+              </a:ext>
+            </a:extLst>
+          </p:cNvPr>
+          <p:cNvSpPr/>
+          <p:nvPr/>
+        </p:nvSpPr>
+        <p:spPr>
+          <a:xfrm>
+            <a:off x="9965276" y="2531533"/>
+            <a:ext cx="1964256" cy="1847456"/>
+          </a:xfrm>
+          <a:prstGeom prst="roundRect">
+            <a:avLst/>
+          </a:prstGeom>
+          <a:solidFill>
+            <a:srgbClr val="CC99FF"/>
+          </a:solidFill>
+          <a:ln>
+            <a:solidFill>
+              <a:srgbClr val="7030A0"/>
+            </a:solidFill>
+          </a:ln>
+        </p:spPr>
+        <p:style>
+          <a:lnRef idx="2">
+            <a:schemeClr val="accent1">
+              <a:shade val="15000"/>
+            </a:schemeClr>
+          </a:lnRef>
+          <a:fillRef idx="1">
+            <a:schemeClr val="accent1"/>
+          </a:fillRef>
+          <a:effectRef idx="0">
+            <a:schemeClr val="accent1"/>
+          </a:effectRef>
+          <a:fontRef idx="minor">
+            <a:schemeClr val="lt1"/>
+          </a:fontRef>
+        </p:style>
+        <p:txBody>
+          <a:bodyPr rtlCol="0" anchor="ctr"/>
+          <a:lstStyle/>
+          <a:p>
+            <a:pPr algn="ctr"/>
+            <a:endParaRPr lang="it-IT"/>
+          </a:p>
+        </p:txBody>
+      </p:sp>
+      <p:sp>
+        <p:nvSpPr>
+          <p:cNvPr id="2" name="CasellaDiTesto 1">
+            <a:extLst>
+              <a:ext uri="{FF2B5EF4-FFF2-40B4-BE49-F238E27FC236}">
+                <a16:creationId xmlns:a16="http://schemas.microsoft.com/office/drawing/2014/main" id="{B28F1028-D4F2-1471-F83F-21E4D32F8AC5}"/>
+              </a:ext>
+            </a:extLst>
+          </p:cNvPr>
+          <p:cNvSpPr txBox="1"/>
+          <p:nvPr/>
+        </p:nvSpPr>
+        <p:spPr>
+          <a:xfrm>
+            <a:off x="1481666" y="279400"/>
+            <a:ext cx="9228667" cy="1477328"/>
+          </a:xfrm>
+          <a:prstGeom prst="rect">
+            <a:avLst/>
+          </a:prstGeom>
+          <a:noFill/>
+        </p:spPr>
+        <p:txBody>
+          <a:bodyPr wrap="square" rtlCol="0">
+            <a:spAutoFit/>
+          </a:bodyPr>
+          <a:lstStyle/>
+          <a:p>
+            <a:pPr algn="ctr"/>
+            <a:r>
+              <a:rPr lang="it-IT" sz="3600" dirty="0">
+                <a:solidFill>
+                  <a:srgbClr val="7A1B0C"/>
+                </a:solidFill>
+                <a:latin typeface="Aharoni" panose="02010803020104030203" pitchFamily="2" charset="-79"/>
+                <a:cs typeface="Aharoni" panose="02010803020104030203" pitchFamily="2" charset="-79"/>
+              </a:rPr>
+              <a:t>FORMAT CLASSICO VS FORMAT SPRINT</a:t>
+            </a:r>
+          </a:p>
+          <a:p>
+            <a:pPr algn="ctr"/>
+            <a:r>
+              <a:rPr lang="it-IT" sz="3600" dirty="0">
+                <a:solidFill>
+                  <a:srgbClr val="7A1B0C"/>
+                </a:solidFill>
+                <a:latin typeface="Aharoni" panose="02010803020104030203" pitchFamily="2" charset="-79"/>
+                <a:cs typeface="Aharoni" panose="02010803020104030203" pitchFamily="2" charset="-79"/>
+              </a:rPr>
+              <a:t>FORMAT SPRINT</a:t>
+            </a:r>
+          </a:p>
+          <a:p>
+            <a:endParaRPr lang="it-IT" dirty="0"/>
+          </a:p>
+        </p:txBody>
+      </p:sp>
+      <p:sp>
+        <p:nvSpPr>
+          <p:cNvPr id="3" name="CasellaDiTesto 2">
+            <a:extLst>
+              <a:ext uri="{FF2B5EF4-FFF2-40B4-BE49-F238E27FC236}">
+                <a16:creationId xmlns:a16="http://schemas.microsoft.com/office/drawing/2014/main" id="{EB4E50D2-8A68-D014-29AF-77BA59B2D264}"/>
+              </a:ext>
+            </a:extLst>
+          </p:cNvPr>
+          <p:cNvSpPr txBox="1"/>
+          <p:nvPr/>
+        </p:nvSpPr>
+        <p:spPr>
+          <a:xfrm>
+            <a:off x="262468" y="2624663"/>
+            <a:ext cx="2463796" cy="1477328"/>
+          </a:xfrm>
+          <a:prstGeom prst="rect">
+            <a:avLst/>
+          </a:prstGeom>
+          <a:noFill/>
+        </p:spPr>
+        <p:txBody>
+          <a:bodyPr wrap="square" rtlCol="0">
+            <a:spAutoFit/>
+          </a:bodyPr>
+          <a:lstStyle/>
+          <a:p>
+            <a:r>
+              <a:rPr lang="it-IT" dirty="0">
+                <a:latin typeface="Aharoni" panose="02010803020104030203" pitchFamily="2" charset="-79"/>
+                <a:cs typeface="Aharoni" panose="02010803020104030203" pitchFamily="2" charset="-79"/>
+              </a:rPr>
+              <a:t>PROVA LIBERA 1</a:t>
+            </a:r>
+          </a:p>
+          <a:p>
+            <a:r>
+              <a:rPr lang="it-IT" dirty="0">
+                <a:latin typeface="Aharoni" panose="02010803020104030203" pitchFamily="2" charset="-79"/>
+                <a:cs typeface="Aharoni" panose="02010803020104030203" pitchFamily="2" charset="-79"/>
+              </a:rPr>
+              <a:t>Durata: 60 minuti</a:t>
+            </a:r>
+          </a:p>
+          <a:p>
+            <a:r>
+              <a:rPr lang="it-IT" dirty="0">
+                <a:latin typeface="Aharoni" panose="02010803020104030203" pitchFamily="2" charset="-79"/>
+                <a:cs typeface="Aharoni" panose="02010803020104030203" pitchFamily="2" charset="-79"/>
+              </a:rPr>
+              <a:t>Scopo: Preparazione generale del weekend</a:t>
+            </a:r>
+          </a:p>
+        </p:txBody>
+      </p:sp>
+      <p:sp>
+        <p:nvSpPr>
+          <p:cNvPr id="4" name="CasellaDiTesto 3">
+            <a:extLst>
+              <a:ext uri="{FF2B5EF4-FFF2-40B4-BE49-F238E27FC236}">
+                <a16:creationId xmlns:a16="http://schemas.microsoft.com/office/drawing/2014/main" id="{46380F20-9A55-7F09-8ECF-B3DE81ECD890}"/>
+              </a:ext>
+            </a:extLst>
+          </p:cNvPr>
+          <p:cNvSpPr txBox="1"/>
+          <p:nvPr/>
+        </p:nvSpPr>
+        <p:spPr>
+          <a:xfrm>
+            <a:off x="2844803" y="2624663"/>
+            <a:ext cx="2387597" cy="1754326"/>
+          </a:xfrm>
+          <a:prstGeom prst="rect">
+            <a:avLst/>
+          </a:prstGeom>
+          <a:noFill/>
+        </p:spPr>
+        <p:txBody>
+          <a:bodyPr wrap="square" rtlCol="0">
+            <a:spAutoFit/>
+          </a:bodyPr>
+          <a:lstStyle/>
+          <a:p>
+            <a:r>
+              <a:rPr lang="it-IT" dirty="0">
+                <a:latin typeface="Aharoni" panose="02010803020104030203" pitchFamily="2" charset="-79"/>
+                <a:cs typeface="Aharoni" panose="02010803020104030203" pitchFamily="2" charset="-79"/>
+              </a:rPr>
+              <a:t>QUALIFICA</a:t>
+            </a:r>
+          </a:p>
+          <a:p>
+            <a:r>
+              <a:rPr lang="it-IT" dirty="0">
+                <a:latin typeface="Aharoni" panose="02010803020104030203" pitchFamily="2" charset="-79"/>
+                <a:cs typeface="Aharoni" panose="02010803020104030203" pitchFamily="2" charset="-79"/>
+              </a:rPr>
+              <a:t>Durata: 3 sessioni, 18, 15 e 12 minuti</a:t>
+            </a:r>
+          </a:p>
+          <a:p>
+            <a:r>
+              <a:rPr lang="it-IT" dirty="0">
+                <a:latin typeface="Aharoni" panose="02010803020104030203" pitchFamily="2" charset="-79"/>
+                <a:cs typeface="Aharoni" panose="02010803020104030203" pitchFamily="2" charset="-79"/>
+              </a:rPr>
+              <a:t>Scopo: Stabilire la griglia di partenza della gara</a:t>
+            </a:r>
+          </a:p>
+        </p:txBody>
+      </p:sp>
+      <p:sp>
+        <p:nvSpPr>
+          <p:cNvPr id="5" name="CasellaDiTesto 4">
+            <a:extLst>
+              <a:ext uri="{FF2B5EF4-FFF2-40B4-BE49-F238E27FC236}">
+                <a16:creationId xmlns:a16="http://schemas.microsoft.com/office/drawing/2014/main" id="{4ED82E75-8DC1-5800-6534-617F96DE5984}"/>
+              </a:ext>
+            </a:extLst>
+          </p:cNvPr>
+          <p:cNvSpPr txBox="1"/>
+          <p:nvPr/>
+        </p:nvSpPr>
+        <p:spPr>
+          <a:xfrm>
+            <a:off x="5308603" y="2624663"/>
+            <a:ext cx="2269070" cy="1754326"/>
+          </a:xfrm>
+          <a:prstGeom prst="rect">
+            <a:avLst/>
+          </a:prstGeom>
+          <a:noFill/>
+        </p:spPr>
+        <p:txBody>
+          <a:bodyPr wrap="square" rtlCol="0">
+            <a:spAutoFit/>
+          </a:bodyPr>
+          <a:lstStyle/>
+          <a:p>
+            <a:r>
+              <a:rPr lang="it-IT" dirty="0">
+                <a:latin typeface="Aharoni" panose="02010803020104030203" pitchFamily="2" charset="-79"/>
+                <a:cs typeface="Aharoni" panose="02010803020104030203" pitchFamily="2" charset="-79"/>
+              </a:rPr>
+              <a:t>SPRINT SHOOTOUT</a:t>
+            </a:r>
+          </a:p>
+          <a:p>
+            <a:r>
+              <a:rPr lang="it-IT" dirty="0">
+                <a:latin typeface="Aharoni" panose="02010803020104030203" pitchFamily="2" charset="-79"/>
+                <a:cs typeface="Aharoni" panose="02010803020104030203" pitchFamily="2" charset="-79"/>
+              </a:rPr>
+              <a:t>Durata: 3 sessioni, 12, 10 e 8 minuti</a:t>
+            </a:r>
+          </a:p>
+          <a:p>
+            <a:r>
+              <a:rPr lang="it-IT" dirty="0">
+                <a:latin typeface="Aharoni" panose="02010803020104030203" pitchFamily="2" charset="-79"/>
+                <a:cs typeface="Aharoni" panose="02010803020104030203" pitchFamily="2" charset="-79"/>
+              </a:rPr>
+              <a:t>Scopo: Stabilire la griglia di partenza della gara sprint</a:t>
+            </a:r>
+          </a:p>
+        </p:txBody>
+      </p:sp>
+      <p:sp>
+        <p:nvSpPr>
+          <p:cNvPr id="6" name="CasellaDiTesto 5">
+            <a:extLst>
+              <a:ext uri="{FF2B5EF4-FFF2-40B4-BE49-F238E27FC236}">
+                <a16:creationId xmlns:a16="http://schemas.microsoft.com/office/drawing/2014/main" id="{679E128E-8EAC-C840-216F-B28984085322}"/>
+              </a:ext>
+            </a:extLst>
+          </p:cNvPr>
+          <p:cNvSpPr txBox="1"/>
+          <p:nvPr/>
+        </p:nvSpPr>
+        <p:spPr>
+          <a:xfrm>
+            <a:off x="7653876" y="2624663"/>
+            <a:ext cx="2311400" cy="1200329"/>
+          </a:xfrm>
+          <a:prstGeom prst="rect">
+            <a:avLst/>
+          </a:prstGeom>
+          <a:noFill/>
+        </p:spPr>
+        <p:txBody>
+          <a:bodyPr wrap="square" rtlCol="0">
+            <a:spAutoFit/>
+          </a:bodyPr>
+          <a:lstStyle/>
+          <a:p>
+            <a:r>
+              <a:rPr lang="it-IT" dirty="0">
+                <a:latin typeface="Aharoni" panose="02010803020104030203" pitchFamily="2" charset="-79"/>
+                <a:cs typeface="Aharoni" panose="02010803020104030203" pitchFamily="2" charset="-79"/>
+              </a:rPr>
+              <a:t>GARA SPRINT</a:t>
+            </a:r>
+          </a:p>
+          <a:p>
+            <a:r>
+              <a:rPr lang="it-IT" dirty="0">
+                <a:latin typeface="Aharoni" panose="02010803020104030203" pitchFamily="2" charset="-79"/>
+                <a:cs typeface="Aharoni" panose="02010803020104030203" pitchFamily="2" charset="-79"/>
+              </a:rPr>
+              <a:t>Durata: 100 km, 30 minuti circa</a:t>
+            </a:r>
+          </a:p>
+          <a:p>
+            <a:r>
+              <a:rPr lang="it-IT" dirty="0">
+                <a:latin typeface="Aharoni" panose="02010803020104030203" pitchFamily="2" charset="-79"/>
+                <a:cs typeface="Aharoni" panose="02010803020104030203" pitchFamily="2" charset="-79"/>
+              </a:rPr>
+              <a:t>Scopo: Vincere</a:t>
+            </a:r>
+          </a:p>
+        </p:txBody>
+      </p:sp>
+      <p:sp>
+        <p:nvSpPr>
+          <p:cNvPr id="7" name="CasellaDiTesto 6">
+            <a:extLst>
+              <a:ext uri="{FF2B5EF4-FFF2-40B4-BE49-F238E27FC236}">
+                <a16:creationId xmlns:a16="http://schemas.microsoft.com/office/drawing/2014/main" id="{7745000E-E71C-69D9-FEC9-AFF0EE517C5D}"/>
+              </a:ext>
+            </a:extLst>
+          </p:cNvPr>
+          <p:cNvSpPr txBox="1"/>
+          <p:nvPr/>
+        </p:nvSpPr>
+        <p:spPr>
+          <a:xfrm>
+            <a:off x="9965277" y="2624664"/>
+            <a:ext cx="2116666" cy="1200329"/>
+          </a:xfrm>
+          <a:prstGeom prst="rect">
+            <a:avLst/>
+          </a:prstGeom>
+          <a:noFill/>
+        </p:spPr>
+        <p:txBody>
+          <a:bodyPr wrap="square" rtlCol="0">
+            <a:spAutoFit/>
+          </a:bodyPr>
+          <a:lstStyle/>
+          <a:p>
+            <a:r>
+              <a:rPr lang="it-IT" dirty="0">
+                <a:latin typeface="Aharoni" panose="02010803020104030203" pitchFamily="2" charset="-79"/>
+                <a:cs typeface="Aharoni" panose="02010803020104030203" pitchFamily="2" charset="-79"/>
+              </a:rPr>
+              <a:t>GARA</a:t>
+            </a:r>
+          </a:p>
+          <a:p>
+            <a:r>
+              <a:rPr lang="it-IT" dirty="0">
+                <a:latin typeface="Aharoni" panose="02010803020104030203" pitchFamily="2" charset="-79"/>
+                <a:cs typeface="Aharoni" panose="02010803020104030203" pitchFamily="2" charset="-79"/>
+              </a:rPr>
+              <a:t>Durata: 305 km,</a:t>
+            </a:r>
+          </a:p>
+          <a:p>
+            <a:r>
+              <a:rPr lang="it-IT" dirty="0">
+                <a:latin typeface="Aharoni" panose="02010803020104030203" pitchFamily="2" charset="-79"/>
+                <a:cs typeface="Aharoni" panose="02010803020104030203" pitchFamily="2" charset="-79"/>
+              </a:rPr>
+              <a:t>90 minuti circa</a:t>
+            </a:r>
+          </a:p>
+          <a:p>
+            <a:r>
+              <a:rPr lang="it-IT" dirty="0">
+                <a:latin typeface="Aharoni" panose="02010803020104030203" pitchFamily="2" charset="-79"/>
+                <a:cs typeface="Aharoni" panose="02010803020104030203" pitchFamily="2" charset="-79"/>
+              </a:rPr>
+              <a:t>Scopo: Vincere</a:t>
+            </a:r>
+          </a:p>
+        </p:txBody>
+      </p:sp>
+    </p:spTree>
+    <p:extLst>
+      <p:ext uri="{BB962C8B-B14F-4D97-AF65-F5344CB8AC3E}">
+        <p14:creationId xmlns:p14="http://schemas.microsoft.com/office/powerpoint/2010/main" val="1096899732"/>
+      </p:ext>
+    </p:extLst>
+  </p:cSld>
+  <p:clrMapOvr>
+    <a:masterClrMapping/>
+  </p:clrMapOvr>
+  <mc:AlternateContent xmlns:mc="http://schemas.openxmlformats.org/markup-compatibility/2006" xmlns:p159="http://schemas.microsoft.com/office/powerpoint/2015/09/main">
+    <mc:Choice Requires="p159">
+      <p:transition xmlns:p14="http://schemas.microsoft.com/office/powerpoint/2010/main" spd="slow" p14:dur="2000">
+        <p159:morph option="byObject"/>
+      </p:transition>
+    </mc:Choice>
+    <mc:Fallback xmlns="">
+      <p:transition spd="slow">
+        <p:fade/>
+      </p:transition>
+    </mc:Fallback>
+  </mc:AlternateContent>
+</p:sld>
+</file>
+
 <file path=ppt/slides/slide3.xml><?xml version="1.0" encoding="utf-8"?>
 <p:sld xmlns:a="http://schemas.openxmlformats.org/drawingml/2006/main" xmlns:r="http://schemas.openxmlformats.org/officeDocument/2006/relationships" xmlns:p="http://schemas.openxmlformats.org/presentationml/2006/main">
   <p:cSld>
@@ -8740,53 +13711,237 @@
           <a:chExt cx="0" cy="0"/>
         </a:xfrm>
       </p:grpSpPr>
-      <p:pic>
-        <p:nvPicPr>
-          <p:cNvPr id="4" name="Immagine 3">
-            <a:extLst>
-              <a:ext uri="{FF2B5EF4-FFF2-40B4-BE49-F238E27FC236}">
-                <a16:creationId xmlns:a16="http://schemas.microsoft.com/office/drawing/2014/main" id="{09D43B38-2023-0CB3-A229-2B8A13E13DFF}"/>
-              </a:ext>
-            </a:extLst>
-          </p:cNvPr>
-          <p:cNvPicPr>
-            <a:picLocks noChangeAspect="1"/>
-          </p:cNvPicPr>
+      <p:sp>
+        <p:nvSpPr>
+          <p:cNvPr id="2" name="CasellaDiTesto 1">
+            <a:extLst>
+              <a:ext uri="{FF2B5EF4-FFF2-40B4-BE49-F238E27FC236}">
+                <a16:creationId xmlns:a16="http://schemas.microsoft.com/office/drawing/2014/main" id="{571246D3-C68A-4877-7AC2-6523EF2A422D}"/>
+              </a:ext>
+            </a:extLst>
+          </p:cNvPr>
+          <p:cNvSpPr txBox="1"/>
           <p:nvPr/>
-        </p:nvPicPr>
-        <p:blipFill>
-          <a:blip r:embed="rId2"/>
-          <a:stretch>
-            <a:fillRect/>
-          </a:stretch>
-        </p:blipFill>
+        </p:nvSpPr>
         <p:spPr>
           <a:xfrm>
-            <a:off x="2370282" y="509514"/>
-            <a:ext cx="7451436" cy="5838971"/>
+            <a:off x="673100" y="5173132"/>
+            <a:ext cx="10845800" cy="1077218"/>
           </a:xfrm>
           <a:prstGeom prst="rect">
             <a:avLst/>
           </a:prstGeom>
+          <a:noFill/>
         </p:spPr>
-      </p:pic>
+        <p:txBody>
+          <a:bodyPr wrap="square" rtlCol="0">
+            <a:spAutoFit/>
+          </a:bodyPr>
+          <a:lstStyle/>
+          <a:p>
+            <a:r>
+              <a:rPr lang="it-IT" sz="1600" dirty="0">
+                <a:latin typeface="Aharoni" panose="02010803020104030203" pitchFamily="2" charset="-79"/>
+                <a:cs typeface="Aharoni" panose="02010803020104030203" pitchFamily="2" charset="-79"/>
+              </a:rPr>
+              <a:t>Abbreviazione di</a:t>
+            </a:r>
+            <a:r>
+              <a:rPr lang="it-IT" sz="1600" dirty="0">
+                <a:latin typeface="Aharoni" panose="02010803020104030203" pitchFamily="2" charset="-79"/>
+                <a:cs typeface="Aharoni" panose="02010803020104030203" pitchFamily="2" charset="-79"/>
+                <a:sym typeface="Wingdings" panose="05000000000000000000" pitchFamily="2" charset="2"/>
+              </a:rPr>
+              <a:t> </a:t>
+            </a:r>
+            <a:r>
+              <a:rPr lang="it-IT" sz="1600" dirty="0">
+                <a:latin typeface="Aharoni" panose="02010803020104030203" pitchFamily="2" charset="-79"/>
+                <a:cs typeface="Aharoni" panose="02010803020104030203" pitchFamily="2" charset="-79"/>
+              </a:rPr>
+              <a:t>Gran Premio</a:t>
+            </a:r>
+          </a:p>
+          <a:p>
+            <a:r>
+              <a:rPr lang="it-IT" sz="1600" dirty="0">
+                <a:latin typeface="Aharoni" panose="02010803020104030203" pitchFamily="2" charset="-79"/>
+                <a:cs typeface="Aharoni" panose="02010803020104030203" pitchFamily="2" charset="-79"/>
+              </a:rPr>
+              <a:t>Durata </a:t>
+            </a:r>
+            <a:r>
+              <a:rPr lang="it-IT" sz="1600" dirty="0">
+                <a:latin typeface="Aharoni" panose="02010803020104030203" pitchFamily="2" charset="-79"/>
+                <a:cs typeface="Aharoni" panose="02010803020104030203" pitchFamily="2" charset="-79"/>
+                <a:sym typeface="Wingdings" panose="05000000000000000000" pitchFamily="2" charset="2"/>
+              </a:rPr>
+              <a:t> I</a:t>
+            </a:r>
+            <a:r>
+              <a:rPr lang="it-IT" sz="1600" dirty="0">
+                <a:latin typeface="Aharoni" panose="02010803020104030203" pitchFamily="2" charset="-79"/>
+                <a:cs typeface="Aharoni" panose="02010803020104030203" pitchFamily="2" charset="-79"/>
+              </a:rPr>
+              <a:t>ntero weekend di gara (Venerdì, Sabato e Domenica).</a:t>
+            </a:r>
+          </a:p>
+          <a:p>
+            <a:r>
+              <a:rPr lang="it-IT" sz="1600" dirty="0">
+                <a:latin typeface="Aharoni" panose="02010803020104030203" pitchFamily="2" charset="-79"/>
+                <a:cs typeface="Aharoni" panose="02010803020104030203" pitchFamily="2" charset="-79"/>
+              </a:rPr>
+              <a:t>Campionato di Formula 1 </a:t>
+            </a:r>
+            <a:r>
+              <a:rPr lang="it-IT" sz="1600" dirty="0">
+                <a:latin typeface="Aharoni" panose="02010803020104030203" pitchFamily="2" charset="-79"/>
+                <a:cs typeface="Aharoni" panose="02010803020104030203" pitchFamily="2" charset="-79"/>
+                <a:sym typeface="Wingdings" panose="05000000000000000000" pitchFamily="2" charset="2"/>
+              </a:rPr>
+              <a:t> Molteplici </a:t>
+            </a:r>
+            <a:r>
+              <a:rPr lang="it-IT" sz="1600" dirty="0">
+                <a:latin typeface="Aharoni" panose="02010803020104030203" pitchFamily="2" charset="-79"/>
+                <a:cs typeface="Aharoni" panose="02010803020104030203" pitchFamily="2" charset="-79"/>
+              </a:rPr>
+              <a:t>GP.</a:t>
+            </a:r>
+          </a:p>
+          <a:p>
+            <a:r>
+              <a:rPr lang="it-IT" sz="1600" dirty="0">
+                <a:latin typeface="Aharoni" panose="02010803020104030203" pitchFamily="2" charset="-79"/>
+                <a:cs typeface="Aharoni" panose="02010803020104030203" pitchFamily="2" charset="-79"/>
+              </a:rPr>
+              <a:t>Composizione </a:t>
+            </a:r>
+            <a:r>
+              <a:rPr lang="it-IT" sz="1600" dirty="0">
+                <a:latin typeface="Aharoni" panose="02010803020104030203" pitchFamily="2" charset="-79"/>
+                <a:cs typeface="Aharoni" panose="02010803020104030203" pitchFamily="2" charset="-79"/>
+                <a:sym typeface="Wingdings" panose="05000000000000000000" pitchFamily="2" charset="2"/>
+              </a:rPr>
+              <a:t> P</a:t>
+            </a:r>
+            <a:r>
+              <a:rPr lang="it-IT" sz="1600" dirty="0">
+                <a:latin typeface="Aharoni" panose="02010803020104030203" pitchFamily="2" charset="-79"/>
+                <a:cs typeface="Aharoni" panose="02010803020104030203" pitchFamily="2" charset="-79"/>
+              </a:rPr>
+              <a:t>rove Libere, Qualifiche e Gara.</a:t>
+            </a:r>
+          </a:p>
+        </p:txBody>
+      </p:sp>
+      <p:sp>
+        <p:nvSpPr>
+          <p:cNvPr id="3" name="CasellaDiTesto 2">
+            <a:extLst>
+              <a:ext uri="{FF2B5EF4-FFF2-40B4-BE49-F238E27FC236}">
+                <a16:creationId xmlns:a16="http://schemas.microsoft.com/office/drawing/2014/main" id="{171620B3-D345-4904-02CE-CD02C8FC08B4}"/>
+              </a:ext>
+            </a:extLst>
+          </p:cNvPr>
+          <p:cNvSpPr txBox="1"/>
+          <p:nvPr/>
+        </p:nvSpPr>
+        <p:spPr>
+          <a:xfrm>
+            <a:off x="-307399" y="-1685602"/>
+            <a:ext cx="12806798" cy="6343462"/>
+          </a:xfrm>
+          <a:prstGeom prst="rect">
+            <a:avLst/>
+          </a:prstGeom>
+          <a:noFill/>
+        </p:spPr>
+        <p:txBody>
+          <a:bodyPr wrap="square" rtlCol="0">
+            <a:prstTxWarp prst="textWave1">
+              <a:avLst/>
+            </a:prstTxWarp>
+            <a:spAutoFit/>
+          </a:bodyPr>
+          <a:lstStyle/>
+          <a:p>
+            <a:r>
+              <a:rPr lang="it-IT" dirty="0">
+                <a:blipFill dpi="0" rotWithShape="1">
+                  <a:blip r:embed="rId2"/>
+                  <a:srcRect/>
+                  <a:stretch>
+                    <a:fillRect/>
+                  </a:stretch>
+                </a:blipFill>
+                <a:latin typeface="Arial" panose="020B0604020202020204" pitchFamily="34" charset="0"/>
+                <a:cs typeface="Arial" panose="020B0604020202020204" pitchFamily="34" charset="0"/>
+              </a:rPr>
+              <a:t>------------</a:t>
+            </a:r>
+          </a:p>
+        </p:txBody>
+      </p:sp>
+      <p:sp>
+        <p:nvSpPr>
+          <p:cNvPr id="4" name="CasellaDiTesto 3">
+            <a:extLst>
+              <a:ext uri="{FF2B5EF4-FFF2-40B4-BE49-F238E27FC236}">
+                <a16:creationId xmlns:a16="http://schemas.microsoft.com/office/drawing/2014/main" id="{DB162EB3-27E1-2E0E-FDEE-C50DA3A88DE8}"/>
+              </a:ext>
+            </a:extLst>
+          </p:cNvPr>
+          <p:cNvSpPr txBox="1"/>
+          <p:nvPr/>
+        </p:nvSpPr>
+        <p:spPr>
+          <a:xfrm>
+            <a:off x="651934" y="4265445"/>
+            <a:ext cx="6925733" cy="784830"/>
+          </a:xfrm>
+          <a:prstGeom prst="rect">
+            <a:avLst/>
+          </a:prstGeom>
+          <a:noFill/>
+        </p:spPr>
+        <p:txBody>
+          <a:bodyPr wrap="square" rtlCol="0">
+            <a:spAutoFit/>
+          </a:bodyPr>
+          <a:lstStyle/>
+          <a:p>
+            <a:r>
+              <a:rPr lang="it-IT" sz="4500" dirty="0">
+                <a:solidFill>
+                  <a:srgbClr val="7A1B0C"/>
+                </a:solidFill>
+                <a:latin typeface="Aharoni" panose="02010803020104030203" pitchFamily="2" charset="-79"/>
+                <a:cs typeface="Aharoni" panose="02010803020104030203" pitchFamily="2" charset="-79"/>
+              </a:rPr>
+              <a:t>COS’È UN GP?  </a:t>
+            </a:r>
+          </a:p>
+        </p:txBody>
+      </p:sp>
     </p:spTree>
     <p:extLst>
       <p:ext uri="{BB962C8B-B14F-4D97-AF65-F5344CB8AC3E}">
-        <p14:creationId xmlns:p14="http://schemas.microsoft.com/office/powerpoint/2010/main" val="2710530227"/>
+        <p14:creationId xmlns:p14="http://schemas.microsoft.com/office/powerpoint/2010/main" val="699770890"/>
       </p:ext>
     </p:extLst>
   </p:cSld>
   <p:clrMapOvr>
     <a:masterClrMapping/>
   </p:clrMapOvr>
-  <mc:AlternateContent xmlns:mc="http://schemas.openxmlformats.org/markup-compatibility/2006" xmlns:p159="http://schemas.microsoft.com/office/powerpoint/2015/09/main">
-    <mc:Choice Requires="p159">
-      <p:transition xmlns:p14="http://schemas.microsoft.com/office/powerpoint/2010/main" spd="slow" p14:dur="2000">
-        <p159:morph option="byObject"/>
+  <mc:AlternateContent xmlns:mc="http://schemas.openxmlformats.org/markup-compatibility/2006">
+    <mc:Choice xmlns:p15="http://schemas.microsoft.com/office/powerpoint/2012/main" Requires="p15">
+      <p:transition xmlns:p14="http://schemas.microsoft.com/office/powerpoint/2010/main" spd="slow" p14:dur="3000">
+        <p15:prstTrans prst="curtains"/>
       </p:transition>
     </mc:Choice>
-    <mc:Fallback xmlns="">
+    <mc:Fallback>
       <p:transition spd="slow">
         <p:fade/>
       </p:transition>
@@ -8820,12 +13975,54 @@
           <a:chExt cx="0" cy="0"/>
         </a:xfrm>
       </p:grpSpPr>
+      <p:sp>
+        <p:nvSpPr>
+          <p:cNvPr id="2" name="CasellaDiTesto 1">
+            <a:extLst>
+              <a:ext uri="{FF2B5EF4-FFF2-40B4-BE49-F238E27FC236}">
+                <a16:creationId xmlns:a16="http://schemas.microsoft.com/office/drawing/2014/main" id="{E04BA2F1-7B29-72D2-3145-26D773415968}"/>
+              </a:ext>
+            </a:extLst>
+          </p:cNvPr>
+          <p:cNvSpPr txBox="1"/>
+          <p:nvPr/>
+        </p:nvSpPr>
+        <p:spPr>
+          <a:xfrm>
+            <a:off x="3090332" y="70814"/>
+            <a:ext cx="6011334" cy="646331"/>
+          </a:xfrm>
+          <a:prstGeom prst="rect">
+            <a:avLst/>
+          </a:prstGeom>
+          <a:noFill/>
+        </p:spPr>
+        <p:txBody>
+          <a:bodyPr wrap="square" rtlCol="0">
+            <a:spAutoFit/>
+          </a:bodyPr>
+          <a:lstStyle/>
+          <a:p>
+            <a:pPr algn="ctr"/>
+            <a:r>
+              <a:rPr lang="it-IT" sz="3600" dirty="0">
+                <a:solidFill>
+                  <a:srgbClr val="7A1B0C"/>
+                </a:solidFill>
+                <a:latin typeface="Aharoni" panose="02010803020104030203" pitchFamily="2" charset="-79"/>
+                <a:cs typeface="Aharoni" panose="02010803020104030203" pitchFamily="2" charset="-79"/>
+              </a:rPr>
+              <a:t>CHI HA VINTO DI PIÙ?</a:t>
+            </a:r>
+          </a:p>
+        </p:txBody>
+      </p:sp>
       <p:pic>
         <p:nvPicPr>
           <p:cNvPr id="2050" name="Picture 2">
             <a:extLst>
               <a:ext uri="{FF2B5EF4-FFF2-40B4-BE49-F238E27FC236}">
-                <a16:creationId xmlns:a16="http://schemas.microsoft.com/office/drawing/2014/main" id="{6796DDC4-2179-4701-000A-D62641CABC70}"/>
+                <a16:creationId xmlns:a16="http://schemas.microsoft.com/office/drawing/2014/main" id="{89D5799D-6070-3B32-09E7-B7438E837C22}"/>
               </a:ext>
             </a:extLst>
           </p:cNvPr>
@@ -8849,8 +14046,8 @@
         </p:blipFill>
         <p:spPr bwMode="auto">
           <a:xfrm>
-            <a:off x="2226178" y="509400"/>
-            <a:ext cx="7739643" cy="5839200"/>
+            <a:off x="2230232" y="793345"/>
+            <a:ext cx="7731533" cy="5839200"/>
           </a:xfrm>
           <a:prstGeom prst="rect">
             <a:avLst/>
@@ -8870,22 +14067,22 @@
     </p:spTree>
     <p:extLst>
       <p:ext uri="{BB962C8B-B14F-4D97-AF65-F5344CB8AC3E}">
-        <p14:creationId xmlns:p14="http://schemas.microsoft.com/office/powerpoint/2010/main" val="1526014426"/>
+        <p14:creationId xmlns:p14="http://schemas.microsoft.com/office/powerpoint/2010/main" val="2710530227"/>
       </p:ext>
     </p:extLst>
   </p:cSld>
   <p:clrMapOvr>
     <a:masterClrMapping/>
   </p:clrMapOvr>
-  <mc:AlternateContent xmlns:mc="http://schemas.openxmlformats.org/markup-compatibility/2006" xmlns:p14="http://schemas.microsoft.com/office/powerpoint/2010/main">
-    <mc:Choice Requires="p14">
-      <p:transition spd="slow" p14:dur="1500">
-        <p:split orient="vert"/>
+  <mc:AlternateContent xmlns:mc="http://schemas.openxmlformats.org/markup-compatibility/2006" xmlns:p159="http://schemas.microsoft.com/office/powerpoint/2015/09/main">
+    <mc:Choice Requires="p159">
+      <p:transition xmlns:p14="http://schemas.microsoft.com/office/powerpoint/2010/main" spd="slow" p14:dur="2000">
+        <p159:morph option="byObject"/>
       </p:transition>
     </mc:Choice>
     <mc:Fallback xmlns="">
       <p:transition spd="slow">
-        <p:split orient="vert"/>
+        <p:fade/>
       </p:transition>
     </mc:Fallback>
   </mc:AlternateContent>
@@ -8919,10 +14116,10 @@
       </p:grpSpPr>
       <p:pic>
         <p:nvPicPr>
-          <p:cNvPr id="1026" name="Picture 2">
-            <a:extLst>
-              <a:ext uri="{FF2B5EF4-FFF2-40B4-BE49-F238E27FC236}">
-                <a16:creationId xmlns:a16="http://schemas.microsoft.com/office/drawing/2014/main" id="{CBEF15EF-78B8-A120-CAF8-81539944306E}"/>
+          <p:cNvPr id="1028" name="Picture 4">
+            <a:extLst>
+              <a:ext uri="{FF2B5EF4-FFF2-40B4-BE49-F238E27FC236}">
+                <a16:creationId xmlns:a16="http://schemas.microsoft.com/office/drawing/2014/main" id="{46D7EE53-FE79-8538-B1F8-903140F1365E}"/>
               </a:ext>
             </a:extLst>
           </p:cNvPr>
@@ -8946,8 +14143,8 @@
         </p:blipFill>
         <p:spPr bwMode="auto">
           <a:xfrm>
-            <a:off x="2481643" y="509400"/>
-            <a:ext cx="7228713" cy="5839200"/>
+            <a:off x="2066680" y="804334"/>
+            <a:ext cx="8058637" cy="5839200"/>
           </a:xfrm>
           <a:prstGeom prst="rect">
             <a:avLst/>
@@ -8964,6 +14161,187 @@
           </a:extLst>
         </p:spPr>
       </p:pic>
+      <p:sp>
+        <p:nvSpPr>
+          <p:cNvPr id="2" name="CasellaDiTesto 1">
+            <a:extLst>
+              <a:ext uri="{FF2B5EF4-FFF2-40B4-BE49-F238E27FC236}">
+                <a16:creationId xmlns:a16="http://schemas.microsoft.com/office/drawing/2014/main" id="{567F5588-74E5-91A0-1A54-CA297630F950}"/>
+              </a:ext>
+            </a:extLst>
+          </p:cNvPr>
+          <p:cNvSpPr txBox="1"/>
+          <p:nvPr/>
+        </p:nvSpPr>
+        <p:spPr>
+          <a:xfrm>
+            <a:off x="2453215" y="53600"/>
+            <a:ext cx="7285568" cy="646331"/>
+          </a:xfrm>
+          <a:prstGeom prst="rect">
+            <a:avLst/>
+          </a:prstGeom>
+          <a:noFill/>
+        </p:spPr>
+        <p:txBody>
+          <a:bodyPr wrap="square" rtlCol="0">
+            <a:spAutoFit/>
+          </a:bodyPr>
+          <a:lstStyle/>
+          <a:p>
+            <a:pPr algn="ctr"/>
+            <a:r>
+              <a:rPr lang="it-IT" sz="3600" dirty="0">
+                <a:solidFill>
+                  <a:srgbClr val="7A1B0C"/>
+                </a:solidFill>
+                <a:latin typeface="Aharoni" panose="02010803020104030203" pitchFamily="2" charset="-79"/>
+                <a:cs typeface="Aharoni" panose="02010803020104030203" pitchFamily="2" charset="-79"/>
+              </a:rPr>
+              <a:t>CHI HA VINTO DI PIÙ? (TOP 10)</a:t>
+            </a:r>
+          </a:p>
+        </p:txBody>
+      </p:sp>
+    </p:spTree>
+    <p:extLst>
+      <p:ext uri="{BB962C8B-B14F-4D97-AF65-F5344CB8AC3E}">
+        <p14:creationId xmlns:p14="http://schemas.microsoft.com/office/powerpoint/2010/main" val="1526014426"/>
+      </p:ext>
+    </p:extLst>
+  </p:cSld>
+  <p:clrMapOvr>
+    <a:masterClrMapping/>
+  </p:clrMapOvr>
+  <mc:AlternateContent xmlns:mc="http://schemas.openxmlformats.org/markup-compatibility/2006" xmlns:p14="http://schemas.microsoft.com/office/powerpoint/2010/main">
+    <mc:Choice Requires="p14">
+      <p:transition spd="slow" p14:dur="1500">
+        <p:split orient="vert"/>
+      </p:transition>
+    </mc:Choice>
+    <mc:Fallback xmlns="">
+      <p:transition spd="slow">
+        <p:split orient="vert"/>
+      </p:transition>
+    </mc:Fallback>
+  </mc:AlternateContent>
+</p:sld>
+</file>
+
+<file path=ppt/slides/slide6.xml><?xml version="1.0" encoding="utf-8"?>
+<p:sld xmlns:a="http://schemas.openxmlformats.org/drawingml/2006/main" xmlns:r="http://schemas.openxmlformats.org/officeDocument/2006/relationships" xmlns:p="http://schemas.openxmlformats.org/presentationml/2006/main">
+  <p:cSld>
+    <p:bg>
+      <p:bgPr>
+        <a:solidFill>
+          <a:srgbClr val="FFDFD4"/>
+        </a:solidFill>
+        <a:effectLst/>
+      </p:bgPr>
+    </p:bg>
+    <p:spTree>
+      <p:nvGrpSpPr>
+        <p:cNvPr id="1" name=""/>
+        <p:cNvGrpSpPr/>
+        <p:nvPr/>
+      </p:nvGrpSpPr>
+      <p:grpSpPr>
+        <a:xfrm>
+          <a:off x="0" y="0"/>
+          <a:ext cx="0" cy="0"/>
+          <a:chOff x="0" y="0"/>
+          <a:chExt cx="0" cy="0"/>
+        </a:xfrm>
+      </p:grpSpPr>
+      <p:pic>
+        <p:nvPicPr>
+          <p:cNvPr id="3074" name="Picture 2">
+            <a:extLst>
+              <a:ext uri="{FF2B5EF4-FFF2-40B4-BE49-F238E27FC236}">
+                <a16:creationId xmlns:a16="http://schemas.microsoft.com/office/drawing/2014/main" id="{F8648174-E049-4D2D-235C-88A1FD58AFD5}"/>
+              </a:ext>
+            </a:extLst>
+          </p:cNvPr>
+          <p:cNvPicPr>
+            <a:picLocks noChangeAspect="1" noChangeArrowheads="1"/>
+          </p:cNvPicPr>
+          <p:nvPr/>
+        </p:nvPicPr>
+        <p:blipFill>
+          <a:blip r:embed="rId2">
+            <a:extLst>
+              <a:ext uri="{28A0092B-C50C-407E-A947-70E740481C1C}">
+                <a14:useLocalDpi xmlns:a14="http://schemas.microsoft.com/office/drawing/2010/main" val="0"/>
+              </a:ext>
+            </a:extLst>
+          </a:blip>
+          <a:srcRect/>
+          <a:stretch>
+            <a:fillRect/>
+          </a:stretch>
+        </p:blipFill>
+        <p:spPr bwMode="auto">
+          <a:xfrm>
+            <a:off x="2342421" y="812800"/>
+            <a:ext cx="7507157" cy="5839200"/>
+          </a:xfrm>
+          <a:prstGeom prst="rect">
+            <a:avLst/>
+          </a:prstGeom>
+          <a:noFill/>
+          <a:extLst>
+            <a:ext uri="{909E8E84-426E-40DD-AFC4-6F175D3DCCD1}">
+              <a14:hiddenFill xmlns:a14="http://schemas.microsoft.com/office/drawing/2010/main">
+                <a:solidFill>
+                  <a:srgbClr val="FFFFFF"/>
+                </a:solidFill>
+              </a14:hiddenFill>
+            </a:ext>
+          </a:extLst>
+        </p:spPr>
+      </p:pic>
+      <p:sp>
+        <p:nvSpPr>
+          <p:cNvPr id="2" name="CasellaDiTesto 1">
+            <a:extLst>
+              <a:ext uri="{FF2B5EF4-FFF2-40B4-BE49-F238E27FC236}">
+                <a16:creationId xmlns:a16="http://schemas.microsoft.com/office/drawing/2014/main" id="{A3A71895-78CF-A78B-5EFE-1DFFE5C795AA}"/>
+              </a:ext>
+            </a:extLst>
+          </p:cNvPr>
+          <p:cNvSpPr txBox="1"/>
+          <p:nvPr/>
+        </p:nvSpPr>
+        <p:spPr>
+          <a:xfrm>
+            <a:off x="1028699" y="93133"/>
+            <a:ext cx="10134599" cy="646331"/>
+          </a:xfrm>
+          <a:prstGeom prst="rect">
+            <a:avLst/>
+          </a:prstGeom>
+          <a:noFill/>
+        </p:spPr>
+        <p:txBody>
+          <a:bodyPr wrap="square" rtlCol="0">
+            <a:spAutoFit/>
+          </a:bodyPr>
+          <a:lstStyle/>
+          <a:p>
+            <a:pPr algn="ctr"/>
+            <a:r>
+              <a:rPr lang="it-IT" sz="3600" dirty="0">
+                <a:solidFill>
+                  <a:srgbClr val="7A1B0C"/>
+                </a:solidFill>
+                <a:latin typeface="Aharoni" panose="02010803020104030203" pitchFamily="2" charset="-79"/>
+                <a:cs typeface="Aharoni" panose="02010803020104030203" pitchFamily="2" charset="-79"/>
+              </a:rPr>
+              <a:t>QUALI PILOTI HANNO VINTO DI PIÙ? (TOP 10)</a:t>
+            </a:r>
+          </a:p>
+        </p:txBody>
+      </p:sp>
     </p:spTree>
     <p:extLst>
       <p:ext uri="{BB962C8B-B14F-4D97-AF65-F5344CB8AC3E}">
@@ -8989,7 +14367,7 @@
 </p:sld>
 </file>
 
-<file path=ppt/slides/slide6.xml><?xml version="1.0" encoding="utf-8"?>
+<file path=ppt/slides/slide7.xml><?xml version="1.0" encoding="utf-8"?>
 <p:sld xmlns:a="http://schemas.openxmlformats.org/drawingml/2006/main" xmlns:r="http://schemas.openxmlformats.org/officeDocument/2006/relationships" xmlns:p="http://schemas.openxmlformats.org/presentationml/2006/main">
   <p:cSld>
     <p:bg>
@@ -9598,7 +14976,7 @@
 </p:sld>
 </file>
 
-<file path=ppt/slides/slide7.xml><?xml version="1.0" encoding="utf-8"?>
+<file path=ppt/slides/slide8.xml><?xml version="1.0" encoding="utf-8"?>
 <p:sld xmlns:a="http://schemas.openxmlformats.org/drawingml/2006/main" xmlns:r="http://schemas.openxmlformats.org/officeDocument/2006/relationships" xmlns:p="http://schemas.openxmlformats.org/presentationml/2006/main">
   <p:cSld>
     <p:bg>
@@ -10207,7 +15585,7 @@
 </p:sld>
 </file>
 
-<file path=ppt/slides/slide8.xml><?xml version="1.0" encoding="utf-8"?>
+<file path=ppt/slides/slide9.xml><?xml version="1.0" encoding="utf-8"?>
 <p:sld xmlns:a="http://schemas.openxmlformats.org/drawingml/2006/main" xmlns:r="http://schemas.openxmlformats.org/officeDocument/2006/relationships" xmlns:p="http://schemas.openxmlformats.org/presentationml/2006/main">
   <p:cSld>
     <p:bg>
@@ -10266,91 +15644,6 @@
     <p:extLst>
       <p:ext uri="{BB962C8B-B14F-4D97-AF65-F5344CB8AC3E}">
         <p14:creationId xmlns:p14="http://schemas.microsoft.com/office/powerpoint/2010/main" val="3897024908"/>
-      </p:ext>
-    </p:extLst>
-  </p:cSld>
-  <p:clrMapOvr>
-    <a:masterClrMapping/>
-  </p:clrMapOvr>
-</p:sld>
-</file>
-
-<file path=ppt/slides/slide9.xml><?xml version="1.0" encoding="utf-8"?>
-<p:sld xmlns:a="http://schemas.openxmlformats.org/drawingml/2006/main" xmlns:r="http://schemas.openxmlformats.org/officeDocument/2006/relationships" xmlns:p="http://schemas.openxmlformats.org/presentationml/2006/main">
-  <p:cSld>
-    <p:bg>
-      <p:bgPr>
-        <a:solidFill>
-          <a:srgbClr val="FFDFD4"/>
-        </a:solidFill>
-        <a:effectLst/>
-      </p:bgPr>
-    </p:bg>
-    <p:spTree>
-      <p:nvGrpSpPr>
-        <p:cNvPr id="1" name=""/>
-        <p:cNvGrpSpPr/>
-        <p:nvPr/>
-      </p:nvGrpSpPr>
-      <p:grpSpPr>
-        <a:xfrm>
-          <a:off x="0" y="0"/>
-          <a:ext cx="0" cy="0"/>
-          <a:chOff x="0" y="0"/>
-          <a:chExt cx="0" cy="0"/>
-        </a:xfrm>
-      </p:grpSpPr>
-      <p:pic>
-        <p:nvPicPr>
-          <p:cNvPr id="10242" name="Picture 2">
-            <a:extLst>
-              <a:ext uri="{FF2B5EF4-FFF2-40B4-BE49-F238E27FC236}">
-                <a16:creationId xmlns:a16="http://schemas.microsoft.com/office/drawing/2014/main" id="{1F27091A-4D6E-55B7-2F8D-8C49F4F3C462}"/>
-              </a:ext>
-            </a:extLst>
-          </p:cNvPr>
-          <p:cNvPicPr>
-            <a:picLocks noChangeAspect="1" noChangeArrowheads="1"/>
-          </p:cNvPicPr>
-          <p:nvPr/>
-        </p:nvPicPr>
-        <p:blipFill>
-          <a:blip r:embed="rId2">
-            <a:extLst>
-              <a:ext uri="{28A0092B-C50C-407E-A947-70E740481C1C}">
-                <a14:useLocalDpi xmlns:a14="http://schemas.microsoft.com/office/drawing/2010/main" val="0"/>
-              </a:ext>
-            </a:extLst>
-          </a:blip>
-          <a:srcRect/>
-          <a:stretch>
-            <a:fillRect/>
-          </a:stretch>
-        </p:blipFill>
-        <p:spPr bwMode="auto">
-          <a:xfrm>
-            <a:off x="1421850" y="124200"/>
-            <a:ext cx="9348300" cy="6609600"/>
-          </a:xfrm>
-          <a:prstGeom prst="rect">
-            <a:avLst/>
-          </a:prstGeom>
-          <a:noFill/>
-          <a:extLst>
-            <a:ext uri="{909E8E84-426E-40DD-AFC4-6F175D3DCCD1}">
-              <a14:hiddenFill xmlns:a14="http://schemas.microsoft.com/office/drawing/2010/main">
-                <a:solidFill>
-                  <a:srgbClr val="FFFFFF"/>
-                </a:solidFill>
-              </a14:hiddenFill>
-            </a:ext>
-          </a:extLst>
-        </p:spPr>
-      </p:pic>
-    </p:spTree>
-    <p:extLst>
-      <p:ext uri="{BB962C8B-B14F-4D97-AF65-F5344CB8AC3E}">
-        <p14:creationId xmlns:p14="http://schemas.microsoft.com/office/powerpoint/2010/main" val="228837853"/>
       </p:ext>
     </p:extLst>
   </p:cSld>
